--- a/Capstone2/reports/Springboard Capstone 2 ppt.pptx
+++ b/Capstone2/reports/Springboard Capstone 2 ppt.pptx
@@ -10,24 +10,23 @@
     <p:sldId id="257" r:id="rId4"/>
     <p:sldId id="276" r:id="rId5"/>
     <p:sldId id="272" r:id="rId6"/>
-    <p:sldId id="277" r:id="rId7"/>
-    <p:sldId id="274" r:id="rId8"/>
-    <p:sldId id="275" r:id="rId9"/>
+    <p:sldId id="274" r:id="rId7"/>
+    <p:sldId id="275" r:id="rId8"/>
+    <p:sldId id="285" r:id="rId9"/>
     <p:sldId id="269" r:id="rId10"/>
     <p:sldId id="270" r:id="rId11"/>
     <p:sldId id="278" r:id="rId12"/>
     <p:sldId id="279" r:id="rId13"/>
-    <p:sldId id="280" r:id="rId14"/>
-    <p:sldId id="282" r:id="rId15"/>
-    <p:sldId id="260" r:id="rId16"/>
-    <p:sldId id="283" r:id="rId17"/>
-    <p:sldId id="261" r:id="rId18"/>
-    <p:sldId id="262" r:id="rId19"/>
-    <p:sldId id="264" r:id="rId20"/>
-    <p:sldId id="284" r:id="rId21"/>
-    <p:sldId id="265" r:id="rId22"/>
-    <p:sldId id="266" r:id="rId23"/>
-    <p:sldId id="267" r:id="rId24"/>
+    <p:sldId id="282" r:id="rId14"/>
+    <p:sldId id="260" r:id="rId15"/>
+    <p:sldId id="283" r:id="rId16"/>
+    <p:sldId id="261" r:id="rId17"/>
+    <p:sldId id="262" r:id="rId18"/>
+    <p:sldId id="264" r:id="rId19"/>
+    <p:sldId id="284" r:id="rId20"/>
+    <p:sldId id="265" r:id="rId21"/>
+    <p:sldId id="266" r:id="rId22"/>
+    <p:sldId id="267" r:id="rId23"/>
   </p:sldIdLst>
   <p:sldSz cx="12192000" cy="6858000"/>
   <p:notesSz cx="6858000" cy="9144000"/>
@@ -292,7 +291,7 @@
           <a:p>
             <a:fld id="{D088A4A2-9C3D-476C-840B-18FFDC96E060}" type="datetimeFigureOut">
               <a:rPr lang="en-US" smtClean="0"/>
-              <a:t>4/11/2021</a:t>
+              <a:t>6/7/2021</a:t>
             </a:fld>
             <a:endParaRPr lang="en-US"/>
           </a:p>
@@ -490,7 +489,7 @@
           <a:p>
             <a:fld id="{D088A4A2-9C3D-476C-840B-18FFDC96E060}" type="datetimeFigureOut">
               <a:rPr lang="en-US" smtClean="0"/>
-              <a:t>4/11/2021</a:t>
+              <a:t>6/7/2021</a:t>
             </a:fld>
             <a:endParaRPr lang="en-US"/>
           </a:p>
@@ -698,7 +697,7 @@
           <a:p>
             <a:fld id="{D088A4A2-9C3D-476C-840B-18FFDC96E060}" type="datetimeFigureOut">
               <a:rPr lang="en-US" smtClean="0"/>
-              <a:t>4/11/2021</a:t>
+              <a:t>6/7/2021</a:t>
             </a:fld>
             <a:endParaRPr lang="en-US"/>
           </a:p>
@@ -896,7 +895,7 @@
           <a:p>
             <a:fld id="{D088A4A2-9C3D-476C-840B-18FFDC96E060}" type="datetimeFigureOut">
               <a:rPr lang="en-US" smtClean="0"/>
-              <a:t>4/11/2021</a:t>
+              <a:t>6/7/2021</a:t>
             </a:fld>
             <a:endParaRPr lang="en-US"/>
           </a:p>
@@ -1171,7 +1170,7 @@
           <a:p>
             <a:fld id="{D088A4A2-9C3D-476C-840B-18FFDC96E060}" type="datetimeFigureOut">
               <a:rPr lang="en-US" smtClean="0"/>
-              <a:t>4/11/2021</a:t>
+              <a:t>6/7/2021</a:t>
             </a:fld>
             <a:endParaRPr lang="en-US"/>
           </a:p>
@@ -1436,7 +1435,7 @@
           <a:p>
             <a:fld id="{D088A4A2-9C3D-476C-840B-18FFDC96E060}" type="datetimeFigureOut">
               <a:rPr lang="en-US" smtClean="0"/>
-              <a:t>4/11/2021</a:t>
+              <a:t>6/7/2021</a:t>
             </a:fld>
             <a:endParaRPr lang="en-US"/>
           </a:p>
@@ -1848,7 +1847,7 @@
           <a:p>
             <a:fld id="{D088A4A2-9C3D-476C-840B-18FFDC96E060}" type="datetimeFigureOut">
               <a:rPr lang="en-US" smtClean="0"/>
-              <a:t>4/11/2021</a:t>
+              <a:t>6/7/2021</a:t>
             </a:fld>
             <a:endParaRPr lang="en-US"/>
           </a:p>
@@ -1989,7 +1988,7 @@
           <a:p>
             <a:fld id="{D088A4A2-9C3D-476C-840B-18FFDC96E060}" type="datetimeFigureOut">
               <a:rPr lang="en-US" smtClean="0"/>
-              <a:t>4/11/2021</a:t>
+              <a:t>6/7/2021</a:t>
             </a:fld>
             <a:endParaRPr lang="en-US"/>
           </a:p>
@@ -2102,7 +2101,7 @@
           <a:p>
             <a:fld id="{D088A4A2-9C3D-476C-840B-18FFDC96E060}" type="datetimeFigureOut">
               <a:rPr lang="en-US" smtClean="0"/>
-              <a:t>4/11/2021</a:t>
+              <a:t>6/7/2021</a:t>
             </a:fld>
             <a:endParaRPr lang="en-US"/>
           </a:p>
@@ -2413,7 +2412,7 @@
           <a:p>
             <a:fld id="{D088A4A2-9C3D-476C-840B-18FFDC96E060}" type="datetimeFigureOut">
               <a:rPr lang="en-US" smtClean="0"/>
-              <a:t>4/11/2021</a:t>
+              <a:t>6/7/2021</a:t>
             </a:fld>
             <a:endParaRPr lang="en-US"/>
           </a:p>
@@ -2701,7 +2700,7 @@
           <a:p>
             <a:fld id="{D088A4A2-9C3D-476C-840B-18FFDC96E060}" type="datetimeFigureOut">
               <a:rPr lang="en-US" smtClean="0"/>
-              <a:t>4/11/2021</a:t>
+              <a:t>6/7/2021</a:t>
             </a:fld>
             <a:endParaRPr lang="en-US"/>
           </a:p>
@@ -2942,7 +2941,7 @@
           <a:p>
             <a:fld id="{D088A4A2-9C3D-476C-840B-18FFDC96E060}" type="datetimeFigureOut">
               <a:rPr lang="en-US" smtClean="0"/>
-              <a:t>4/11/2021</a:t>
+              <a:t>6/7/2021</a:t>
             </a:fld>
             <a:endParaRPr lang="en-US"/>
           </a:p>
@@ -3514,14 +3513,14 @@
           <a:p>
             <a:r>
               <a:rPr lang="en-US" dirty="0"/>
-              <a:t>Preprocessing transformations: </a:t>
+              <a:t>Transformations: </a:t>
             </a:r>
             <a:br>
               <a:rPr lang="en-US" dirty="0"/>
             </a:br>
             <a:r>
               <a:rPr lang="en-US" dirty="0"/>
-              <a:t>Electrodermal activity (EDA)</a:t>
+              <a:t>Electrodermal activity</a:t>
             </a:r>
           </a:p>
         </p:txBody>
@@ -3550,7 +3549,7 @@
         </p:spPr>
         <p:txBody>
           <a:bodyPr>
-            <a:normAutofit fontScale="92500" lnSpcReduction="10000"/>
+            <a:normAutofit/>
           </a:bodyPr>
           <a:lstStyle/>
           <a:p>
@@ -3560,49 +3559,27 @@
             </a:r>
             <a:r>
               <a:rPr lang="en-US" dirty="0"/>
-              <a:t> EDA to 4 Hz</a:t>
+              <a:t> to 4 Hz and compute change in skin conductance at each time point</a:t>
             </a:r>
           </a:p>
           <a:p>
             <a:endParaRPr lang="en-US" dirty="0"/>
           </a:p>
           <a:p>
-            <a:r>
-              <a:rPr lang="en-US" dirty="0"/>
-              <a:t>Difference to obtain change in EDA</a:t>
-            </a:r>
-          </a:p>
-          <a:p>
-            <a:endParaRPr lang="en-US" dirty="0"/>
-          </a:p>
-          <a:p>
-            <a:r>
-              <a:rPr lang="en-US" dirty="0"/>
-              <a:t>Examine with </a:t>
-            </a:r>
             <a:r>
               <a:rPr lang="en-US" dirty="0" err="1"/>
               <a:t>Scipy’s</a:t>
             </a:r>
             <a:r>
               <a:rPr lang="en-US" dirty="0"/>
-              <a:t> </a:t>
-            </a:r>
-            <a:r>
-              <a:rPr lang="en-US" dirty="0" err="1"/>
-              <a:t>find_peaks</a:t>
-            </a:r>
-            <a:endParaRPr lang="en-US" dirty="0"/>
+              <a:t> peak finding finds sudden increases in skin conductance</a:t>
+            </a:r>
           </a:p>
           <a:p>
             <a:pPr lvl="1"/>
             <a:r>
-              <a:rPr lang="en-US" dirty="0" err="1"/>
-              <a:t>Peak_prominence</a:t>
-            </a:r>
-            <a:r>
               <a:rPr lang="en-US" dirty="0"/>
-              <a:t> argument was varied to obtain 200-500 peaks per subject </a:t>
+              <a:t>Indicates sweating</a:t>
             </a:r>
           </a:p>
         </p:txBody>
@@ -3636,6 +3613,44 @@
           </a:prstGeom>
         </p:spPr>
       </p:pic>
+      <p:sp>
+        <p:nvSpPr>
+          <p:cNvPr id="6" name="TextBox 5">
+            <a:extLst>
+              <a:ext uri="{FF2B5EF4-FFF2-40B4-BE49-F238E27FC236}">
+                <a16:creationId xmlns:a16="http://schemas.microsoft.com/office/drawing/2014/main" id="{71F3BA60-345E-4679-8E2B-24F929903F39}"/>
+              </a:ext>
+            </a:extLst>
+          </p:cNvPr>
+          <p:cNvSpPr txBox="1"/>
+          <p:nvPr/>
+        </p:nvSpPr>
+        <p:spPr>
+          <a:xfrm>
+            <a:off x="0" y="0"/>
+            <a:ext cx="5580993" cy="338554"/>
+          </a:xfrm>
+          <a:prstGeom prst="rect">
+            <a:avLst/>
+          </a:prstGeom>
+          <a:noFill/>
+        </p:spPr>
+        <p:txBody>
+          <a:bodyPr wrap="square" rtlCol="0">
+            <a:spAutoFit/>
+          </a:bodyPr>
+          <a:lstStyle/>
+          <a:p>
+            <a:r>
+              <a:rPr lang="en-US" sz="1600" dirty="0">
+                <a:hlinkClick r:id="rId4"/>
+              </a:rPr>
+              <a:t>(Electrodermal Notebook on Github)</a:t>
+            </a:r>
+            <a:endParaRPr lang="en-US" sz="1600" dirty="0"/>
+          </a:p>
+        </p:txBody>
+      </p:sp>
     </p:spTree>
     <p:extLst>
       <p:ext uri="{BB962C8B-B14F-4D97-AF65-F5344CB8AC3E}">
@@ -3689,7 +3704,14 @@
           <a:p>
             <a:r>
               <a:rPr lang="en-US" dirty="0"/>
-              <a:t>Preprocessing transformations: Electromyography (EMG)</a:t>
+              <a:t>Transformations: </a:t>
+            </a:r>
+            <a:br>
+              <a:rPr lang="en-US" dirty="0"/>
+            </a:br>
+            <a:r>
+              <a:rPr lang="en-US" dirty="0"/>
+              <a:t>Electromyography (EMG)</a:t>
             </a:r>
           </a:p>
         </p:txBody>
@@ -4140,6 +4162,44 @@
           </a:p>
         </p:txBody>
       </p:sp>
+      <p:sp>
+        <p:nvSpPr>
+          <p:cNvPr id="15" name="TextBox 14">
+            <a:extLst>
+              <a:ext uri="{FF2B5EF4-FFF2-40B4-BE49-F238E27FC236}">
+                <a16:creationId xmlns:a16="http://schemas.microsoft.com/office/drawing/2014/main" id="{3F8CFC84-9002-454C-AAD7-2D2F9A4865D2}"/>
+              </a:ext>
+            </a:extLst>
+          </p:cNvPr>
+          <p:cNvSpPr txBox="1"/>
+          <p:nvPr/>
+        </p:nvSpPr>
+        <p:spPr>
+          <a:xfrm>
+            <a:off x="0" y="0"/>
+            <a:ext cx="5580993" cy="338554"/>
+          </a:xfrm>
+          <a:prstGeom prst="rect">
+            <a:avLst/>
+          </a:prstGeom>
+          <a:noFill/>
+        </p:spPr>
+        <p:txBody>
+          <a:bodyPr wrap="square" rtlCol="0">
+            <a:spAutoFit/>
+          </a:bodyPr>
+          <a:lstStyle/>
+          <a:p>
+            <a:r>
+              <a:rPr lang="en-US" sz="1600" dirty="0">
+                <a:hlinkClick r:id="rId5"/>
+              </a:rPr>
+              <a:t>(EMG, accelerometers, respiration Notebook on Github)</a:t>
+            </a:r>
+            <a:endParaRPr lang="en-US" sz="1600" dirty="0"/>
+          </a:p>
+        </p:txBody>
+      </p:sp>
     </p:spTree>
     <p:extLst>
       <p:ext uri="{BB962C8B-B14F-4D97-AF65-F5344CB8AC3E}">
@@ -4193,7 +4253,14 @@
           <a:p>
             <a:r>
               <a:rPr lang="en-US" dirty="0"/>
-              <a:t>Preprocessing transformations: Accelerometers (chest and wrist)</a:t>
+              <a:t>Transformations: </a:t>
+            </a:r>
+            <a:br>
+              <a:rPr lang="en-US" dirty="0"/>
+            </a:br>
+            <a:r>
+              <a:rPr lang="en-US" dirty="0"/>
+              <a:t>Accelerometers (chest and wrist)</a:t>
             </a:r>
           </a:p>
         </p:txBody>
@@ -4281,6 +4348,44 @@
           </a:prstGeom>
         </p:spPr>
       </p:pic>
+      <p:sp>
+        <p:nvSpPr>
+          <p:cNvPr id="5" name="TextBox 4">
+            <a:extLst>
+              <a:ext uri="{FF2B5EF4-FFF2-40B4-BE49-F238E27FC236}">
+                <a16:creationId xmlns:a16="http://schemas.microsoft.com/office/drawing/2014/main" id="{8612328D-3E00-4913-B8AE-0FBF7C678A9D}"/>
+              </a:ext>
+            </a:extLst>
+          </p:cNvPr>
+          <p:cNvSpPr txBox="1"/>
+          <p:nvPr/>
+        </p:nvSpPr>
+        <p:spPr>
+          <a:xfrm>
+            <a:off x="0" y="0"/>
+            <a:ext cx="5580993" cy="338554"/>
+          </a:xfrm>
+          <a:prstGeom prst="rect">
+            <a:avLst/>
+          </a:prstGeom>
+          <a:noFill/>
+        </p:spPr>
+        <p:txBody>
+          <a:bodyPr wrap="square" rtlCol="0">
+            <a:spAutoFit/>
+          </a:bodyPr>
+          <a:lstStyle/>
+          <a:p>
+            <a:r>
+              <a:rPr lang="en-US" sz="1600" dirty="0">
+                <a:hlinkClick r:id="rId3"/>
+              </a:rPr>
+              <a:t>(EMG, accelerometers, respiration Notebook on Github)</a:t>
+            </a:r>
+            <a:endParaRPr lang="en-US" sz="1600" dirty="0"/>
+          </a:p>
+        </p:txBody>
+      </p:sp>
     </p:spTree>
     <p:extLst>
       <p:ext uri="{BB962C8B-B14F-4D97-AF65-F5344CB8AC3E}">
@@ -4316,7 +4421,7 @@
           <p:cNvPr id="2" name="Title 1">
             <a:extLst>
               <a:ext uri="{FF2B5EF4-FFF2-40B4-BE49-F238E27FC236}">
-                <a16:creationId xmlns:a16="http://schemas.microsoft.com/office/drawing/2014/main" id="{FB82CB1B-278E-4683-B3D2-1A6C1DC58D62}"/>
+                <a16:creationId xmlns:a16="http://schemas.microsoft.com/office/drawing/2014/main" id="{F3499719-C92B-4FE0-85CE-5982EC4A01F1}"/>
               </a:ext>
             </a:extLst>
           </p:cNvPr>
@@ -4327,19 +4432,14 @@
             <p:ph type="title"/>
           </p:nvPr>
         </p:nvSpPr>
-        <p:spPr>
-          <a:xfrm>
-            <a:off x="838200" y="365125"/>
-            <a:ext cx="3365938" cy="1325563"/>
-          </a:xfrm>
-        </p:spPr>
+        <p:spPr/>
         <p:txBody>
           <a:bodyPr/>
           <a:lstStyle/>
           <a:p>
             <a:r>
               <a:rPr lang="en-US" dirty="0"/>
-              <a:t>Aggregation/ Segmentation</a:t>
+              <a:t>Respiration</a:t>
             </a:r>
           </a:p>
         </p:txBody>
@@ -4349,7 +4449,7 @@
           <p:cNvPr id="3" name="Content Placeholder 2">
             <a:extLst>
               <a:ext uri="{FF2B5EF4-FFF2-40B4-BE49-F238E27FC236}">
-                <a16:creationId xmlns:a16="http://schemas.microsoft.com/office/drawing/2014/main" id="{AF92E0DF-2713-43CC-8B1F-26543B597F58}"/>
+                <a16:creationId xmlns:a16="http://schemas.microsoft.com/office/drawing/2014/main" id="{707EA0CD-D158-4CF8-BC8E-10ECF56869C6}"/>
               </a:ext>
             </a:extLst>
           </p:cNvPr>
@@ -4360,19 +4460,21 @@
             <p:ph idx="1"/>
           </p:nvPr>
         </p:nvSpPr>
-        <p:spPr>
-          <a:xfrm>
-            <a:off x="838200" y="1825625"/>
-            <a:ext cx="3513083" cy="4351338"/>
-          </a:xfrm>
-        </p:spPr>
+        <p:spPr/>
         <p:txBody>
           <a:bodyPr/>
           <a:lstStyle/>
           <a:p>
             <a:r>
               <a:rPr lang="en-US" dirty="0"/>
-              <a:t>Physio metrics were aggregated over entire task segments to create features.</a:t>
+              <a:t>Transformation:</a:t>
+            </a:r>
+          </a:p>
+          <a:p>
+            <a:pPr lvl="1"/>
+            <a:r>
+              <a:rPr lang="en-US" dirty="0"/>
+              <a:t>Downsampled to 10 Hz</a:t>
             </a:r>
           </a:p>
           <a:p>
@@ -4381,8 +4483,21 @@
           <a:p>
             <a:r>
               <a:rPr lang="en-US" dirty="0"/>
-              <a:t>Aggregation method was specific to each physio metric.</a:t>
-            </a:r>
+              <a:t>Aggregation for respiration consistency/coherence:</a:t>
+            </a:r>
+          </a:p>
+          <a:p>
+            <a:pPr lvl="1"/>
+            <a:r>
+              <a:rPr lang="en-US" dirty="0"/>
+              <a:t>Total energy of autocorrelation function (up to 7000 lags)</a:t>
+            </a:r>
+          </a:p>
+          <a:p>
+            <a:endParaRPr lang="en-US" dirty="0"/>
+          </a:p>
+          <a:p>
+            <a:endParaRPr lang="en-US" dirty="0"/>
           </a:p>
         </p:txBody>
       </p:sp>
@@ -4391,7 +4506,7 @@
           <p:cNvPr id="4" name="Picture 3">
             <a:extLst>
               <a:ext uri="{FF2B5EF4-FFF2-40B4-BE49-F238E27FC236}">
-                <a16:creationId xmlns:a16="http://schemas.microsoft.com/office/drawing/2014/main" id="{E91DFF5B-B57B-4C77-8E94-D6E645095A50}"/>
+                <a16:creationId xmlns:a16="http://schemas.microsoft.com/office/drawing/2014/main" id="{E269265B-3911-4194-8CE0-4346546DF0B5}"/>
               </a:ext>
             </a:extLst>
           </p:cNvPr>
@@ -4400,16 +4515,44 @@
           </p:cNvPicPr>
           <p:nvPr/>
         </p:nvPicPr>
-        <p:blipFill>
+        <p:blipFill rotWithShape="1">
           <a:blip r:embed="rId2"/>
-          <a:stretch>
-            <a:fillRect/>
-          </a:stretch>
+          <a:srcRect t="41236" b="45104"/>
+          <a:stretch/>
         </p:blipFill>
         <p:spPr>
           <a:xfrm>
-            <a:off x="4575955" y="264914"/>
-            <a:ext cx="7386306" cy="3003804"/>
+            <a:off x="3789387" y="583157"/>
+            <a:ext cx="7701048" cy="1054430"/>
+          </a:xfrm>
+          <a:prstGeom prst="rect">
+            <a:avLst/>
+          </a:prstGeom>
+        </p:spPr>
+      </p:pic>
+      <p:pic>
+        <p:nvPicPr>
+          <p:cNvPr id="5" name="Picture 4">
+            <a:extLst>
+              <a:ext uri="{FF2B5EF4-FFF2-40B4-BE49-F238E27FC236}">
+                <a16:creationId xmlns:a16="http://schemas.microsoft.com/office/drawing/2014/main" id="{C05E397D-8B55-4AC4-B9B0-76D605CC06F7}"/>
+              </a:ext>
+            </a:extLst>
+          </p:cNvPr>
+          <p:cNvPicPr>
+            <a:picLocks noChangeAspect="1"/>
+          </p:cNvPicPr>
+          <p:nvPr/>
+        </p:nvPicPr>
+        <p:blipFill rotWithShape="1">
+          <a:blip r:embed="rId2"/>
+          <a:srcRect l="3274" t="96453" r="-3274" b="40"/>
+          <a:stretch/>
+        </p:blipFill>
+        <p:spPr>
+          <a:xfrm>
+            <a:off x="4136229" y="1570118"/>
+            <a:ext cx="7701048" cy="270724"/>
           </a:xfrm>
           <a:prstGeom prst="rect">
             <a:avLst/>
@@ -4418,252 +4561,46 @@
       </p:pic>
       <p:sp>
         <p:nvSpPr>
-          <p:cNvPr id="5" name="Content Placeholder 2">
-            <a:extLst>
-              <a:ext uri="{FF2B5EF4-FFF2-40B4-BE49-F238E27FC236}">
-                <a16:creationId xmlns:a16="http://schemas.microsoft.com/office/drawing/2014/main" id="{CF63E964-9AB5-43D7-9243-09F84191C412}"/>
-              </a:ext>
-            </a:extLst>
-          </p:cNvPr>
-          <p:cNvSpPr txBox="1">
-            <a:spLocks/>
-          </p:cNvSpPr>
+          <p:cNvPr id="6" name="TextBox 5">
+            <a:extLst>
+              <a:ext uri="{FF2B5EF4-FFF2-40B4-BE49-F238E27FC236}">
+                <a16:creationId xmlns:a16="http://schemas.microsoft.com/office/drawing/2014/main" id="{DAB5A4AD-6B5D-424D-9825-CB71BC7705DA}"/>
+              </a:ext>
+            </a:extLst>
+          </p:cNvPr>
+          <p:cNvSpPr txBox="1"/>
           <p:nvPr/>
         </p:nvSpPr>
         <p:spPr>
           <a:xfrm>
-            <a:off x="4575955" y="3429000"/>
-            <a:ext cx="7006445" cy="3329152"/>
+            <a:off x="0" y="0"/>
+            <a:ext cx="5580993" cy="338554"/>
           </a:xfrm>
           <a:prstGeom prst="rect">
             <a:avLst/>
           </a:prstGeom>
-          <a:ln>
-            <a:solidFill>
-              <a:schemeClr val="tx1"/>
-            </a:solidFill>
-          </a:ln>
+          <a:noFill/>
         </p:spPr>
         <p:txBody>
-          <a:bodyPr vert="horz" lIns="91440" tIns="45720" rIns="91440" bIns="45720" rtlCol="0">
-            <a:normAutofit fontScale="92500" lnSpcReduction="10000"/>
+          <a:bodyPr wrap="square" rtlCol="0">
+            <a:spAutoFit/>
           </a:bodyPr>
-          <a:lstStyle>
-            <a:lvl1pPr marL="228600" indent="-228600" algn="l" defTabSz="914400" rtl="0" eaLnBrk="1" latinLnBrk="0" hangingPunct="1">
-              <a:lnSpc>
-                <a:spcPct val="90000"/>
-              </a:lnSpc>
-              <a:spcBef>
-                <a:spcPts val="1000"/>
-              </a:spcBef>
-              <a:buFont typeface="Arial" panose="020B0604020202020204" pitchFamily="34" charset="0"/>
-              <a:buChar char="•"/>
-              <a:defRPr sz="2800" kern="1200">
-                <a:solidFill>
-                  <a:schemeClr val="tx1"/>
-                </a:solidFill>
-                <a:latin typeface="+mn-lt"/>
-                <a:ea typeface="+mn-ea"/>
-                <a:cs typeface="+mn-cs"/>
-              </a:defRPr>
-            </a:lvl1pPr>
-            <a:lvl2pPr marL="685800" indent="-228600" algn="l" defTabSz="914400" rtl="0" eaLnBrk="1" latinLnBrk="0" hangingPunct="1">
-              <a:lnSpc>
-                <a:spcPct val="90000"/>
-              </a:lnSpc>
-              <a:spcBef>
-                <a:spcPts val="500"/>
-              </a:spcBef>
-              <a:buFont typeface="Arial" panose="020B0604020202020204" pitchFamily="34" charset="0"/>
-              <a:buChar char="•"/>
-              <a:defRPr sz="2400" kern="1200">
-                <a:solidFill>
-                  <a:schemeClr val="tx1"/>
-                </a:solidFill>
-                <a:latin typeface="+mn-lt"/>
-                <a:ea typeface="+mn-ea"/>
-                <a:cs typeface="+mn-cs"/>
-              </a:defRPr>
-            </a:lvl2pPr>
-            <a:lvl3pPr marL="1143000" indent="-228600" algn="l" defTabSz="914400" rtl="0" eaLnBrk="1" latinLnBrk="0" hangingPunct="1">
-              <a:lnSpc>
-                <a:spcPct val="90000"/>
-              </a:lnSpc>
-              <a:spcBef>
-                <a:spcPts val="500"/>
-              </a:spcBef>
-              <a:buFont typeface="Arial" panose="020B0604020202020204" pitchFamily="34" charset="0"/>
-              <a:buChar char="•"/>
-              <a:defRPr sz="2000" kern="1200">
-                <a:solidFill>
-                  <a:schemeClr val="tx1"/>
-                </a:solidFill>
-                <a:latin typeface="+mn-lt"/>
-                <a:ea typeface="+mn-ea"/>
-                <a:cs typeface="+mn-cs"/>
-              </a:defRPr>
-            </a:lvl3pPr>
-            <a:lvl4pPr marL="1600200" indent="-228600" algn="l" defTabSz="914400" rtl="0" eaLnBrk="1" latinLnBrk="0" hangingPunct="1">
-              <a:lnSpc>
-                <a:spcPct val="90000"/>
-              </a:lnSpc>
-              <a:spcBef>
-                <a:spcPts val="500"/>
-              </a:spcBef>
-              <a:buFont typeface="Arial" panose="020B0604020202020204" pitchFamily="34" charset="0"/>
-              <a:buChar char="•"/>
-              <a:defRPr sz="1800" kern="1200">
-                <a:solidFill>
-                  <a:schemeClr val="tx1"/>
-                </a:solidFill>
-                <a:latin typeface="+mn-lt"/>
-                <a:ea typeface="+mn-ea"/>
-                <a:cs typeface="+mn-cs"/>
-              </a:defRPr>
-            </a:lvl4pPr>
-            <a:lvl5pPr marL="2057400" indent="-228600" algn="l" defTabSz="914400" rtl="0" eaLnBrk="1" latinLnBrk="0" hangingPunct="1">
-              <a:lnSpc>
-                <a:spcPct val="90000"/>
-              </a:lnSpc>
-              <a:spcBef>
-                <a:spcPts val="500"/>
-              </a:spcBef>
-              <a:buFont typeface="Arial" panose="020B0604020202020204" pitchFamily="34" charset="0"/>
-              <a:buChar char="•"/>
-              <a:defRPr sz="1800" kern="1200">
-                <a:solidFill>
-                  <a:schemeClr val="tx1"/>
-                </a:solidFill>
-                <a:latin typeface="+mn-lt"/>
-                <a:ea typeface="+mn-ea"/>
-                <a:cs typeface="+mn-cs"/>
-              </a:defRPr>
-            </a:lvl5pPr>
-            <a:lvl6pPr marL="2514600" indent="-228600" algn="l" defTabSz="914400" rtl="0" eaLnBrk="1" latinLnBrk="0" hangingPunct="1">
-              <a:lnSpc>
-                <a:spcPct val="90000"/>
-              </a:lnSpc>
-              <a:spcBef>
-                <a:spcPts val="500"/>
-              </a:spcBef>
-              <a:buFont typeface="Arial" panose="020B0604020202020204" pitchFamily="34" charset="0"/>
-              <a:buChar char="•"/>
-              <a:defRPr sz="1800" kern="1200">
-                <a:solidFill>
-                  <a:schemeClr val="tx1"/>
-                </a:solidFill>
-                <a:latin typeface="+mn-lt"/>
-                <a:ea typeface="+mn-ea"/>
-                <a:cs typeface="+mn-cs"/>
-              </a:defRPr>
-            </a:lvl6pPr>
-            <a:lvl7pPr marL="2971800" indent="-228600" algn="l" defTabSz="914400" rtl="0" eaLnBrk="1" latinLnBrk="0" hangingPunct="1">
-              <a:lnSpc>
-                <a:spcPct val="90000"/>
-              </a:lnSpc>
-              <a:spcBef>
-                <a:spcPts val="500"/>
-              </a:spcBef>
-              <a:buFont typeface="Arial" panose="020B0604020202020204" pitchFamily="34" charset="0"/>
-              <a:buChar char="•"/>
-              <a:defRPr sz="1800" kern="1200">
-                <a:solidFill>
-                  <a:schemeClr val="tx1"/>
-                </a:solidFill>
-                <a:latin typeface="+mn-lt"/>
-                <a:ea typeface="+mn-ea"/>
-                <a:cs typeface="+mn-cs"/>
-              </a:defRPr>
-            </a:lvl7pPr>
-            <a:lvl8pPr marL="3429000" indent="-228600" algn="l" defTabSz="914400" rtl="0" eaLnBrk="1" latinLnBrk="0" hangingPunct="1">
-              <a:lnSpc>
-                <a:spcPct val="90000"/>
-              </a:lnSpc>
-              <a:spcBef>
-                <a:spcPts val="500"/>
-              </a:spcBef>
-              <a:buFont typeface="Arial" panose="020B0604020202020204" pitchFamily="34" charset="0"/>
-              <a:buChar char="•"/>
-              <a:defRPr sz="1800" kern="1200">
-                <a:solidFill>
-                  <a:schemeClr val="tx1"/>
-                </a:solidFill>
-                <a:latin typeface="+mn-lt"/>
-                <a:ea typeface="+mn-ea"/>
-                <a:cs typeface="+mn-cs"/>
-              </a:defRPr>
-            </a:lvl8pPr>
-            <a:lvl9pPr marL="3886200" indent="-228600" algn="l" defTabSz="914400" rtl="0" eaLnBrk="1" latinLnBrk="0" hangingPunct="1">
-              <a:lnSpc>
-                <a:spcPct val="90000"/>
-              </a:lnSpc>
-              <a:spcBef>
-                <a:spcPts val="500"/>
-              </a:spcBef>
-              <a:buFont typeface="Arial" panose="020B0604020202020204" pitchFamily="34" charset="0"/>
-              <a:buChar char="•"/>
-              <a:defRPr sz="1800" kern="1200">
-                <a:solidFill>
-                  <a:schemeClr val="tx1"/>
-                </a:solidFill>
-                <a:latin typeface="+mn-lt"/>
-                <a:ea typeface="+mn-ea"/>
-                <a:cs typeface="+mn-cs"/>
-              </a:defRPr>
-            </a:lvl9pPr>
-          </a:lstStyle>
-          <a:p>
-            <a:r>
-              <a:rPr lang="en-US" dirty="0"/>
-              <a:t>ECG-derived interbeat intervals</a:t>
-            </a:r>
-          </a:p>
-          <a:p>
-            <a:pPr lvl="1"/>
-            <a:r>
-              <a:rPr lang="en-US" dirty="0"/>
-              <a:t>Mean heart rate (HR) – beats per minute</a:t>
-            </a:r>
-          </a:p>
-          <a:p>
-            <a:pPr lvl="1"/>
-            <a:r>
-              <a:rPr lang="en-US" dirty="0"/>
-              <a:t>Root-mean-square of successive differences to obtain heart-rate-variability (HRV)</a:t>
-            </a:r>
-          </a:p>
-          <a:p>
-            <a:r>
-              <a:rPr lang="en-US" dirty="0"/>
-              <a:t>EDA-derived galvanic skin responses</a:t>
-            </a:r>
-          </a:p>
-          <a:p>
-            <a:pPr lvl="1"/>
-            <a:r>
-              <a:rPr lang="en-US" dirty="0"/>
-              <a:t>Count divided by task duration (mean of Boolean array)</a:t>
-            </a:r>
-          </a:p>
-          <a:p>
-            <a:r>
-              <a:rPr lang="en-US" dirty="0"/>
-              <a:t>EMG &amp; Accelerometers</a:t>
-            </a:r>
-          </a:p>
-          <a:p>
-            <a:pPr lvl="1"/>
-            <a:r>
-              <a:rPr lang="en-US" dirty="0"/>
-              <a:t>Mean of previously obtained power values</a:t>
-            </a:r>
+          <a:lstStyle/>
+          <a:p>
+            <a:r>
+              <a:rPr lang="en-US" sz="1600" dirty="0">
+                <a:hlinkClick r:id="rId3"/>
+              </a:rPr>
+              <a:t>(EMG, accelerometers, respiration Notebook on Github)</a:t>
+            </a:r>
+            <a:endParaRPr lang="en-US" sz="1600" dirty="0"/>
           </a:p>
         </p:txBody>
       </p:sp>
     </p:spTree>
     <p:extLst>
       <p:ext uri="{BB962C8B-B14F-4D97-AF65-F5344CB8AC3E}">
-        <p14:creationId xmlns:p14="http://schemas.microsoft.com/office/powerpoint/2010/main" val="180343411"/>
+        <p14:creationId xmlns:p14="http://schemas.microsoft.com/office/powerpoint/2010/main" val="2347592941"/>
       </p:ext>
     </p:extLst>
   </p:cSld>
@@ -4695,7 +4632,7 @@
           <p:cNvPr id="2" name="Title 1">
             <a:extLst>
               <a:ext uri="{FF2B5EF4-FFF2-40B4-BE49-F238E27FC236}">
-                <a16:creationId xmlns:a16="http://schemas.microsoft.com/office/drawing/2014/main" id="{F3499719-C92B-4FE0-85CE-5982EC4A01F1}"/>
+                <a16:creationId xmlns:a16="http://schemas.microsoft.com/office/drawing/2014/main" id="{1F9A29A2-BC54-4AD0-BE07-A9D31D1AED92}"/>
               </a:ext>
             </a:extLst>
           </p:cNvPr>
@@ -4713,7 +4650,7 @@
           <a:p>
             <a:r>
               <a:rPr lang="en-US" dirty="0"/>
-              <a:t>Respiration</a:t>
+              <a:t>Exploratory Data Analysis</a:t>
             </a:r>
           </a:p>
         </p:txBody>
@@ -4723,7 +4660,7 @@
           <p:cNvPr id="3" name="Content Placeholder 2">
             <a:extLst>
               <a:ext uri="{FF2B5EF4-FFF2-40B4-BE49-F238E27FC236}">
-                <a16:creationId xmlns:a16="http://schemas.microsoft.com/office/drawing/2014/main" id="{707EA0CD-D158-4CF8-BC8E-10ECF56869C6}"/>
+                <a16:creationId xmlns:a16="http://schemas.microsoft.com/office/drawing/2014/main" id="{00EE0A11-3529-4330-BDDD-A40BBB6E6110}"/>
               </a:ext>
             </a:extLst>
           </p:cNvPr>
@@ -4734,41 +4671,33 @@
             <p:ph idx="1"/>
           </p:nvPr>
         </p:nvSpPr>
-        <p:spPr/>
+        <p:spPr>
+          <a:xfrm>
+            <a:off x="838200" y="1541846"/>
+            <a:ext cx="10515600" cy="4351338"/>
+          </a:xfrm>
+        </p:spPr>
         <p:txBody>
           <a:bodyPr/>
           <a:lstStyle/>
           <a:p>
             <a:r>
               <a:rPr lang="en-US" dirty="0"/>
-              <a:t>Transformation:</a:t>
+              <a:t>Different tasks display expected physiological profiles</a:t>
+            </a:r>
+          </a:p>
+          <a:p>
+            <a:r>
+              <a:rPr lang="en-US" dirty="0"/>
+              <a:t>Social stress – high heart rate, high electrodermal activity</a:t>
             </a:r>
           </a:p>
           <a:p>
             <a:pPr lvl="1"/>
             <a:r>
               <a:rPr lang="en-US" dirty="0"/>
-              <a:t>Downsampled to 10 Hz</a:t>
-            </a:r>
-          </a:p>
-          <a:p>
-            <a:endParaRPr lang="en-US" dirty="0"/>
-          </a:p>
-          <a:p>
-            <a:r>
-              <a:rPr lang="en-US" dirty="0"/>
-              <a:t>Aggregation for respiration consistency/coherence:</a:t>
-            </a:r>
-          </a:p>
-          <a:p>
-            <a:pPr lvl="1"/>
-            <a:r>
-              <a:rPr lang="en-US" dirty="0"/>
-              <a:t>Total energy of autocorrelation function (up to 7000 lags)</a:t>
-            </a:r>
-          </a:p>
-          <a:p>
-            <a:endParaRPr lang="en-US" dirty="0"/>
+              <a:t>Consistent with sympathetic nervous system activation</a:t>
+            </a:r>
           </a:p>
           <a:p>
             <a:endParaRPr lang="en-US" dirty="0"/>
@@ -4777,10 +4706,10 @@
       </p:sp>
       <p:pic>
         <p:nvPicPr>
-          <p:cNvPr id="4" name="Picture 3">
-            <a:extLst>
-              <a:ext uri="{FF2B5EF4-FFF2-40B4-BE49-F238E27FC236}">
-                <a16:creationId xmlns:a16="http://schemas.microsoft.com/office/drawing/2014/main" id="{E269265B-3911-4194-8CE0-4346546DF0B5}"/>
+          <p:cNvPr id="5" name="Picture 4">
+            <a:extLst>
+              <a:ext uri="{FF2B5EF4-FFF2-40B4-BE49-F238E27FC236}">
+                <a16:creationId xmlns:a16="http://schemas.microsoft.com/office/drawing/2014/main" id="{E37889A6-4C79-404B-A1DE-407526E7B403}"/>
               </a:ext>
             </a:extLst>
           </p:cNvPr>
@@ -4789,54 +4718,208 @@
           </p:cNvPicPr>
           <p:nvPr/>
         </p:nvPicPr>
-        <p:blipFill rotWithShape="1">
+        <p:blipFill>
           <a:blip r:embed="rId2"/>
-          <a:srcRect t="41236" b="45104"/>
-          <a:stretch/>
+          <a:stretch>
+            <a:fillRect/>
+          </a:stretch>
         </p:blipFill>
         <p:spPr>
           <a:xfrm>
-            <a:off x="3789387" y="583157"/>
-            <a:ext cx="7701048" cy="1054430"/>
+            <a:off x="283778" y="3162596"/>
+            <a:ext cx="11477297" cy="3500576"/>
           </a:xfrm>
           <a:prstGeom prst="rect">
             <a:avLst/>
           </a:prstGeom>
         </p:spPr>
       </p:pic>
-      <p:pic>
-        <p:nvPicPr>
-          <p:cNvPr id="5" name="Picture 4">
-            <a:extLst>
-              <a:ext uri="{FF2B5EF4-FFF2-40B4-BE49-F238E27FC236}">
-                <a16:creationId xmlns:a16="http://schemas.microsoft.com/office/drawing/2014/main" id="{C05E397D-8B55-4AC4-B9B0-76D605CC06F7}"/>
-              </a:ext>
-            </a:extLst>
-          </p:cNvPr>
-          <p:cNvPicPr>
-            <a:picLocks noChangeAspect="1"/>
-          </p:cNvPicPr>
-          <p:nvPr/>
-        </p:nvPicPr>
-        <p:blipFill rotWithShape="1">
-          <a:blip r:embed="rId2"/>
-          <a:srcRect l="3274" t="96453" r="-3274" b="40"/>
-          <a:stretch/>
-        </p:blipFill>
-        <p:spPr>
-          <a:xfrm>
-            <a:off x="4136229" y="1570118"/>
-            <a:ext cx="7701048" cy="270724"/>
-          </a:xfrm>
-          <a:prstGeom prst="rect">
-            <a:avLst/>
-          </a:prstGeom>
-        </p:spPr>
-      </p:pic>
+      <p:graphicFrame>
+        <p:nvGraphicFramePr>
+          <p:cNvPr id="6" name="Table 5">
+            <a:extLst>
+              <a:ext uri="{FF2B5EF4-FFF2-40B4-BE49-F238E27FC236}">
+                <a16:creationId xmlns:a16="http://schemas.microsoft.com/office/drawing/2014/main" id="{519C347D-7501-4314-B6E0-21531E6401DE}"/>
+              </a:ext>
+            </a:extLst>
+          </p:cNvPr>
+          <p:cNvGraphicFramePr>
+            <a:graphicFrameLocks/>
+          </p:cNvGraphicFramePr>
+          <p:nvPr>
+            <p:extLst>
+              <p:ext uri="{D42A27DB-BD31-4B8C-83A1-F6EECF244321}">
+                <p14:modId xmlns:p14="http://schemas.microsoft.com/office/powerpoint/2010/main" val="3636458015"/>
+              </p:ext>
+            </p:extLst>
+          </p:nvPr>
+        </p:nvGraphicFramePr>
+        <p:xfrm>
+          <a:off x="0" y="0"/>
+          <a:ext cx="12192000" cy="640080"/>
+        </p:xfrm>
+        <a:graphic>
+          <a:graphicData uri="http://schemas.openxmlformats.org/drawingml/2006/table">
+            <a:tbl>
+              <a:tblPr firstRow="1" bandRow="1">
+                <a:tableStyleId>{5C22544A-7EE6-4342-B048-85BDC9FD1C3A}</a:tableStyleId>
+              </a:tblPr>
+              <a:tblGrid>
+                <a:gridCol w="2032000">
+                  <a:extLst>
+                    <a:ext uri="{9D8B030D-6E8A-4147-A177-3AD203B41FA5}">
+                      <a16:colId xmlns:a16="http://schemas.microsoft.com/office/drawing/2014/main" val="4285599755"/>
+                    </a:ext>
+                  </a:extLst>
+                </a:gridCol>
+                <a:gridCol w="2032000">
+                  <a:extLst>
+                    <a:ext uri="{9D8B030D-6E8A-4147-A177-3AD203B41FA5}">
+                      <a16:colId xmlns:a16="http://schemas.microsoft.com/office/drawing/2014/main" val="2688903068"/>
+                    </a:ext>
+                  </a:extLst>
+                </a:gridCol>
+                <a:gridCol w="2032000">
+                  <a:extLst>
+                    <a:ext uri="{9D8B030D-6E8A-4147-A177-3AD203B41FA5}">
+                      <a16:colId xmlns:a16="http://schemas.microsoft.com/office/drawing/2014/main" val="4274890127"/>
+                    </a:ext>
+                  </a:extLst>
+                </a:gridCol>
+                <a:gridCol w="2032000">
+                  <a:extLst>
+                    <a:ext uri="{9D8B030D-6E8A-4147-A177-3AD203B41FA5}">
+                      <a16:colId xmlns:a16="http://schemas.microsoft.com/office/drawing/2014/main" val="712714667"/>
+                    </a:ext>
+                  </a:extLst>
+                </a:gridCol>
+                <a:gridCol w="2032000">
+                  <a:extLst>
+                    <a:ext uri="{9D8B030D-6E8A-4147-A177-3AD203B41FA5}">
+                      <a16:colId xmlns:a16="http://schemas.microsoft.com/office/drawing/2014/main" val="740919897"/>
+                    </a:ext>
+                  </a:extLst>
+                </a:gridCol>
+                <a:gridCol w="2032000">
+                  <a:extLst>
+                    <a:ext uri="{9D8B030D-6E8A-4147-A177-3AD203B41FA5}">
+                      <a16:colId xmlns:a16="http://schemas.microsoft.com/office/drawing/2014/main" val="478429826"/>
+                    </a:ext>
+                  </a:extLst>
+                </a:gridCol>
+              </a:tblGrid>
+              <a:tr h="215699">
+                <a:tc>
+                  <a:txBody>
+                    <a:bodyPr/>
+                    <a:lstStyle/>
+                    <a:p>
+                      <a:r>
+                        <a:rPr lang="en-US" dirty="0"/>
+                        <a:t>Problem Identification</a:t>
+                      </a:r>
+                    </a:p>
+                  </a:txBody>
+                  <a:tcPr>
+                    <a:solidFill>
+                      <a:schemeClr val="accent1"/>
+                    </a:solidFill>
+                  </a:tcPr>
+                </a:tc>
+                <a:tc>
+                  <a:txBody>
+                    <a:bodyPr/>
+                    <a:lstStyle/>
+                    <a:p>
+                      <a:r>
+                        <a:rPr lang="en-US" dirty="0"/>
+                        <a:t>Data Wrangling</a:t>
+                      </a:r>
+                    </a:p>
+                  </a:txBody>
+                  <a:tcPr>
+                    <a:solidFill>
+                      <a:schemeClr val="accent1"/>
+                    </a:solidFill>
+                  </a:tcPr>
+                </a:tc>
+                <a:tc>
+                  <a:txBody>
+                    <a:bodyPr/>
+                    <a:lstStyle/>
+                    <a:p>
+                      <a:r>
+                        <a:rPr lang="en-US" dirty="0"/>
+                        <a:t>Exploratory Data Analysis </a:t>
+                      </a:r>
+                      <a:r>
+                        <a:rPr lang="en-US" sz="1600" b="0" dirty="0">
+                          <a:hlinkClick r:id="rId3"/>
+                        </a:rPr>
+                        <a:t>(Github)</a:t>
+                      </a:r>
+                      <a:endParaRPr lang="en-US" dirty="0"/>
+                    </a:p>
+                  </a:txBody>
+                  <a:tcPr>
+                    <a:solidFill>
+                      <a:schemeClr val="accent2"/>
+                    </a:solidFill>
+                  </a:tcPr>
+                </a:tc>
+                <a:tc>
+                  <a:txBody>
+                    <a:bodyPr/>
+                    <a:lstStyle/>
+                    <a:p>
+                      <a:r>
+                        <a:rPr lang="en-US" dirty="0"/>
+                        <a:t>Preprocessing</a:t>
+                      </a:r>
+                    </a:p>
+                  </a:txBody>
+                  <a:tcPr/>
+                </a:tc>
+                <a:tc>
+                  <a:txBody>
+                    <a:bodyPr/>
+                    <a:lstStyle/>
+                    <a:p>
+                      <a:r>
+                        <a:rPr lang="en-US" dirty="0"/>
+                        <a:t>Modeling</a:t>
+                      </a:r>
+                    </a:p>
+                  </a:txBody>
+                  <a:tcPr/>
+                </a:tc>
+                <a:tc>
+                  <a:txBody>
+                    <a:bodyPr/>
+                    <a:lstStyle/>
+                    <a:p>
+                      <a:r>
+                        <a:rPr lang="en-US" dirty="0"/>
+                        <a:t>Documentation</a:t>
+                      </a:r>
+                    </a:p>
+                  </a:txBody>
+                  <a:tcPr/>
+                </a:tc>
+                <a:extLst>
+                  <a:ext uri="{0D108BD9-81ED-4DB2-BD59-A6C34878D82A}">
+                    <a16:rowId xmlns:a16="http://schemas.microsoft.com/office/drawing/2014/main" val="3148223393"/>
+                  </a:ext>
+                </a:extLst>
+              </a:tr>
+            </a:tbl>
+          </a:graphicData>
+        </a:graphic>
+      </p:graphicFrame>
     </p:spTree>
     <p:extLst>
       <p:ext uri="{BB962C8B-B14F-4D97-AF65-F5344CB8AC3E}">
-        <p14:creationId xmlns:p14="http://schemas.microsoft.com/office/powerpoint/2010/main" val="2347592941"/>
+        <p14:creationId xmlns:p14="http://schemas.microsoft.com/office/powerpoint/2010/main" val="1327915452"/>
       </p:ext>
     </p:extLst>
   </p:cSld>
@@ -4863,95 +4946,16 @@
           <a:chExt cx="0" cy="0"/>
         </a:xfrm>
       </p:grpSpPr>
-      <p:sp>
-        <p:nvSpPr>
-          <p:cNvPr id="2" name="Title 1">
-            <a:extLst>
-              <a:ext uri="{FF2B5EF4-FFF2-40B4-BE49-F238E27FC236}">
-                <a16:creationId xmlns:a16="http://schemas.microsoft.com/office/drawing/2014/main" id="{1F9A29A2-BC54-4AD0-BE07-A9D31D1AED92}"/>
-              </a:ext>
-            </a:extLst>
-          </p:cNvPr>
-          <p:cNvSpPr>
-            <a:spLocks noGrp="1"/>
-          </p:cNvSpPr>
-          <p:nvPr>
-            <p:ph type="title"/>
-          </p:nvPr>
-        </p:nvSpPr>
-        <p:spPr/>
-        <p:txBody>
-          <a:bodyPr/>
-          <a:lstStyle/>
-          <a:p>
-            <a:r>
-              <a:rPr lang="en-US" dirty="0"/>
-              <a:t>Exploratory Data Analysis</a:t>
-            </a:r>
-          </a:p>
-        </p:txBody>
-      </p:sp>
-      <p:sp>
-        <p:nvSpPr>
-          <p:cNvPr id="3" name="Content Placeholder 2">
-            <a:extLst>
-              <a:ext uri="{FF2B5EF4-FFF2-40B4-BE49-F238E27FC236}">
-                <a16:creationId xmlns:a16="http://schemas.microsoft.com/office/drawing/2014/main" id="{00EE0A11-3529-4330-BDDD-A40BBB6E6110}"/>
-              </a:ext>
-            </a:extLst>
-          </p:cNvPr>
-          <p:cNvSpPr>
-            <a:spLocks noGrp="1"/>
-          </p:cNvSpPr>
-          <p:nvPr>
-            <p:ph idx="1"/>
-          </p:nvPr>
-        </p:nvSpPr>
-        <p:spPr>
-          <a:xfrm>
-            <a:off x="838200" y="1541846"/>
-            <a:ext cx="10515600" cy="4351338"/>
-          </a:xfrm>
-        </p:spPr>
-        <p:txBody>
-          <a:bodyPr/>
-          <a:lstStyle/>
-          <a:p>
-            <a:r>
-              <a:rPr lang="en-US" dirty="0"/>
-              <a:t>Different tasks display expected physiological profiles</a:t>
-            </a:r>
-          </a:p>
-          <a:p>
-            <a:r>
-              <a:rPr lang="en-US" dirty="0"/>
-              <a:t>Social stress – high heart rate, high electrodermal activity</a:t>
-            </a:r>
-          </a:p>
-          <a:p>
-            <a:pPr lvl="1"/>
-            <a:r>
-              <a:rPr lang="en-US" dirty="0"/>
-              <a:t>Consistent with sympathetic nervous system activation</a:t>
-            </a:r>
-          </a:p>
-          <a:p>
-            <a:endParaRPr lang="en-US" dirty="0"/>
-          </a:p>
-        </p:txBody>
-      </p:sp>
       <p:pic>
         <p:nvPicPr>
-          <p:cNvPr id="5" name="Picture 4">
-            <a:extLst>
-              <a:ext uri="{FF2B5EF4-FFF2-40B4-BE49-F238E27FC236}">
-                <a16:creationId xmlns:a16="http://schemas.microsoft.com/office/drawing/2014/main" id="{E37889A6-4C79-404B-A1DE-407526E7B403}"/>
-              </a:ext>
-            </a:extLst>
-          </p:cNvPr>
-          <p:cNvPicPr>
-            <a:picLocks noChangeAspect="1"/>
-          </p:cNvPicPr>
+          <p:cNvPr id="6" name="Picture 5">
+            <a:extLst>
+              <a:ext uri="{FF2B5EF4-FFF2-40B4-BE49-F238E27FC236}">
+                <a16:creationId xmlns:a16="http://schemas.microsoft.com/office/drawing/2014/main" id="{12D41D73-97C4-4023-B9D5-59BDAB293B22}"/>
+              </a:ext>
+            </a:extLst>
+          </p:cNvPr>
+          <p:cNvPicPr/>
           <p:nvPr/>
         </p:nvPicPr>
         <p:blipFill>
@@ -4962,18 +4966,579 @@
         </p:blipFill>
         <p:spPr>
           <a:xfrm>
-            <a:off x="283778" y="3162596"/>
-            <a:ext cx="11477297" cy="3500576"/>
+            <a:off x="4968766" y="509518"/>
+            <a:ext cx="6858000" cy="6287135"/>
           </a:xfrm>
           <a:prstGeom prst="rect">
             <a:avLst/>
           </a:prstGeom>
         </p:spPr>
       </p:pic>
+      <p:sp>
+        <p:nvSpPr>
+          <p:cNvPr id="10" name="TextBox 9">
+            <a:extLst>
+              <a:ext uri="{FF2B5EF4-FFF2-40B4-BE49-F238E27FC236}">
+                <a16:creationId xmlns:a16="http://schemas.microsoft.com/office/drawing/2014/main" id="{6784CAED-4728-4D61-B5F3-DB2D22945E90}"/>
+              </a:ext>
+            </a:extLst>
+          </p:cNvPr>
+          <p:cNvSpPr txBox="1"/>
+          <p:nvPr/>
+        </p:nvSpPr>
+        <p:spPr>
+          <a:xfrm rot="16200000">
+            <a:off x="4207914" y="1018124"/>
+            <a:ext cx="1292772" cy="523220"/>
+          </a:xfrm>
+          <a:prstGeom prst="rect">
+            <a:avLst/>
+          </a:prstGeom>
+          <a:solidFill>
+            <a:schemeClr val="bg1"/>
+          </a:solidFill>
+        </p:spPr>
+        <p:txBody>
+          <a:bodyPr wrap="square" rtlCol="0">
+            <a:spAutoFit/>
+          </a:bodyPr>
+          <a:lstStyle/>
+          <a:p>
+            <a:r>
+              <a:rPr lang="en-US" sz="1400" dirty="0"/>
+              <a:t>Galvanic skin responses</a:t>
+            </a:r>
+          </a:p>
+        </p:txBody>
+      </p:sp>
+      <p:sp>
+        <p:nvSpPr>
+          <p:cNvPr id="11" name="TextBox 10">
+            <a:extLst>
+              <a:ext uri="{FF2B5EF4-FFF2-40B4-BE49-F238E27FC236}">
+                <a16:creationId xmlns:a16="http://schemas.microsoft.com/office/drawing/2014/main" id="{C32EE24B-1305-4ABC-B66F-34597137FBFE}"/>
+              </a:ext>
+            </a:extLst>
+          </p:cNvPr>
+          <p:cNvSpPr txBox="1"/>
+          <p:nvPr/>
+        </p:nvSpPr>
+        <p:spPr>
+          <a:xfrm rot="16200000">
+            <a:off x="4134342" y="2563145"/>
+            <a:ext cx="1292772" cy="523220"/>
+          </a:xfrm>
+          <a:prstGeom prst="rect">
+            <a:avLst/>
+          </a:prstGeom>
+          <a:solidFill>
+            <a:schemeClr val="bg1"/>
+          </a:solidFill>
+        </p:spPr>
+        <p:txBody>
+          <a:bodyPr wrap="square" rtlCol="0">
+            <a:spAutoFit/>
+          </a:bodyPr>
+          <a:lstStyle/>
+          <a:p>
+            <a:r>
+              <a:rPr lang="en-US" sz="1400" dirty="0"/>
+              <a:t>Heart rate variability</a:t>
+            </a:r>
+          </a:p>
+        </p:txBody>
+      </p:sp>
+      <p:sp>
+        <p:nvSpPr>
+          <p:cNvPr id="12" name="TextBox 11">
+            <a:extLst>
+              <a:ext uri="{FF2B5EF4-FFF2-40B4-BE49-F238E27FC236}">
+                <a16:creationId xmlns:a16="http://schemas.microsoft.com/office/drawing/2014/main" id="{83ABEE58-4036-4ACE-91DD-40B6AE954E56}"/>
+              </a:ext>
+            </a:extLst>
+          </p:cNvPr>
+          <p:cNvSpPr txBox="1"/>
+          <p:nvPr/>
+        </p:nvSpPr>
+        <p:spPr>
+          <a:xfrm rot="16200000">
+            <a:off x="4315636" y="3963638"/>
+            <a:ext cx="1292772" cy="307777"/>
+          </a:xfrm>
+          <a:prstGeom prst="rect">
+            <a:avLst/>
+          </a:prstGeom>
+          <a:solidFill>
+            <a:schemeClr val="bg1"/>
+          </a:solidFill>
+        </p:spPr>
+        <p:txBody>
+          <a:bodyPr wrap="square" rtlCol="0">
+            <a:spAutoFit/>
+          </a:bodyPr>
+          <a:lstStyle/>
+          <a:p>
+            <a:r>
+              <a:rPr lang="en-US" sz="1400" dirty="0"/>
+              <a:t>Heart rate</a:t>
+            </a:r>
+          </a:p>
+        </p:txBody>
+      </p:sp>
+      <p:sp>
+        <p:nvSpPr>
+          <p:cNvPr id="13" name="TextBox 12">
+            <a:extLst>
+              <a:ext uri="{FF2B5EF4-FFF2-40B4-BE49-F238E27FC236}">
+                <a16:creationId xmlns:a16="http://schemas.microsoft.com/office/drawing/2014/main" id="{3CE42E6F-8996-4021-A3BD-2B374A942A4E}"/>
+              </a:ext>
+            </a:extLst>
+          </p:cNvPr>
+          <p:cNvSpPr txBox="1"/>
+          <p:nvPr/>
+        </p:nvSpPr>
+        <p:spPr>
+          <a:xfrm rot="16200000">
+            <a:off x="4161747" y="5524767"/>
+            <a:ext cx="1292772" cy="523220"/>
+          </a:xfrm>
+          <a:prstGeom prst="rect">
+            <a:avLst/>
+          </a:prstGeom>
+          <a:solidFill>
+            <a:schemeClr val="bg1"/>
+          </a:solidFill>
+        </p:spPr>
+        <p:txBody>
+          <a:bodyPr wrap="square" rtlCol="0">
+            <a:spAutoFit/>
+          </a:bodyPr>
+          <a:lstStyle/>
+          <a:p>
+            <a:r>
+              <a:rPr lang="en-US" sz="1400" dirty="0"/>
+              <a:t>Respiration coherence</a:t>
+            </a:r>
+          </a:p>
+        </p:txBody>
+      </p:sp>
+      <p:sp>
+        <p:nvSpPr>
+          <p:cNvPr id="2" name="Title 1">
+            <a:extLst>
+              <a:ext uri="{FF2B5EF4-FFF2-40B4-BE49-F238E27FC236}">
+                <a16:creationId xmlns:a16="http://schemas.microsoft.com/office/drawing/2014/main" id="{1F9A29A2-BC54-4AD0-BE07-A9D31D1AED92}"/>
+              </a:ext>
+            </a:extLst>
+          </p:cNvPr>
+          <p:cNvSpPr>
+            <a:spLocks noGrp="1"/>
+          </p:cNvSpPr>
+          <p:nvPr>
+            <p:ph type="title"/>
+          </p:nvPr>
+        </p:nvSpPr>
+        <p:spPr>
+          <a:xfrm>
+            <a:off x="838200" y="608965"/>
+            <a:ext cx="3807372" cy="1325563"/>
+          </a:xfrm>
+        </p:spPr>
+        <p:txBody>
+          <a:bodyPr/>
+          <a:lstStyle/>
+          <a:p>
+            <a:r>
+              <a:rPr lang="en-US" dirty="0"/>
+              <a:t>Exploratory Data Analysis</a:t>
+            </a:r>
+          </a:p>
+        </p:txBody>
+      </p:sp>
+      <p:sp>
+        <p:nvSpPr>
+          <p:cNvPr id="3" name="Content Placeholder 2">
+            <a:extLst>
+              <a:ext uri="{FF2B5EF4-FFF2-40B4-BE49-F238E27FC236}">
+                <a16:creationId xmlns:a16="http://schemas.microsoft.com/office/drawing/2014/main" id="{00EE0A11-3529-4330-BDDD-A40BBB6E6110}"/>
+              </a:ext>
+            </a:extLst>
+          </p:cNvPr>
+          <p:cNvSpPr>
+            <a:spLocks noGrp="1"/>
+          </p:cNvSpPr>
+          <p:nvPr>
+            <p:ph idx="1"/>
+          </p:nvPr>
+        </p:nvSpPr>
+        <p:spPr>
+          <a:xfrm>
+            <a:off x="529464" y="2067363"/>
+            <a:ext cx="3807372" cy="4351338"/>
+          </a:xfrm>
+        </p:spPr>
+        <p:txBody>
+          <a:bodyPr>
+            <a:normAutofit fontScale="92500" lnSpcReduction="20000"/>
+          </a:bodyPr>
+          <a:lstStyle/>
+          <a:p>
+            <a:r>
+              <a:rPr lang="en-US" dirty="0"/>
+              <a:t>Heart rate correlated with electrodermal activity (Galvanic skin responses)</a:t>
+            </a:r>
+          </a:p>
+          <a:p>
+            <a:r>
+              <a:rPr lang="en-US" dirty="0"/>
+              <a:t>Heart rate inversely correlated with heart rate variability</a:t>
+            </a:r>
+          </a:p>
+          <a:p>
+            <a:pPr lvl="1"/>
+            <a:r>
+              <a:rPr lang="en-US" dirty="0"/>
+              <a:t>May be an artifact of how HRV was calculated</a:t>
+            </a:r>
+          </a:p>
+          <a:p>
+            <a:pPr lvl="1"/>
+            <a:r>
+              <a:rPr lang="en-US" dirty="0"/>
+              <a:t>Is consistent with opposing influences of sympathetic (HR) and parasympathetic (HRV) nervous systems.</a:t>
+            </a:r>
+          </a:p>
+          <a:p>
+            <a:endParaRPr lang="en-US" dirty="0"/>
+          </a:p>
+        </p:txBody>
+      </p:sp>
+      <p:sp>
+        <p:nvSpPr>
+          <p:cNvPr id="4" name="TextBox 3">
+            <a:extLst>
+              <a:ext uri="{FF2B5EF4-FFF2-40B4-BE49-F238E27FC236}">
+                <a16:creationId xmlns:a16="http://schemas.microsoft.com/office/drawing/2014/main" id="{0957F907-280C-44E5-B12D-8D63A8850359}"/>
+              </a:ext>
+            </a:extLst>
+          </p:cNvPr>
+          <p:cNvSpPr txBox="1"/>
+          <p:nvPr/>
+        </p:nvSpPr>
+        <p:spPr>
+          <a:xfrm>
+            <a:off x="5042338" y="6621537"/>
+            <a:ext cx="2017250" cy="307777"/>
+          </a:xfrm>
+          <a:prstGeom prst="rect">
+            <a:avLst/>
+          </a:prstGeom>
+          <a:noFill/>
+        </p:spPr>
+        <p:txBody>
+          <a:bodyPr wrap="square" rtlCol="0">
+            <a:spAutoFit/>
+          </a:bodyPr>
+          <a:lstStyle/>
+          <a:p>
+            <a:r>
+              <a:rPr lang="en-US" sz="1400" dirty="0"/>
+              <a:t>Galvanic skin responses</a:t>
+            </a:r>
+          </a:p>
+        </p:txBody>
+      </p:sp>
+      <p:sp>
+        <p:nvSpPr>
+          <p:cNvPr id="7" name="TextBox 6">
+            <a:extLst>
+              <a:ext uri="{FF2B5EF4-FFF2-40B4-BE49-F238E27FC236}">
+                <a16:creationId xmlns:a16="http://schemas.microsoft.com/office/drawing/2014/main" id="{51408839-09FA-48F9-972F-52178118C060}"/>
+              </a:ext>
+            </a:extLst>
+          </p:cNvPr>
+          <p:cNvSpPr txBox="1"/>
+          <p:nvPr/>
+        </p:nvSpPr>
+        <p:spPr>
+          <a:xfrm>
+            <a:off x="6610422" y="6400273"/>
+            <a:ext cx="1888915" cy="307777"/>
+          </a:xfrm>
+          <a:prstGeom prst="rect">
+            <a:avLst/>
+          </a:prstGeom>
+          <a:noFill/>
+        </p:spPr>
+        <p:txBody>
+          <a:bodyPr wrap="square" rtlCol="0">
+            <a:spAutoFit/>
+          </a:bodyPr>
+          <a:lstStyle/>
+          <a:p>
+            <a:r>
+              <a:rPr lang="en-US" sz="1400" dirty="0"/>
+              <a:t>Heart rate variability</a:t>
+            </a:r>
+          </a:p>
+        </p:txBody>
+      </p:sp>
+      <p:sp>
+        <p:nvSpPr>
+          <p:cNvPr id="8" name="TextBox 7">
+            <a:extLst>
+              <a:ext uri="{FF2B5EF4-FFF2-40B4-BE49-F238E27FC236}">
+                <a16:creationId xmlns:a16="http://schemas.microsoft.com/office/drawing/2014/main" id="{5AA979DE-CF7D-47B7-8188-B1E2F6D17675}"/>
+              </a:ext>
+            </a:extLst>
+          </p:cNvPr>
+          <p:cNvSpPr txBox="1"/>
+          <p:nvPr/>
+        </p:nvSpPr>
+        <p:spPr>
+          <a:xfrm>
+            <a:off x="8447695" y="6630069"/>
+            <a:ext cx="1292772" cy="307777"/>
+          </a:xfrm>
+          <a:prstGeom prst="rect">
+            <a:avLst/>
+          </a:prstGeom>
+          <a:noFill/>
+        </p:spPr>
+        <p:txBody>
+          <a:bodyPr wrap="square" rtlCol="0">
+            <a:spAutoFit/>
+          </a:bodyPr>
+          <a:lstStyle/>
+          <a:p>
+            <a:r>
+              <a:rPr lang="en-US" sz="1400" dirty="0"/>
+              <a:t>Heart rate</a:t>
+            </a:r>
+          </a:p>
+        </p:txBody>
+      </p:sp>
+      <p:sp>
+        <p:nvSpPr>
+          <p:cNvPr id="9" name="TextBox 8">
+            <a:extLst>
+              <a:ext uri="{FF2B5EF4-FFF2-40B4-BE49-F238E27FC236}">
+                <a16:creationId xmlns:a16="http://schemas.microsoft.com/office/drawing/2014/main" id="{905F4F6B-647B-412B-A92D-3C06A2047937}"/>
+              </a:ext>
+            </a:extLst>
+          </p:cNvPr>
+          <p:cNvSpPr txBox="1"/>
+          <p:nvPr/>
+        </p:nvSpPr>
+        <p:spPr>
+          <a:xfrm>
+            <a:off x="9524111" y="6619447"/>
+            <a:ext cx="2085335" cy="307777"/>
+          </a:xfrm>
+          <a:prstGeom prst="rect">
+            <a:avLst/>
+          </a:prstGeom>
+          <a:noFill/>
+        </p:spPr>
+        <p:txBody>
+          <a:bodyPr wrap="square" rtlCol="0">
+            <a:spAutoFit/>
+          </a:bodyPr>
+          <a:lstStyle/>
+          <a:p>
+            <a:r>
+              <a:rPr lang="en-US" sz="1400" dirty="0"/>
+              <a:t>Respiration coherence</a:t>
+            </a:r>
+          </a:p>
+        </p:txBody>
+      </p:sp>
+      <p:graphicFrame>
+        <p:nvGraphicFramePr>
+          <p:cNvPr id="15" name="Table 14">
+            <a:extLst>
+              <a:ext uri="{FF2B5EF4-FFF2-40B4-BE49-F238E27FC236}">
+                <a16:creationId xmlns:a16="http://schemas.microsoft.com/office/drawing/2014/main" id="{8103B518-3CB0-4472-84CF-2F5E557DCB24}"/>
+              </a:ext>
+            </a:extLst>
+          </p:cNvPr>
+          <p:cNvGraphicFramePr>
+            <a:graphicFrameLocks/>
+          </p:cNvGraphicFramePr>
+          <p:nvPr>
+            <p:extLst>
+              <p:ext uri="{D42A27DB-BD31-4B8C-83A1-F6EECF244321}">
+                <p14:modId xmlns:p14="http://schemas.microsoft.com/office/powerpoint/2010/main" val="2009184965"/>
+              </p:ext>
+            </p:extLst>
+          </p:nvPr>
+        </p:nvGraphicFramePr>
+        <p:xfrm>
+          <a:off x="0" y="0"/>
+          <a:ext cx="12192000" cy="640080"/>
+        </p:xfrm>
+        <a:graphic>
+          <a:graphicData uri="http://schemas.openxmlformats.org/drawingml/2006/table">
+            <a:tbl>
+              <a:tblPr firstRow="1" bandRow="1">
+                <a:tableStyleId>{5C22544A-7EE6-4342-B048-85BDC9FD1C3A}</a:tableStyleId>
+              </a:tblPr>
+              <a:tblGrid>
+                <a:gridCol w="2032000">
+                  <a:extLst>
+                    <a:ext uri="{9D8B030D-6E8A-4147-A177-3AD203B41FA5}">
+                      <a16:colId xmlns:a16="http://schemas.microsoft.com/office/drawing/2014/main" val="4285599755"/>
+                    </a:ext>
+                  </a:extLst>
+                </a:gridCol>
+                <a:gridCol w="2032000">
+                  <a:extLst>
+                    <a:ext uri="{9D8B030D-6E8A-4147-A177-3AD203B41FA5}">
+                      <a16:colId xmlns:a16="http://schemas.microsoft.com/office/drawing/2014/main" val="2688903068"/>
+                    </a:ext>
+                  </a:extLst>
+                </a:gridCol>
+                <a:gridCol w="2032000">
+                  <a:extLst>
+                    <a:ext uri="{9D8B030D-6E8A-4147-A177-3AD203B41FA5}">
+                      <a16:colId xmlns:a16="http://schemas.microsoft.com/office/drawing/2014/main" val="4274890127"/>
+                    </a:ext>
+                  </a:extLst>
+                </a:gridCol>
+                <a:gridCol w="2032000">
+                  <a:extLst>
+                    <a:ext uri="{9D8B030D-6E8A-4147-A177-3AD203B41FA5}">
+                      <a16:colId xmlns:a16="http://schemas.microsoft.com/office/drawing/2014/main" val="712714667"/>
+                    </a:ext>
+                  </a:extLst>
+                </a:gridCol>
+                <a:gridCol w="2032000">
+                  <a:extLst>
+                    <a:ext uri="{9D8B030D-6E8A-4147-A177-3AD203B41FA5}">
+                      <a16:colId xmlns:a16="http://schemas.microsoft.com/office/drawing/2014/main" val="740919897"/>
+                    </a:ext>
+                  </a:extLst>
+                </a:gridCol>
+                <a:gridCol w="2032000">
+                  <a:extLst>
+                    <a:ext uri="{9D8B030D-6E8A-4147-A177-3AD203B41FA5}">
+                      <a16:colId xmlns:a16="http://schemas.microsoft.com/office/drawing/2014/main" val="478429826"/>
+                    </a:ext>
+                  </a:extLst>
+                </a:gridCol>
+              </a:tblGrid>
+              <a:tr h="215699">
+                <a:tc>
+                  <a:txBody>
+                    <a:bodyPr/>
+                    <a:lstStyle/>
+                    <a:p>
+                      <a:r>
+                        <a:rPr lang="en-US" dirty="0"/>
+                        <a:t>Problem Identification</a:t>
+                      </a:r>
+                    </a:p>
+                  </a:txBody>
+                  <a:tcPr>
+                    <a:solidFill>
+                      <a:schemeClr val="accent1"/>
+                    </a:solidFill>
+                  </a:tcPr>
+                </a:tc>
+                <a:tc>
+                  <a:txBody>
+                    <a:bodyPr/>
+                    <a:lstStyle/>
+                    <a:p>
+                      <a:r>
+                        <a:rPr lang="en-US" dirty="0"/>
+                        <a:t>Data Wrangling</a:t>
+                      </a:r>
+                    </a:p>
+                  </a:txBody>
+                  <a:tcPr>
+                    <a:solidFill>
+                      <a:schemeClr val="accent1"/>
+                    </a:solidFill>
+                  </a:tcPr>
+                </a:tc>
+                <a:tc>
+                  <a:txBody>
+                    <a:bodyPr/>
+                    <a:lstStyle/>
+                    <a:p>
+                      <a:r>
+                        <a:rPr lang="en-US" dirty="0"/>
+                        <a:t>Exploratory Data Analysis </a:t>
+                      </a:r>
+                      <a:r>
+                        <a:rPr lang="en-US" sz="1600" b="0" dirty="0">
+                          <a:hlinkClick r:id="rId3"/>
+                        </a:rPr>
+                        <a:t>(Github)</a:t>
+                      </a:r>
+                      <a:endParaRPr lang="en-US" dirty="0"/>
+                    </a:p>
+                  </a:txBody>
+                  <a:tcPr>
+                    <a:solidFill>
+                      <a:schemeClr val="accent2"/>
+                    </a:solidFill>
+                  </a:tcPr>
+                </a:tc>
+                <a:tc>
+                  <a:txBody>
+                    <a:bodyPr/>
+                    <a:lstStyle/>
+                    <a:p>
+                      <a:r>
+                        <a:rPr lang="en-US" dirty="0"/>
+                        <a:t>Preprocessing</a:t>
+                      </a:r>
+                    </a:p>
+                  </a:txBody>
+                  <a:tcPr/>
+                </a:tc>
+                <a:tc>
+                  <a:txBody>
+                    <a:bodyPr/>
+                    <a:lstStyle/>
+                    <a:p>
+                      <a:r>
+                        <a:rPr lang="en-US" dirty="0"/>
+                        <a:t>Modeling</a:t>
+                      </a:r>
+                    </a:p>
+                  </a:txBody>
+                  <a:tcPr/>
+                </a:tc>
+                <a:tc>
+                  <a:txBody>
+                    <a:bodyPr/>
+                    <a:lstStyle/>
+                    <a:p>
+                      <a:r>
+                        <a:rPr lang="en-US" dirty="0"/>
+                        <a:t>Documentation</a:t>
+                      </a:r>
+                    </a:p>
+                  </a:txBody>
+                  <a:tcPr/>
+                </a:tc>
+                <a:extLst>
+                  <a:ext uri="{0D108BD9-81ED-4DB2-BD59-A6C34878D82A}">
+                    <a16:rowId xmlns:a16="http://schemas.microsoft.com/office/drawing/2014/main" val="3148223393"/>
+                  </a:ext>
+                </a:extLst>
+              </a:tr>
+            </a:tbl>
+          </a:graphicData>
+        </a:graphic>
+      </p:graphicFrame>
     </p:spTree>
     <p:extLst>
       <p:ext uri="{BB962C8B-B14F-4D97-AF65-F5344CB8AC3E}">
-        <p14:creationId xmlns:p14="http://schemas.microsoft.com/office/powerpoint/2010/main" val="1327915452"/>
+        <p14:creationId xmlns:p14="http://schemas.microsoft.com/office/powerpoint/2010/main" val="710177270"/>
       </p:ext>
     </p:extLst>
   </p:cSld>
@@ -5005,7 +5570,7 @@
           <p:cNvPr id="2" name="Title 1">
             <a:extLst>
               <a:ext uri="{FF2B5EF4-FFF2-40B4-BE49-F238E27FC236}">
-                <a16:creationId xmlns:a16="http://schemas.microsoft.com/office/drawing/2014/main" id="{1F9A29A2-BC54-4AD0-BE07-A9D31D1AED92}"/>
+                <a16:creationId xmlns:a16="http://schemas.microsoft.com/office/drawing/2014/main" id="{E66E0929-6FE9-4BDB-849D-69FB315759FB}"/>
               </a:ext>
             </a:extLst>
           </p:cNvPr>
@@ -5018,452 +5583,7 @@
         </p:nvSpPr>
         <p:spPr>
           <a:xfrm>
-            <a:off x="838200" y="365125"/>
-            <a:ext cx="3807372" cy="1325563"/>
-          </a:xfrm>
-        </p:spPr>
-        <p:txBody>
-          <a:bodyPr/>
-          <a:lstStyle/>
-          <a:p>
-            <a:r>
-              <a:rPr lang="en-US" dirty="0"/>
-              <a:t>Exploratory Data Analysis</a:t>
-            </a:r>
-          </a:p>
-        </p:txBody>
-      </p:sp>
-      <p:sp>
-        <p:nvSpPr>
-          <p:cNvPr id="3" name="Content Placeholder 2">
-            <a:extLst>
-              <a:ext uri="{FF2B5EF4-FFF2-40B4-BE49-F238E27FC236}">
-                <a16:creationId xmlns:a16="http://schemas.microsoft.com/office/drawing/2014/main" id="{00EE0A11-3529-4330-BDDD-A40BBB6E6110}"/>
-              </a:ext>
-            </a:extLst>
-          </p:cNvPr>
-          <p:cNvSpPr>
-            <a:spLocks noGrp="1"/>
-          </p:cNvSpPr>
-          <p:nvPr>
-            <p:ph idx="1"/>
-          </p:nvPr>
-        </p:nvSpPr>
-        <p:spPr>
-          <a:xfrm>
-            <a:off x="529464" y="2067363"/>
-            <a:ext cx="3807372" cy="4351338"/>
-          </a:xfrm>
-        </p:spPr>
-        <p:txBody>
-          <a:bodyPr>
-            <a:normAutofit fontScale="92500" lnSpcReduction="20000"/>
-          </a:bodyPr>
-          <a:lstStyle/>
-          <a:p>
-            <a:r>
-              <a:rPr lang="en-US" dirty="0"/>
-              <a:t>Heart rate correlated with electrodermal activity (Galvanic skin responses)</a:t>
-            </a:r>
-          </a:p>
-          <a:p>
-            <a:r>
-              <a:rPr lang="en-US" dirty="0"/>
-              <a:t>Heart rate inversely correlated with heart rate variability</a:t>
-            </a:r>
-          </a:p>
-          <a:p>
-            <a:pPr lvl="1"/>
-            <a:r>
-              <a:rPr lang="en-US" dirty="0"/>
-              <a:t>May be an artifact of how HRV was calculated</a:t>
-            </a:r>
-          </a:p>
-          <a:p>
-            <a:pPr lvl="1"/>
-            <a:r>
-              <a:rPr lang="en-US" dirty="0"/>
-              <a:t>Is consistent with opposing influences of sympathetic (HR) and parasympathetic (HRV) nervous systems.</a:t>
-            </a:r>
-          </a:p>
-          <a:p>
-            <a:endParaRPr lang="en-US" dirty="0"/>
-          </a:p>
-        </p:txBody>
-      </p:sp>
-      <p:pic>
-        <p:nvPicPr>
-          <p:cNvPr id="6" name="Picture 5">
-            <a:extLst>
-              <a:ext uri="{FF2B5EF4-FFF2-40B4-BE49-F238E27FC236}">
-                <a16:creationId xmlns:a16="http://schemas.microsoft.com/office/drawing/2014/main" id="{12D41D73-97C4-4023-B9D5-59BDAB293B22}"/>
-              </a:ext>
-            </a:extLst>
-          </p:cNvPr>
-          <p:cNvPicPr/>
-          <p:nvPr/>
-        </p:nvPicPr>
-        <p:blipFill>
-          <a:blip r:embed="rId2"/>
-          <a:stretch>
-            <a:fillRect/>
-          </a:stretch>
-        </p:blipFill>
-        <p:spPr>
-          <a:xfrm>
-            <a:off x="4968766" y="131566"/>
-            <a:ext cx="6858000" cy="6287135"/>
-          </a:xfrm>
-          <a:prstGeom prst="rect">
-            <a:avLst/>
-          </a:prstGeom>
-        </p:spPr>
-      </p:pic>
-      <p:sp>
-        <p:nvSpPr>
-          <p:cNvPr id="4" name="TextBox 3">
-            <a:extLst>
-              <a:ext uri="{FF2B5EF4-FFF2-40B4-BE49-F238E27FC236}">
-                <a16:creationId xmlns:a16="http://schemas.microsoft.com/office/drawing/2014/main" id="{0957F907-280C-44E5-B12D-8D63A8850359}"/>
-              </a:ext>
-            </a:extLst>
-          </p:cNvPr>
-          <p:cNvSpPr txBox="1"/>
-          <p:nvPr/>
-        </p:nvSpPr>
-        <p:spPr>
-          <a:xfrm>
-            <a:off x="5344514" y="6313760"/>
-            <a:ext cx="1292772" cy="523220"/>
-          </a:xfrm>
-          <a:prstGeom prst="rect">
-            <a:avLst/>
-          </a:prstGeom>
-          <a:solidFill>
-            <a:schemeClr val="bg1"/>
-          </a:solidFill>
-        </p:spPr>
-        <p:txBody>
-          <a:bodyPr wrap="square" rtlCol="0">
-            <a:spAutoFit/>
-          </a:bodyPr>
-          <a:lstStyle/>
-          <a:p>
-            <a:r>
-              <a:rPr lang="en-US" sz="1400" dirty="0"/>
-              <a:t>Galvanic skin responses</a:t>
-            </a:r>
-          </a:p>
-        </p:txBody>
-      </p:sp>
-      <p:sp>
-        <p:nvSpPr>
-          <p:cNvPr id="7" name="TextBox 6">
-            <a:extLst>
-              <a:ext uri="{FF2B5EF4-FFF2-40B4-BE49-F238E27FC236}">
-                <a16:creationId xmlns:a16="http://schemas.microsoft.com/office/drawing/2014/main" id="{51408839-09FA-48F9-972F-52178118C060}"/>
-              </a:ext>
-            </a:extLst>
-          </p:cNvPr>
-          <p:cNvSpPr txBox="1"/>
-          <p:nvPr/>
-        </p:nvSpPr>
-        <p:spPr>
-          <a:xfrm>
-            <a:off x="6852749" y="6313760"/>
-            <a:ext cx="1292772" cy="523220"/>
-          </a:xfrm>
-          <a:prstGeom prst="rect">
-            <a:avLst/>
-          </a:prstGeom>
-          <a:solidFill>
-            <a:schemeClr val="bg1"/>
-          </a:solidFill>
-        </p:spPr>
-        <p:txBody>
-          <a:bodyPr wrap="square" rtlCol="0">
-            <a:spAutoFit/>
-          </a:bodyPr>
-          <a:lstStyle/>
-          <a:p>
-            <a:r>
-              <a:rPr lang="en-US" sz="1400" dirty="0"/>
-              <a:t>Heart rate variability</a:t>
-            </a:r>
-          </a:p>
-        </p:txBody>
-      </p:sp>
-      <p:sp>
-        <p:nvSpPr>
-          <p:cNvPr id="8" name="TextBox 7">
-            <a:extLst>
-              <a:ext uri="{FF2B5EF4-FFF2-40B4-BE49-F238E27FC236}">
-                <a16:creationId xmlns:a16="http://schemas.microsoft.com/office/drawing/2014/main" id="{5AA979DE-CF7D-47B7-8188-B1E2F6D17675}"/>
-              </a:ext>
-            </a:extLst>
-          </p:cNvPr>
-          <p:cNvSpPr txBox="1"/>
-          <p:nvPr/>
-        </p:nvSpPr>
-        <p:spPr>
-          <a:xfrm>
-            <a:off x="8224353" y="6313760"/>
-            <a:ext cx="1292772" cy="307777"/>
-          </a:xfrm>
-          <a:prstGeom prst="rect">
-            <a:avLst/>
-          </a:prstGeom>
-          <a:solidFill>
-            <a:schemeClr val="bg1"/>
-          </a:solidFill>
-        </p:spPr>
-        <p:txBody>
-          <a:bodyPr wrap="square" rtlCol="0">
-            <a:spAutoFit/>
-          </a:bodyPr>
-          <a:lstStyle/>
-          <a:p>
-            <a:r>
-              <a:rPr lang="en-US" sz="1400" dirty="0"/>
-              <a:t>Heart rate</a:t>
-            </a:r>
-          </a:p>
-        </p:txBody>
-      </p:sp>
-      <p:sp>
-        <p:nvSpPr>
-          <p:cNvPr id="9" name="TextBox 8">
-            <a:extLst>
-              <a:ext uri="{FF2B5EF4-FFF2-40B4-BE49-F238E27FC236}">
-                <a16:creationId xmlns:a16="http://schemas.microsoft.com/office/drawing/2014/main" id="{905F4F6B-647B-412B-A92D-3C06A2047937}"/>
-              </a:ext>
-            </a:extLst>
-          </p:cNvPr>
-          <p:cNvSpPr txBox="1"/>
-          <p:nvPr/>
-        </p:nvSpPr>
-        <p:spPr>
-          <a:xfrm>
-            <a:off x="9902064" y="6303250"/>
-            <a:ext cx="1292772" cy="523220"/>
-          </a:xfrm>
-          <a:prstGeom prst="rect">
-            <a:avLst/>
-          </a:prstGeom>
-          <a:solidFill>
-            <a:schemeClr val="bg1"/>
-          </a:solidFill>
-        </p:spPr>
-        <p:txBody>
-          <a:bodyPr wrap="square" rtlCol="0">
-            <a:spAutoFit/>
-          </a:bodyPr>
-          <a:lstStyle/>
-          <a:p>
-            <a:r>
-              <a:rPr lang="en-US" sz="1400" dirty="0"/>
-              <a:t>Respiration coherence</a:t>
-            </a:r>
-          </a:p>
-        </p:txBody>
-      </p:sp>
-      <p:sp>
-        <p:nvSpPr>
-          <p:cNvPr id="10" name="TextBox 9">
-            <a:extLst>
-              <a:ext uri="{FF2B5EF4-FFF2-40B4-BE49-F238E27FC236}">
-                <a16:creationId xmlns:a16="http://schemas.microsoft.com/office/drawing/2014/main" id="{6784CAED-4728-4D61-B5F3-DB2D22945E90}"/>
-              </a:ext>
-            </a:extLst>
-          </p:cNvPr>
-          <p:cNvSpPr txBox="1"/>
-          <p:nvPr/>
-        </p:nvSpPr>
-        <p:spPr>
-          <a:xfrm rot="16200000">
-            <a:off x="4207914" y="640172"/>
-            <a:ext cx="1292772" cy="523220"/>
-          </a:xfrm>
-          <a:prstGeom prst="rect">
-            <a:avLst/>
-          </a:prstGeom>
-          <a:solidFill>
-            <a:schemeClr val="bg1"/>
-          </a:solidFill>
-        </p:spPr>
-        <p:txBody>
-          <a:bodyPr wrap="square" rtlCol="0">
-            <a:spAutoFit/>
-          </a:bodyPr>
-          <a:lstStyle/>
-          <a:p>
-            <a:r>
-              <a:rPr lang="en-US" sz="1400" dirty="0"/>
-              <a:t>Galvanic skin responses</a:t>
-            </a:r>
-          </a:p>
-        </p:txBody>
-      </p:sp>
-      <p:sp>
-        <p:nvSpPr>
-          <p:cNvPr id="11" name="TextBox 10">
-            <a:extLst>
-              <a:ext uri="{FF2B5EF4-FFF2-40B4-BE49-F238E27FC236}">
-                <a16:creationId xmlns:a16="http://schemas.microsoft.com/office/drawing/2014/main" id="{C32EE24B-1305-4ABC-B66F-34597137FBFE}"/>
-              </a:ext>
-            </a:extLst>
-          </p:cNvPr>
-          <p:cNvSpPr txBox="1"/>
-          <p:nvPr/>
-        </p:nvSpPr>
-        <p:spPr>
-          <a:xfrm rot="16200000">
-            <a:off x="4134342" y="2185193"/>
-            <a:ext cx="1292772" cy="523220"/>
-          </a:xfrm>
-          <a:prstGeom prst="rect">
-            <a:avLst/>
-          </a:prstGeom>
-          <a:solidFill>
-            <a:schemeClr val="bg1"/>
-          </a:solidFill>
-        </p:spPr>
-        <p:txBody>
-          <a:bodyPr wrap="square" rtlCol="0">
-            <a:spAutoFit/>
-          </a:bodyPr>
-          <a:lstStyle/>
-          <a:p>
-            <a:r>
-              <a:rPr lang="en-US" sz="1400" dirty="0"/>
-              <a:t>Heart rate variability</a:t>
-            </a:r>
-          </a:p>
-        </p:txBody>
-      </p:sp>
-      <p:sp>
-        <p:nvSpPr>
-          <p:cNvPr id="12" name="TextBox 11">
-            <a:extLst>
-              <a:ext uri="{FF2B5EF4-FFF2-40B4-BE49-F238E27FC236}">
-                <a16:creationId xmlns:a16="http://schemas.microsoft.com/office/drawing/2014/main" id="{83ABEE58-4036-4ACE-91DD-40B6AE954E56}"/>
-              </a:ext>
-            </a:extLst>
-          </p:cNvPr>
-          <p:cNvSpPr txBox="1"/>
-          <p:nvPr/>
-        </p:nvSpPr>
-        <p:spPr>
-          <a:xfrm rot="16200000">
-            <a:off x="4315636" y="3585686"/>
-            <a:ext cx="1292772" cy="307777"/>
-          </a:xfrm>
-          <a:prstGeom prst="rect">
-            <a:avLst/>
-          </a:prstGeom>
-          <a:solidFill>
-            <a:schemeClr val="bg1"/>
-          </a:solidFill>
-        </p:spPr>
-        <p:txBody>
-          <a:bodyPr wrap="square" rtlCol="0">
-            <a:spAutoFit/>
-          </a:bodyPr>
-          <a:lstStyle/>
-          <a:p>
-            <a:r>
-              <a:rPr lang="en-US" sz="1400" dirty="0"/>
-              <a:t>Heart rate</a:t>
-            </a:r>
-          </a:p>
-        </p:txBody>
-      </p:sp>
-      <p:sp>
-        <p:nvSpPr>
-          <p:cNvPr id="13" name="TextBox 12">
-            <a:extLst>
-              <a:ext uri="{FF2B5EF4-FFF2-40B4-BE49-F238E27FC236}">
-                <a16:creationId xmlns:a16="http://schemas.microsoft.com/office/drawing/2014/main" id="{3CE42E6F-8996-4021-A3BD-2B374A942A4E}"/>
-              </a:ext>
-            </a:extLst>
-          </p:cNvPr>
-          <p:cNvSpPr txBox="1"/>
-          <p:nvPr/>
-        </p:nvSpPr>
-        <p:spPr>
-          <a:xfrm rot="16200000">
-            <a:off x="4161747" y="5146815"/>
-            <a:ext cx="1292772" cy="523220"/>
-          </a:xfrm>
-          <a:prstGeom prst="rect">
-            <a:avLst/>
-          </a:prstGeom>
-          <a:solidFill>
-            <a:schemeClr val="bg1"/>
-          </a:solidFill>
-        </p:spPr>
-        <p:txBody>
-          <a:bodyPr wrap="square" rtlCol="0">
-            <a:spAutoFit/>
-          </a:bodyPr>
-          <a:lstStyle/>
-          <a:p>
-            <a:r>
-              <a:rPr lang="en-US" sz="1400" dirty="0"/>
-              <a:t>Respiration coherence</a:t>
-            </a:r>
-          </a:p>
-        </p:txBody>
-      </p:sp>
-    </p:spTree>
-    <p:extLst>
-      <p:ext uri="{BB962C8B-B14F-4D97-AF65-F5344CB8AC3E}">
-        <p14:creationId xmlns:p14="http://schemas.microsoft.com/office/powerpoint/2010/main" val="710177270"/>
-      </p:ext>
-    </p:extLst>
-  </p:cSld>
-  <p:clrMapOvr>
-    <a:masterClrMapping/>
-  </p:clrMapOvr>
-</p:sld>
-</file>
-
-<file path=ppt/slides/slide17.xml><?xml version="1.0" encoding="utf-8"?>
-<p:sld xmlns:a="http://schemas.openxmlformats.org/drawingml/2006/main" xmlns:r="http://schemas.openxmlformats.org/officeDocument/2006/relationships" xmlns:p="http://schemas.openxmlformats.org/presentationml/2006/main">
-  <p:cSld>
-    <p:spTree>
-      <p:nvGrpSpPr>
-        <p:cNvPr id="1" name=""/>
-        <p:cNvGrpSpPr/>
-        <p:nvPr/>
-      </p:nvGrpSpPr>
-      <p:grpSpPr>
-        <a:xfrm>
-          <a:off x="0" y="0"/>
-          <a:ext cx="0" cy="0"/>
-          <a:chOff x="0" y="0"/>
-          <a:chExt cx="0" cy="0"/>
-        </a:xfrm>
-      </p:grpSpPr>
-      <p:sp>
-        <p:nvSpPr>
-          <p:cNvPr id="2" name="Title 1">
-            <a:extLst>
-              <a:ext uri="{FF2B5EF4-FFF2-40B4-BE49-F238E27FC236}">
-                <a16:creationId xmlns:a16="http://schemas.microsoft.com/office/drawing/2014/main" id="{E66E0929-6FE9-4BDB-849D-69FB315759FB}"/>
-              </a:ext>
-            </a:extLst>
-          </p:cNvPr>
-          <p:cNvSpPr>
-            <a:spLocks noGrp="1"/>
-          </p:cNvSpPr>
-          <p:nvPr>
-            <p:ph type="title"/>
-          </p:nvPr>
-        </p:nvSpPr>
-        <p:spPr>
-          <a:xfrm>
-            <a:off x="838200" y="365125"/>
+            <a:off x="838200" y="535813"/>
             <a:ext cx="6760779" cy="1325563"/>
           </a:xfrm>
         </p:spPr>
@@ -5524,7 +5644,7 @@
           <p:nvPr>
             <p:extLst>
               <p:ext uri="{D42A27DB-BD31-4B8C-83A1-F6EECF244321}">
-                <p14:modId xmlns:p14="http://schemas.microsoft.com/office/powerpoint/2010/main" val="1025159094"/>
+                <p14:modId xmlns:p14="http://schemas.microsoft.com/office/powerpoint/2010/main" val="625471127"/>
               </p:ext>
             </p:extLst>
           </p:nvPr>
@@ -5590,7 +5710,16 @@
                     <a:p>
                       <a:r>
                         <a:rPr lang="en-US" dirty="0"/>
-                        <a:t>RF physio + psych features, including EMG, accelerometers, &amp; respiration</a:t>
+                        <a:t>Random Forest Accuracy</a:t>
+                      </a:r>
+                    </a:p>
+                    <a:p>
+                      <a:endParaRPr lang="en-US" dirty="0"/>
+                    </a:p>
+                    <a:p>
+                      <a:r>
+                        <a:rPr lang="en-US" dirty="0"/>
+                        <a:t>All Features</a:t>
                       </a:r>
                     </a:p>
                   </a:txBody>
@@ -5603,7 +5732,7 @@
                     <a:p>
                       <a:r>
                         <a:rPr lang="en-US" dirty="0"/>
-                        <a:t>RF without EMG, accelerometers, &amp; respiration</a:t>
+                        <a:t>RF Accuracy without EMG, accelerometers, &amp; respiration</a:t>
                       </a:r>
                     </a:p>
                   </a:txBody>
@@ -5616,7 +5745,7 @@
                     <a:p>
                       <a:r>
                         <a:rPr lang="en-US" dirty="0"/>
-                        <a:t>RF without EMG, accelerometers, respiration, and valence/arousal</a:t>
+                        <a:t>RF without EMG, accelerometers, respiration, and without valence/arousal</a:t>
                       </a:r>
                     </a:p>
                   </a:txBody>
@@ -5927,6 +6056,192 @@
           </a:prstGeom>
         </p:spPr>
       </p:pic>
+      <p:graphicFrame>
+        <p:nvGraphicFramePr>
+          <p:cNvPr id="7" name="Table 6">
+            <a:extLst>
+              <a:ext uri="{FF2B5EF4-FFF2-40B4-BE49-F238E27FC236}">
+                <a16:creationId xmlns:a16="http://schemas.microsoft.com/office/drawing/2014/main" id="{ECF8C33E-4A98-4716-95EB-7A28E4006A26}"/>
+              </a:ext>
+            </a:extLst>
+          </p:cNvPr>
+          <p:cNvGraphicFramePr>
+            <a:graphicFrameLocks/>
+          </p:cNvGraphicFramePr>
+          <p:nvPr>
+            <p:extLst>
+              <p:ext uri="{D42A27DB-BD31-4B8C-83A1-F6EECF244321}">
+                <p14:modId xmlns:p14="http://schemas.microsoft.com/office/powerpoint/2010/main" val="1440194682"/>
+              </p:ext>
+            </p:extLst>
+          </p:nvPr>
+        </p:nvGraphicFramePr>
+        <p:xfrm>
+          <a:off x="0" y="0"/>
+          <a:ext cx="12192000" cy="640080"/>
+        </p:xfrm>
+        <a:graphic>
+          <a:graphicData uri="http://schemas.openxmlformats.org/drawingml/2006/table">
+            <a:tbl>
+              <a:tblPr firstRow="1" bandRow="1">
+                <a:tableStyleId>{5C22544A-7EE6-4342-B048-85BDC9FD1C3A}</a:tableStyleId>
+              </a:tblPr>
+              <a:tblGrid>
+                <a:gridCol w="2032000">
+                  <a:extLst>
+                    <a:ext uri="{9D8B030D-6E8A-4147-A177-3AD203B41FA5}">
+                      <a16:colId xmlns:a16="http://schemas.microsoft.com/office/drawing/2014/main" val="4285599755"/>
+                    </a:ext>
+                  </a:extLst>
+                </a:gridCol>
+                <a:gridCol w="2032000">
+                  <a:extLst>
+                    <a:ext uri="{9D8B030D-6E8A-4147-A177-3AD203B41FA5}">
+                      <a16:colId xmlns:a16="http://schemas.microsoft.com/office/drawing/2014/main" val="2688903068"/>
+                    </a:ext>
+                  </a:extLst>
+                </a:gridCol>
+                <a:gridCol w="2032000">
+                  <a:extLst>
+                    <a:ext uri="{9D8B030D-6E8A-4147-A177-3AD203B41FA5}">
+                      <a16:colId xmlns:a16="http://schemas.microsoft.com/office/drawing/2014/main" val="4274890127"/>
+                    </a:ext>
+                  </a:extLst>
+                </a:gridCol>
+                <a:gridCol w="2032000">
+                  <a:extLst>
+                    <a:ext uri="{9D8B030D-6E8A-4147-A177-3AD203B41FA5}">
+                      <a16:colId xmlns:a16="http://schemas.microsoft.com/office/drawing/2014/main" val="712714667"/>
+                    </a:ext>
+                  </a:extLst>
+                </a:gridCol>
+                <a:gridCol w="2032000">
+                  <a:extLst>
+                    <a:ext uri="{9D8B030D-6E8A-4147-A177-3AD203B41FA5}">
+                      <a16:colId xmlns:a16="http://schemas.microsoft.com/office/drawing/2014/main" val="740919897"/>
+                    </a:ext>
+                  </a:extLst>
+                </a:gridCol>
+                <a:gridCol w="2032000">
+                  <a:extLst>
+                    <a:ext uri="{9D8B030D-6E8A-4147-A177-3AD203B41FA5}">
+                      <a16:colId xmlns:a16="http://schemas.microsoft.com/office/drawing/2014/main" val="478429826"/>
+                    </a:ext>
+                  </a:extLst>
+                </a:gridCol>
+              </a:tblGrid>
+              <a:tr h="215699">
+                <a:tc>
+                  <a:txBody>
+                    <a:bodyPr/>
+                    <a:lstStyle/>
+                    <a:p>
+                      <a:r>
+                        <a:rPr lang="en-US" dirty="0"/>
+                        <a:t>Problem Identification</a:t>
+                      </a:r>
+                    </a:p>
+                  </a:txBody>
+                  <a:tcPr>
+                    <a:solidFill>
+                      <a:schemeClr val="accent1"/>
+                    </a:solidFill>
+                  </a:tcPr>
+                </a:tc>
+                <a:tc>
+                  <a:txBody>
+                    <a:bodyPr/>
+                    <a:lstStyle/>
+                    <a:p>
+                      <a:r>
+                        <a:rPr lang="en-US" dirty="0"/>
+                        <a:t>Data Wrangling</a:t>
+                      </a:r>
+                    </a:p>
+                  </a:txBody>
+                  <a:tcPr>
+                    <a:solidFill>
+                      <a:schemeClr val="accent1"/>
+                    </a:solidFill>
+                  </a:tcPr>
+                </a:tc>
+                <a:tc>
+                  <a:txBody>
+                    <a:bodyPr/>
+                    <a:lstStyle/>
+                    <a:p>
+                      <a:r>
+                        <a:rPr lang="en-US" dirty="0"/>
+                        <a:t>Exploratory Data Analysis</a:t>
+                      </a:r>
+                    </a:p>
+                  </a:txBody>
+                  <a:tcPr>
+                    <a:solidFill>
+                      <a:schemeClr val="accent1"/>
+                    </a:solidFill>
+                  </a:tcPr>
+                </a:tc>
+                <a:tc>
+                  <a:txBody>
+                    <a:bodyPr/>
+                    <a:lstStyle/>
+                    <a:p>
+                      <a:r>
+                        <a:rPr lang="en-US" dirty="0"/>
+                        <a:t>Preprocessing </a:t>
+                      </a:r>
+                      <a:r>
+                        <a:rPr lang="en-US" sz="1600" b="0" dirty="0">
+                          <a:hlinkClick r:id="rId4"/>
+                        </a:rPr>
+                        <a:t>(notebook on Github)</a:t>
+                      </a:r>
+                      <a:endParaRPr lang="en-US" b="0" dirty="0"/>
+                    </a:p>
+                  </a:txBody>
+                  <a:tcPr>
+                    <a:solidFill>
+                      <a:schemeClr val="accent2"/>
+                    </a:solidFill>
+                  </a:tcPr>
+                </a:tc>
+                <a:tc>
+                  <a:txBody>
+                    <a:bodyPr/>
+                    <a:lstStyle/>
+                    <a:p>
+                      <a:r>
+                        <a:rPr lang="en-US" dirty="0"/>
+                        <a:t>Modeling</a:t>
+                      </a:r>
+                    </a:p>
+                  </a:txBody>
+                  <a:tcPr/>
+                </a:tc>
+                <a:tc>
+                  <a:txBody>
+                    <a:bodyPr/>
+                    <a:lstStyle/>
+                    <a:p>
+                      <a:r>
+                        <a:rPr lang="en-US" dirty="0"/>
+                        <a:t>Documentation</a:t>
+                      </a:r>
+                    </a:p>
+                  </a:txBody>
+                  <a:tcPr/>
+                </a:tc>
+                <a:extLst>
+                  <a:ext uri="{0D108BD9-81ED-4DB2-BD59-A6C34878D82A}">
+                    <a16:rowId xmlns:a16="http://schemas.microsoft.com/office/drawing/2014/main" val="3148223393"/>
+                  </a:ext>
+                </a:extLst>
+              </a:tr>
+            </a:tbl>
+          </a:graphicData>
+        </a:graphic>
+      </p:graphicFrame>
     </p:spTree>
     <p:extLst>
       <p:ext uri="{BB962C8B-B14F-4D97-AF65-F5344CB8AC3E}">
@@ -6103,7 +6418,7 @@
 </p:sld>
 </file>
 
-<file path=ppt/slides/slide18.xml><?xml version="1.0" encoding="utf-8"?>
+<file path=ppt/slides/slide17.xml><?xml version="1.0" encoding="utf-8"?>
 <p:sld xmlns:a="http://schemas.openxmlformats.org/drawingml/2006/main" xmlns:r="http://schemas.openxmlformats.org/officeDocument/2006/relationships" xmlns:p="http://schemas.openxmlformats.org/presentationml/2006/main">
   <p:cSld>
     <p:spTree>
@@ -6136,7 +6451,12 @@
             <p:ph type="title"/>
           </p:nvPr>
         </p:nvSpPr>
-        <p:spPr/>
+        <p:spPr>
+          <a:xfrm>
+            <a:off x="838200" y="499237"/>
+            <a:ext cx="10515600" cy="1325563"/>
+          </a:xfrm>
+        </p:spPr>
         <p:txBody>
           <a:bodyPr>
             <a:normAutofit fontScale="90000"/>
@@ -6372,6 +6692,196 @@
           </a:p>
         </p:txBody>
       </p:sp>
+      <p:graphicFrame>
+        <p:nvGraphicFramePr>
+          <p:cNvPr id="8" name="Table 7">
+            <a:extLst>
+              <a:ext uri="{FF2B5EF4-FFF2-40B4-BE49-F238E27FC236}">
+                <a16:creationId xmlns:a16="http://schemas.microsoft.com/office/drawing/2014/main" id="{B5E4C5EB-7E73-4AE7-B3C0-60BCCADF0819}"/>
+              </a:ext>
+            </a:extLst>
+          </p:cNvPr>
+          <p:cNvGraphicFramePr>
+            <a:graphicFrameLocks/>
+          </p:cNvGraphicFramePr>
+          <p:nvPr>
+            <p:extLst>
+              <p:ext uri="{D42A27DB-BD31-4B8C-83A1-F6EECF244321}">
+                <p14:modId xmlns:p14="http://schemas.microsoft.com/office/powerpoint/2010/main" val="276384599"/>
+              </p:ext>
+            </p:extLst>
+          </p:nvPr>
+        </p:nvGraphicFramePr>
+        <p:xfrm>
+          <a:off x="0" y="0"/>
+          <a:ext cx="12192000" cy="640080"/>
+        </p:xfrm>
+        <a:graphic>
+          <a:graphicData uri="http://schemas.openxmlformats.org/drawingml/2006/table">
+            <a:tbl>
+              <a:tblPr firstRow="1" bandRow="1">
+                <a:tableStyleId>{5C22544A-7EE6-4342-B048-85BDC9FD1C3A}</a:tableStyleId>
+              </a:tblPr>
+              <a:tblGrid>
+                <a:gridCol w="2032000">
+                  <a:extLst>
+                    <a:ext uri="{9D8B030D-6E8A-4147-A177-3AD203B41FA5}">
+                      <a16:colId xmlns:a16="http://schemas.microsoft.com/office/drawing/2014/main" val="4285599755"/>
+                    </a:ext>
+                  </a:extLst>
+                </a:gridCol>
+                <a:gridCol w="2032000">
+                  <a:extLst>
+                    <a:ext uri="{9D8B030D-6E8A-4147-A177-3AD203B41FA5}">
+                      <a16:colId xmlns:a16="http://schemas.microsoft.com/office/drawing/2014/main" val="2688903068"/>
+                    </a:ext>
+                  </a:extLst>
+                </a:gridCol>
+                <a:gridCol w="2032000">
+                  <a:extLst>
+                    <a:ext uri="{9D8B030D-6E8A-4147-A177-3AD203B41FA5}">
+                      <a16:colId xmlns:a16="http://schemas.microsoft.com/office/drawing/2014/main" val="4274890127"/>
+                    </a:ext>
+                  </a:extLst>
+                </a:gridCol>
+                <a:gridCol w="2032000">
+                  <a:extLst>
+                    <a:ext uri="{9D8B030D-6E8A-4147-A177-3AD203B41FA5}">
+                      <a16:colId xmlns:a16="http://schemas.microsoft.com/office/drawing/2014/main" val="712714667"/>
+                    </a:ext>
+                  </a:extLst>
+                </a:gridCol>
+                <a:gridCol w="2032000">
+                  <a:extLst>
+                    <a:ext uri="{9D8B030D-6E8A-4147-A177-3AD203B41FA5}">
+                      <a16:colId xmlns:a16="http://schemas.microsoft.com/office/drawing/2014/main" val="740919897"/>
+                    </a:ext>
+                  </a:extLst>
+                </a:gridCol>
+                <a:gridCol w="2032000">
+                  <a:extLst>
+                    <a:ext uri="{9D8B030D-6E8A-4147-A177-3AD203B41FA5}">
+                      <a16:colId xmlns:a16="http://schemas.microsoft.com/office/drawing/2014/main" val="478429826"/>
+                    </a:ext>
+                  </a:extLst>
+                </a:gridCol>
+              </a:tblGrid>
+              <a:tr h="215699">
+                <a:tc>
+                  <a:txBody>
+                    <a:bodyPr/>
+                    <a:lstStyle/>
+                    <a:p>
+                      <a:r>
+                        <a:rPr lang="en-US" dirty="0"/>
+                        <a:t>Problem Identification</a:t>
+                      </a:r>
+                    </a:p>
+                  </a:txBody>
+                  <a:tcPr>
+                    <a:solidFill>
+                      <a:schemeClr val="accent1"/>
+                    </a:solidFill>
+                  </a:tcPr>
+                </a:tc>
+                <a:tc>
+                  <a:txBody>
+                    <a:bodyPr/>
+                    <a:lstStyle/>
+                    <a:p>
+                      <a:r>
+                        <a:rPr lang="en-US" dirty="0"/>
+                        <a:t>Data Wrangling</a:t>
+                      </a:r>
+                    </a:p>
+                  </a:txBody>
+                  <a:tcPr>
+                    <a:solidFill>
+                      <a:schemeClr val="accent1"/>
+                    </a:solidFill>
+                  </a:tcPr>
+                </a:tc>
+                <a:tc>
+                  <a:txBody>
+                    <a:bodyPr/>
+                    <a:lstStyle/>
+                    <a:p>
+                      <a:r>
+                        <a:rPr lang="en-US" dirty="0"/>
+                        <a:t>Exploratory Data Analysis</a:t>
+                      </a:r>
+                    </a:p>
+                  </a:txBody>
+                  <a:tcPr>
+                    <a:solidFill>
+                      <a:schemeClr val="accent1"/>
+                    </a:solidFill>
+                  </a:tcPr>
+                </a:tc>
+                <a:tc>
+                  <a:txBody>
+                    <a:bodyPr/>
+                    <a:lstStyle/>
+                    <a:p>
+                      <a:r>
+                        <a:rPr lang="en-US" dirty="0"/>
+                        <a:t>Preprocessing </a:t>
+                      </a:r>
+                      <a:r>
+                        <a:rPr lang="en-US" sz="1600" b="0" dirty="0">
+                          <a:hlinkClick r:id="rId4"/>
+                        </a:rPr>
+                        <a:t>(Github)</a:t>
+                      </a:r>
+                      <a:endParaRPr lang="en-US" b="0" dirty="0"/>
+                    </a:p>
+                  </a:txBody>
+                  <a:tcPr>
+                    <a:solidFill>
+                      <a:schemeClr val="accent2"/>
+                    </a:solidFill>
+                  </a:tcPr>
+                </a:tc>
+                <a:tc>
+                  <a:txBody>
+                    <a:bodyPr/>
+                    <a:lstStyle/>
+                    <a:p>
+                      <a:r>
+                        <a:rPr lang="en-US" dirty="0"/>
+                        <a:t>Modeling</a:t>
+                      </a:r>
+                    </a:p>
+                  </a:txBody>
+                  <a:tcPr>
+                    <a:solidFill>
+                      <a:schemeClr val="accent1"/>
+                    </a:solidFill>
+                  </a:tcPr>
+                </a:tc>
+                <a:tc>
+                  <a:txBody>
+                    <a:bodyPr/>
+                    <a:lstStyle/>
+                    <a:p>
+                      <a:r>
+                        <a:rPr lang="en-US" dirty="0"/>
+                        <a:t>Documentation</a:t>
+                      </a:r>
+                    </a:p>
+                  </a:txBody>
+                  <a:tcPr/>
+                </a:tc>
+                <a:extLst>
+                  <a:ext uri="{0D108BD9-81ED-4DB2-BD59-A6C34878D82A}">
+                    <a16:rowId xmlns:a16="http://schemas.microsoft.com/office/drawing/2014/main" val="3148223393"/>
+                  </a:ext>
+                </a:extLst>
+              </a:tr>
+            </a:tbl>
+          </a:graphicData>
+        </a:graphic>
+      </p:graphicFrame>
     </p:spTree>
     <p:extLst>
       <p:ext uri="{BB962C8B-B14F-4D97-AF65-F5344CB8AC3E}">
@@ -6491,7 +7001,7 @@
 </p:sld>
 </file>
 
-<file path=ppt/slides/slide19.xml><?xml version="1.0" encoding="utf-8"?>
+<file path=ppt/slides/slide18.xml><?xml version="1.0" encoding="utf-8"?>
 <p:sld xmlns:a="http://schemas.openxmlformats.org/drawingml/2006/main" xmlns:r="http://schemas.openxmlformats.org/officeDocument/2006/relationships" xmlns:p="http://schemas.openxmlformats.org/presentationml/2006/main">
   <p:cSld>
     <p:spTree>
@@ -6526,7 +7036,7 @@
         </p:nvSpPr>
         <p:spPr>
           <a:xfrm>
-            <a:off x="838200" y="365126"/>
+            <a:off x="838200" y="450470"/>
             <a:ext cx="10515600" cy="893362"/>
           </a:xfrm>
         </p:spPr>
@@ -6729,6 +7239,198 @@
           </a:p>
         </p:txBody>
       </p:sp>
+      <p:graphicFrame>
+        <p:nvGraphicFramePr>
+          <p:cNvPr id="12" name="Table 11">
+            <a:extLst>
+              <a:ext uri="{FF2B5EF4-FFF2-40B4-BE49-F238E27FC236}">
+                <a16:creationId xmlns:a16="http://schemas.microsoft.com/office/drawing/2014/main" id="{ECD285E5-6D18-4535-9B6B-E1B47475F444}"/>
+              </a:ext>
+            </a:extLst>
+          </p:cNvPr>
+          <p:cNvGraphicFramePr>
+            <a:graphicFrameLocks/>
+          </p:cNvGraphicFramePr>
+          <p:nvPr>
+            <p:extLst>
+              <p:ext uri="{D42A27DB-BD31-4B8C-83A1-F6EECF244321}">
+                <p14:modId xmlns:p14="http://schemas.microsoft.com/office/powerpoint/2010/main" val="1327382716"/>
+              </p:ext>
+            </p:extLst>
+          </p:nvPr>
+        </p:nvGraphicFramePr>
+        <p:xfrm>
+          <a:off x="0" y="0"/>
+          <a:ext cx="12192000" cy="640080"/>
+        </p:xfrm>
+        <a:graphic>
+          <a:graphicData uri="http://schemas.openxmlformats.org/drawingml/2006/table">
+            <a:tbl>
+              <a:tblPr firstRow="1" bandRow="1">
+                <a:tableStyleId>{5C22544A-7EE6-4342-B048-85BDC9FD1C3A}</a:tableStyleId>
+              </a:tblPr>
+              <a:tblGrid>
+                <a:gridCol w="2032000">
+                  <a:extLst>
+                    <a:ext uri="{9D8B030D-6E8A-4147-A177-3AD203B41FA5}">
+                      <a16:colId xmlns:a16="http://schemas.microsoft.com/office/drawing/2014/main" val="4285599755"/>
+                    </a:ext>
+                  </a:extLst>
+                </a:gridCol>
+                <a:gridCol w="2032000">
+                  <a:extLst>
+                    <a:ext uri="{9D8B030D-6E8A-4147-A177-3AD203B41FA5}">
+                      <a16:colId xmlns:a16="http://schemas.microsoft.com/office/drawing/2014/main" val="2688903068"/>
+                    </a:ext>
+                  </a:extLst>
+                </a:gridCol>
+                <a:gridCol w="2032000">
+                  <a:extLst>
+                    <a:ext uri="{9D8B030D-6E8A-4147-A177-3AD203B41FA5}">
+                      <a16:colId xmlns:a16="http://schemas.microsoft.com/office/drawing/2014/main" val="4274890127"/>
+                    </a:ext>
+                  </a:extLst>
+                </a:gridCol>
+                <a:gridCol w="2032000">
+                  <a:extLst>
+                    <a:ext uri="{9D8B030D-6E8A-4147-A177-3AD203B41FA5}">
+                      <a16:colId xmlns:a16="http://schemas.microsoft.com/office/drawing/2014/main" val="712714667"/>
+                    </a:ext>
+                  </a:extLst>
+                </a:gridCol>
+                <a:gridCol w="2032000">
+                  <a:extLst>
+                    <a:ext uri="{9D8B030D-6E8A-4147-A177-3AD203B41FA5}">
+                      <a16:colId xmlns:a16="http://schemas.microsoft.com/office/drawing/2014/main" val="740919897"/>
+                    </a:ext>
+                  </a:extLst>
+                </a:gridCol>
+                <a:gridCol w="2032000">
+                  <a:extLst>
+                    <a:ext uri="{9D8B030D-6E8A-4147-A177-3AD203B41FA5}">
+                      <a16:colId xmlns:a16="http://schemas.microsoft.com/office/drawing/2014/main" val="478429826"/>
+                    </a:ext>
+                  </a:extLst>
+                </a:gridCol>
+              </a:tblGrid>
+              <a:tr h="215699">
+                <a:tc>
+                  <a:txBody>
+                    <a:bodyPr/>
+                    <a:lstStyle/>
+                    <a:p>
+                      <a:r>
+                        <a:rPr lang="en-US" dirty="0"/>
+                        <a:t>Problem Identification</a:t>
+                      </a:r>
+                    </a:p>
+                  </a:txBody>
+                  <a:tcPr>
+                    <a:solidFill>
+                      <a:schemeClr val="accent1"/>
+                    </a:solidFill>
+                  </a:tcPr>
+                </a:tc>
+                <a:tc>
+                  <a:txBody>
+                    <a:bodyPr/>
+                    <a:lstStyle/>
+                    <a:p>
+                      <a:r>
+                        <a:rPr lang="en-US" dirty="0"/>
+                        <a:t>Data Wrangling</a:t>
+                      </a:r>
+                    </a:p>
+                  </a:txBody>
+                  <a:tcPr>
+                    <a:solidFill>
+                      <a:schemeClr val="accent1"/>
+                    </a:solidFill>
+                  </a:tcPr>
+                </a:tc>
+                <a:tc>
+                  <a:txBody>
+                    <a:bodyPr/>
+                    <a:lstStyle/>
+                    <a:p>
+                      <a:r>
+                        <a:rPr lang="en-US" dirty="0"/>
+                        <a:t>Exploratory Data Analysis</a:t>
+                      </a:r>
+                    </a:p>
+                  </a:txBody>
+                  <a:tcPr>
+                    <a:solidFill>
+                      <a:schemeClr val="accent1"/>
+                    </a:solidFill>
+                  </a:tcPr>
+                </a:tc>
+                <a:tc>
+                  <a:txBody>
+                    <a:bodyPr/>
+                    <a:lstStyle/>
+                    <a:p>
+                      <a:r>
+                        <a:rPr lang="en-US" dirty="0"/>
+                        <a:t>Preprocessing</a:t>
+                      </a:r>
+                    </a:p>
+                  </a:txBody>
+                  <a:tcPr>
+                    <a:solidFill>
+                      <a:schemeClr val="accent1"/>
+                    </a:solidFill>
+                  </a:tcPr>
+                </a:tc>
+                <a:tc>
+                  <a:txBody>
+                    <a:bodyPr/>
+                    <a:lstStyle/>
+                    <a:p>
+                      <a:r>
+                        <a:rPr lang="en-US" dirty="0"/>
+                        <a:t>Modeling</a:t>
+                      </a:r>
+                    </a:p>
+                    <a:p>
+                      <a:r>
+                        <a:rPr lang="en-US" sz="1800" b="0" dirty="0">
+                          <a:hlinkClick r:id="rId4"/>
+                        </a:rPr>
+                        <a:t>(Github)</a:t>
+                      </a:r>
+                      <a:endParaRPr lang="en-US" dirty="0"/>
+                    </a:p>
+                  </a:txBody>
+                  <a:tcPr>
+                    <a:solidFill>
+                      <a:schemeClr val="accent2"/>
+                    </a:solidFill>
+                  </a:tcPr>
+                </a:tc>
+                <a:tc>
+                  <a:txBody>
+                    <a:bodyPr/>
+                    <a:lstStyle/>
+                    <a:p>
+                      <a:r>
+                        <a:rPr lang="en-US" dirty="0"/>
+                        <a:t>Documentation</a:t>
+                      </a:r>
+                    </a:p>
+                  </a:txBody>
+                  <a:tcPr/>
+                </a:tc>
+                <a:extLst>
+                  <a:ext uri="{0D108BD9-81ED-4DB2-BD59-A6C34878D82A}">
+                    <a16:rowId xmlns:a16="http://schemas.microsoft.com/office/drawing/2014/main" val="3148223393"/>
+                  </a:ext>
+                </a:extLst>
+              </a:tr>
+            </a:tbl>
+          </a:graphicData>
+        </a:graphic>
+      </p:graphicFrame>
     </p:spTree>
     <p:extLst>
       <p:ext uri="{BB962C8B-B14F-4D97-AF65-F5344CB8AC3E}">
@@ -6875,7 +7577,7 @@
 </p:sld>
 </file>
 
-<file path=ppt/slides/slide2.xml><?xml version="1.0" encoding="utf-8"?>
+<file path=ppt/slides/slide19.xml><?xml version="1.0" encoding="utf-8"?>
 <p:sld xmlns:a="http://schemas.openxmlformats.org/drawingml/2006/main" xmlns:r="http://schemas.openxmlformats.org/officeDocument/2006/relationships" xmlns:p="http://schemas.openxmlformats.org/presentationml/2006/main">
   <p:cSld>
     <p:spTree>
@@ -6897,7 +7599,7 @@
           <p:cNvPr id="2" name="Title 1">
             <a:extLst>
               <a:ext uri="{FF2B5EF4-FFF2-40B4-BE49-F238E27FC236}">
-                <a16:creationId xmlns:a16="http://schemas.microsoft.com/office/drawing/2014/main" id="{DC23C98B-E78B-432E-A3F1-B87E7C665588}"/>
+                <a16:creationId xmlns:a16="http://schemas.microsoft.com/office/drawing/2014/main" id="{37C0A364-03BB-4753-8D99-8B46E107C832}"/>
               </a:ext>
             </a:extLst>
           </p:cNvPr>
@@ -6908,7 +7610,12 @@
             <p:ph type="title"/>
           </p:nvPr>
         </p:nvSpPr>
-        <p:spPr/>
+        <p:spPr>
+          <a:xfrm>
+            <a:off x="838200" y="450469"/>
+            <a:ext cx="10515600" cy="1325563"/>
+          </a:xfrm>
+        </p:spPr>
         <p:txBody>
           <a:bodyPr>
             <a:normAutofit/>
@@ -6916,277 +7623,7 @@
           <a:lstStyle/>
           <a:p>
             <a:r>
-              <a:rPr lang="en-US" b="1" dirty="0"/>
-              <a:t>Problem identification: </a:t>
-            </a:r>
-            <a:br>
-              <a:rPr lang="en-US" dirty="0"/>
-            </a:br>
-            <a:r>
-              <a:rPr lang="en-US" sz="3600" i="1" dirty="0"/>
-              <a:t>Resilience to social stress during performative endeavors</a:t>
-            </a:r>
-            <a:endParaRPr lang="en-US" i="1" dirty="0"/>
-          </a:p>
-        </p:txBody>
-      </p:sp>
-      <p:sp>
-        <p:nvSpPr>
-          <p:cNvPr id="3" name="Content Placeholder 2">
-            <a:extLst>
-              <a:ext uri="{FF2B5EF4-FFF2-40B4-BE49-F238E27FC236}">
-                <a16:creationId xmlns:a16="http://schemas.microsoft.com/office/drawing/2014/main" id="{134C2D0F-7CC1-4FA9-BEAB-26193030CA13}"/>
-              </a:ext>
-            </a:extLst>
-          </p:cNvPr>
-          <p:cNvSpPr>
-            <a:spLocks noGrp="1"/>
-          </p:cNvSpPr>
-          <p:nvPr>
-            <p:ph idx="1"/>
-          </p:nvPr>
-        </p:nvSpPr>
-        <p:spPr/>
-        <p:txBody>
-          <a:bodyPr/>
-          <a:lstStyle/>
-          <a:p>
-            <a:r>
-              <a:rPr lang="en-US" dirty="0"/>
-              <a:t>Can wearables play a role in measuring resilience?</a:t>
-            </a:r>
-          </a:p>
-          <a:p>
-            <a:pPr lvl="1"/>
-            <a:r>
-              <a:rPr lang="en-US" dirty="0"/>
-              <a:t>Sympathetic nervous system is known to respond to social stress.</a:t>
-            </a:r>
-          </a:p>
-          <a:p>
-            <a:pPr lvl="1"/>
-            <a:endParaRPr lang="en-US" dirty="0"/>
-          </a:p>
-          <a:p>
-            <a:r>
-              <a:rPr lang="en-US" dirty="0"/>
-              <a:t>Does meditation increase resilience?</a:t>
-            </a:r>
-          </a:p>
-        </p:txBody>
-      </p:sp>
-    </p:spTree>
-    <p:extLst>
-      <p:ext uri="{BB962C8B-B14F-4D97-AF65-F5344CB8AC3E}">
-        <p14:creationId xmlns:p14="http://schemas.microsoft.com/office/powerpoint/2010/main" val="1813806961"/>
-      </p:ext>
-    </p:extLst>
-  </p:cSld>
-  <p:clrMapOvr>
-    <a:masterClrMapping/>
-  </p:clrMapOvr>
-  <p:timing>
-    <p:tnLst>
-      <p:par>
-        <p:cTn id="1" dur="indefinite" restart="never" nodeType="tmRoot">
-          <p:childTnLst>
-            <p:seq concurrent="1" nextAc="seek">
-              <p:cTn id="2" dur="indefinite" nodeType="mainSeq">
-                <p:childTnLst>
-                  <p:par>
-                    <p:cTn id="3" fill="hold">
-                      <p:stCondLst>
-                        <p:cond delay="indefinite"/>
-                      </p:stCondLst>
-                      <p:childTnLst>
-                        <p:par>
-                          <p:cTn id="4" fill="hold">
-                            <p:stCondLst>
-                              <p:cond delay="0"/>
-                            </p:stCondLst>
-                            <p:childTnLst>
-                              <p:par>
-                                <p:cTn id="5" presetID="1" presetClass="entr" presetSubtype="0" fill="hold" nodeType="clickEffect">
-                                  <p:stCondLst>
-                                    <p:cond delay="0"/>
-                                  </p:stCondLst>
-                                  <p:childTnLst>
-                                    <p:set>
-                                      <p:cBhvr>
-                                        <p:cTn id="6" dur="1" fill="hold">
-                                          <p:stCondLst>
-                                            <p:cond delay="0"/>
-                                          </p:stCondLst>
-                                        </p:cTn>
-                                        <p:tgtEl>
-                                          <p:spTgt spid="3">
-                                            <p:txEl>
-                                              <p:pRg st="0" end="0"/>
-                                            </p:txEl>
-                                          </p:spTgt>
-                                        </p:tgtEl>
-                                        <p:attrNameLst>
-                                          <p:attrName>style.visibility</p:attrName>
-                                        </p:attrNameLst>
-                                      </p:cBhvr>
-                                      <p:to>
-                                        <p:strVal val="visible"/>
-                                      </p:to>
-                                    </p:set>
-                                  </p:childTnLst>
-                                </p:cTn>
-                              </p:par>
-                              <p:par>
-                                <p:cTn id="7" presetID="1" presetClass="entr" presetSubtype="0" fill="hold" nodeType="withEffect">
-                                  <p:stCondLst>
-                                    <p:cond delay="0"/>
-                                  </p:stCondLst>
-                                  <p:childTnLst>
-                                    <p:set>
-                                      <p:cBhvr>
-                                        <p:cTn id="8" dur="1" fill="hold">
-                                          <p:stCondLst>
-                                            <p:cond delay="0"/>
-                                          </p:stCondLst>
-                                        </p:cTn>
-                                        <p:tgtEl>
-                                          <p:spTgt spid="3">
-                                            <p:txEl>
-                                              <p:pRg st="1" end="1"/>
-                                            </p:txEl>
-                                          </p:spTgt>
-                                        </p:tgtEl>
-                                        <p:attrNameLst>
-                                          <p:attrName>style.visibility</p:attrName>
-                                        </p:attrNameLst>
-                                      </p:cBhvr>
-                                      <p:to>
-                                        <p:strVal val="visible"/>
-                                      </p:to>
-                                    </p:set>
-                                  </p:childTnLst>
-                                </p:cTn>
-                              </p:par>
-                            </p:childTnLst>
-                          </p:cTn>
-                        </p:par>
-                      </p:childTnLst>
-                    </p:cTn>
-                  </p:par>
-                  <p:par>
-                    <p:cTn id="9" fill="hold">
-                      <p:stCondLst>
-                        <p:cond delay="indefinite"/>
-                      </p:stCondLst>
-                      <p:childTnLst>
-                        <p:par>
-                          <p:cTn id="10" fill="hold">
-                            <p:stCondLst>
-                              <p:cond delay="0"/>
-                            </p:stCondLst>
-                            <p:childTnLst>
-                              <p:par>
-                                <p:cTn id="11" presetID="1" presetClass="entr" presetSubtype="0" fill="hold" nodeType="clickEffect">
-                                  <p:stCondLst>
-                                    <p:cond delay="0"/>
-                                  </p:stCondLst>
-                                  <p:childTnLst>
-                                    <p:set>
-                                      <p:cBhvr>
-                                        <p:cTn id="12" dur="1" fill="hold">
-                                          <p:stCondLst>
-                                            <p:cond delay="0"/>
-                                          </p:stCondLst>
-                                        </p:cTn>
-                                        <p:tgtEl>
-                                          <p:spTgt spid="3">
-                                            <p:txEl>
-                                              <p:pRg st="3" end="3"/>
-                                            </p:txEl>
-                                          </p:spTgt>
-                                        </p:tgtEl>
-                                        <p:attrNameLst>
-                                          <p:attrName>style.visibility</p:attrName>
-                                        </p:attrNameLst>
-                                      </p:cBhvr>
-                                      <p:to>
-                                        <p:strVal val="visible"/>
-                                      </p:to>
-                                    </p:set>
-                                  </p:childTnLst>
-                                </p:cTn>
-                              </p:par>
-                            </p:childTnLst>
-                          </p:cTn>
-                        </p:par>
-                      </p:childTnLst>
-                    </p:cTn>
-                  </p:par>
-                </p:childTnLst>
-              </p:cTn>
-              <p:prevCondLst>
-                <p:cond evt="onPrev" delay="0">
-                  <p:tgtEl>
-                    <p:sldTgt/>
-                  </p:tgtEl>
-                </p:cond>
-              </p:prevCondLst>
-              <p:nextCondLst>
-                <p:cond evt="onNext" delay="0">
-                  <p:tgtEl>
-                    <p:sldTgt/>
-                  </p:tgtEl>
-                </p:cond>
-              </p:nextCondLst>
-            </p:seq>
-          </p:childTnLst>
-        </p:cTn>
-      </p:par>
-    </p:tnLst>
-  </p:timing>
-</p:sld>
-</file>
-
-<file path=ppt/slides/slide20.xml><?xml version="1.0" encoding="utf-8"?>
-<p:sld xmlns:a="http://schemas.openxmlformats.org/drawingml/2006/main" xmlns:r="http://schemas.openxmlformats.org/officeDocument/2006/relationships" xmlns:p="http://schemas.openxmlformats.org/presentationml/2006/main">
-  <p:cSld>
-    <p:spTree>
-      <p:nvGrpSpPr>
-        <p:cNvPr id="1" name=""/>
-        <p:cNvGrpSpPr/>
-        <p:nvPr/>
-      </p:nvGrpSpPr>
-      <p:grpSpPr>
-        <a:xfrm>
-          <a:off x="0" y="0"/>
-          <a:ext cx="0" cy="0"/>
-          <a:chOff x="0" y="0"/>
-          <a:chExt cx="0" cy="0"/>
-        </a:xfrm>
-      </p:grpSpPr>
-      <p:sp>
-        <p:nvSpPr>
-          <p:cNvPr id="2" name="Title 1">
-            <a:extLst>
-              <a:ext uri="{FF2B5EF4-FFF2-40B4-BE49-F238E27FC236}">
-                <a16:creationId xmlns:a16="http://schemas.microsoft.com/office/drawing/2014/main" id="{37C0A364-03BB-4753-8D99-8B46E107C832}"/>
-              </a:ext>
-            </a:extLst>
-          </p:cNvPr>
-          <p:cNvSpPr>
-            <a:spLocks noGrp="1"/>
-          </p:cNvSpPr>
-          <p:nvPr>
-            <p:ph type="title"/>
-          </p:nvPr>
-        </p:nvSpPr>
-        <p:spPr/>
-        <p:txBody>
-          <a:bodyPr/>
-          <a:lstStyle/>
-          <a:p>
-            <a:r>
-              <a:rPr lang="en-US" dirty="0"/>
+              <a:rPr lang="en-US" sz="4000" dirty="0"/>
               <a:t>Modeling (Predicting recent meditation condition)</a:t>
             </a:r>
           </a:p>
@@ -7242,7 +7679,7 @@
         </p:blipFill>
         <p:spPr>
           <a:xfrm>
-            <a:off x="4043147" y="2348390"/>
+            <a:off x="4087972" y="2348390"/>
             <a:ext cx="3969068" cy="2426018"/>
           </a:xfrm>
           <a:prstGeom prst="rect">
@@ -7402,6 +7839,198 @@
           </a:p>
         </p:txBody>
       </p:sp>
+      <p:graphicFrame>
+        <p:nvGraphicFramePr>
+          <p:cNvPr id="10" name="Table 9">
+            <a:extLst>
+              <a:ext uri="{FF2B5EF4-FFF2-40B4-BE49-F238E27FC236}">
+                <a16:creationId xmlns:a16="http://schemas.microsoft.com/office/drawing/2014/main" id="{40A9F861-DCBC-404D-95CA-0007BA8823C8}"/>
+              </a:ext>
+            </a:extLst>
+          </p:cNvPr>
+          <p:cNvGraphicFramePr>
+            <a:graphicFrameLocks/>
+          </p:cNvGraphicFramePr>
+          <p:nvPr>
+            <p:extLst>
+              <p:ext uri="{D42A27DB-BD31-4B8C-83A1-F6EECF244321}">
+                <p14:modId xmlns:p14="http://schemas.microsoft.com/office/powerpoint/2010/main" val="43516925"/>
+              </p:ext>
+            </p:extLst>
+          </p:nvPr>
+        </p:nvGraphicFramePr>
+        <p:xfrm>
+          <a:off x="0" y="0"/>
+          <a:ext cx="12192000" cy="640080"/>
+        </p:xfrm>
+        <a:graphic>
+          <a:graphicData uri="http://schemas.openxmlformats.org/drawingml/2006/table">
+            <a:tbl>
+              <a:tblPr firstRow="1" bandRow="1">
+                <a:tableStyleId>{5C22544A-7EE6-4342-B048-85BDC9FD1C3A}</a:tableStyleId>
+              </a:tblPr>
+              <a:tblGrid>
+                <a:gridCol w="2032000">
+                  <a:extLst>
+                    <a:ext uri="{9D8B030D-6E8A-4147-A177-3AD203B41FA5}">
+                      <a16:colId xmlns:a16="http://schemas.microsoft.com/office/drawing/2014/main" val="4285599755"/>
+                    </a:ext>
+                  </a:extLst>
+                </a:gridCol>
+                <a:gridCol w="2032000">
+                  <a:extLst>
+                    <a:ext uri="{9D8B030D-6E8A-4147-A177-3AD203B41FA5}">
+                      <a16:colId xmlns:a16="http://schemas.microsoft.com/office/drawing/2014/main" val="2688903068"/>
+                    </a:ext>
+                  </a:extLst>
+                </a:gridCol>
+                <a:gridCol w="2032000">
+                  <a:extLst>
+                    <a:ext uri="{9D8B030D-6E8A-4147-A177-3AD203B41FA5}">
+                      <a16:colId xmlns:a16="http://schemas.microsoft.com/office/drawing/2014/main" val="4274890127"/>
+                    </a:ext>
+                  </a:extLst>
+                </a:gridCol>
+                <a:gridCol w="2032000">
+                  <a:extLst>
+                    <a:ext uri="{9D8B030D-6E8A-4147-A177-3AD203B41FA5}">
+                      <a16:colId xmlns:a16="http://schemas.microsoft.com/office/drawing/2014/main" val="712714667"/>
+                    </a:ext>
+                  </a:extLst>
+                </a:gridCol>
+                <a:gridCol w="2032000">
+                  <a:extLst>
+                    <a:ext uri="{9D8B030D-6E8A-4147-A177-3AD203B41FA5}">
+                      <a16:colId xmlns:a16="http://schemas.microsoft.com/office/drawing/2014/main" val="740919897"/>
+                    </a:ext>
+                  </a:extLst>
+                </a:gridCol>
+                <a:gridCol w="2032000">
+                  <a:extLst>
+                    <a:ext uri="{9D8B030D-6E8A-4147-A177-3AD203B41FA5}">
+                      <a16:colId xmlns:a16="http://schemas.microsoft.com/office/drawing/2014/main" val="478429826"/>
+                    </a:ext>
+                  </a:extLst>
+                </a:gridCol>
+              </a:tblGrid>
+              <a:tr h="215699">
+                <a:tc>
+                  <a:txBody>
+                    <a:bodyPr/>
+                    <a:lstStyle/>
+                    <a:p>
+                      <a:r>
+                        <a:rPr lang="en-US" dirty="0"/>
+                        <a:t>Problem Identification</a:t>
+                      </a:r>
+                    </a:p>
+                  </a:txBody>
+                  <a:tcPr>
+                    <a:solidFill>
+                      <a:schemeClr val="accent1"/>
+                    </a:solidFill>
+                  </a:tcPr>
+                </a:tc>
+                <a:tc>
+                  <a:txBody>
+                    <a:bodyPr/>
+                    <a:lstStyle/>
+                    <a:p>
+                      <a:r>
+                        <a:rPr lang="en-US" dirty="0"/>
+                        <a:t>Data Wrangling</a:t>
+                      </a:r>
+                    </a:p>
+                  </a:txBody>
+                  <a:tcPr>
+                    <a:solidFill>
+                      <a:schemeClr val="accent1"/>
+                    </a:solidFill>
+                  </a:tcPr>
+                </a:tc>
+                <a:tc>
+                  <a:txBody>
+                    <a:bodyPr/>
+                    <a:lstStyle/>
+                    <a:p>
+                      <a:r>
+                        <a:rPr lang="en-US" dirty="0"/>
+                        <a:t>Exploratory Data Analysis</a:t>
+                      </a:r>
+                    </a:p>
+                  </a:txBody>
+                  <a:tcPr>
+                    <a:solidFill>
+                      <a:schemeClr val="accent1"/>
+                    </a:solidFill>
+                  </a:tcPr>
+                </a:tc>
+                <a:tc>
+                  <a:txBody>
+                    <a:bodyPr/>
+                    <a:lstStyle/>
+                    <a:p>
+                      <a:r>
+                        <a:rPr lang="en-US" dirty="0"/>
+                        <a:t>Preprocessing</a:t>
+                      </a:r>
+                    </a:p>
+                  </a:txBody>
+                  <a:tcPr>
+                    <a:solidFill>
+                      <a:schemeClr val="accent1"/>
+                    </a:solidFill>
+                  </a:tcPr>
+                </a:tc>
+                <a:tc>
+                  <a:txBody>
+                    <a:bodyPr/>
+                    <a:lstStyle/>
+                    <a:p>
+                      <a:r>
+                        <a:rPr lang="en-US" dirty="0"/>
+                        <a:t>Modeling</a:t>
+                      </a:r>
+                    </a:p>
+                    <a:p>
+                      <a:r>
+                        <a:rPr lang="en-US" sz="1800" b="0" dirty="0">
+                          <a:hlinkClick r:id="rId6"/>
+                        </a:rPr>
+                        <a:t>(Github)</a:t>
+                      </a:r>
+                      <a:endParaRPr lang="en-US" dirty="0"/>
+                    </a:p>
+                  </a:txBody>
+                  <a:tcPr>
+                    <a:solidFill>
+                      <a:schemeClr val="accent2"/>
+                    </a:solidFill>
+                  </a:tcPr>
+                </a:tc>
+                <a:tc>
+                  <a:txBody>
+                    <a:bodyPr/>
+                    <a:lstStyle/>
+                    <a:p>
+                      <a:r>
+                        <a:rPr lang="en-US" dirty="0"/>
+                        <a:t>Documentation</a:t>
+                      </a:r>
+                    </a:p>
+                  </a:txBody>
+                  <a:tcPr/>
+                </a:tc>
+                <a:extLst>
+                  <a:ext uri="{0D108BD9-81ED-4DB2-BD59-A6C34878D82A}">
+                    <a16:rowId xmlns:a16="http://schemas.microsoft.com/office/drawing/2014/main" val="3148223393"/>
+                  </a:ext>
+                </a:extLst>
+              </a:tr>
+            </a:tbl>
+          </a:graphicData>
+        </a:graphic>
+      </p:graphicFrame>
     </p:spTree>
     <p:extLst>
       <p:ext uri="{BB962C8B-B14F-4D97-AF65-F5344CB8AC3E}">
@@ -7601,7 +8230,722 @@
 </p:sld>
 </file>
 
-<file path=ppt/slides/slide21.xml><?xml version="1.0" encoding="utf-8"?>
+<file path=ppt/slides/slide2.xml><?xml version="1.0" encoding="utf-8"?>
+<p:sld xmlns:a="http://schemas.openxmlformats.org/drawingml/2006/main" xmlns:r="http://schemas.openxmlformats.org/officeDocument/2006/relationships" xmlns:p="http://schemas.openxmlformats.org/presentationml/2006/main">
+  <p:cSld>
+    <p:spTree>
+      <p:nvGrpSpPr>
+        <p:cNvPr id="1" name=""/>
+        <p:cNvGrpSpPr/>
+        <p:nvPr/>
+      </p:nvGrpSpPr>
+      <p:grpSpPr>
+        <a:xfrm>
+          <a:off x="0" y="0"/>
+          <a:ext cx="0" cy="0"/>
+          <a:chOff x="0" y="0"/>
+          <a:chExt cx="0" cy="0"/>
+        </a:xfrm>
+      </p:grpSpPr>
+      <p:sp>
+        <p:nvSpPr>
+          <p:cNvPr id="2" name="Title 1">
+            <a:extLst>
+              <a:ext uri="{FF2B5EF4-FFF2-40B4-BE49-F238E27FC236}">
+                <a16:creationId xmlns:a16="http://schemas.microsoft.com/office/drawing/2014/main" id="{DC23C98B-E78B-432E-A3F1-B87E7C665588}"/>
+              </a:ext>
+            </a:extLst>
+          </p:cNvPr>
+          <p:cNvSpPr>
+            <a:spLocks noGrp="1"/>
+          </p:cNvSpPr>
+          <p:nvPr>
+            <p:ph type="title"/>
+          </p:nvPr>
+        </p:nvSpPr>
+        <p:spPr>
+          <a:xfrm>
+            <a:off x="838200" y="532391"/>
+            <a:ext cx="10515600" cy="1325563"/>
+          </a:xfrm>
+        </p:spPr>
+        <p:txBody>
+          <a:bodyPr>
+            <a:normAutofit/>
+          </a:bodyPr>
+          <a:lstStyle/>
+          <a:p>
+            <a:r>
+              <a:rPr lang="en-US" b="1" dirty="0"/>
+              <a:t>Problem identification: </a:t>
+            </a:r>
+            <a:br>
+              <a:rPr lang="en-US" dirty="0"/>
+            </a:br>
+            <a:r>
+              <a:rPr lang="en-US" sz="3600" i="1" dirty="0"/>
+              <a:t>Resilience to social stress during performative endeavors</a:t>
+            </a:r>
+            <a:endParaRPr lang="en-US" i="1" dirty="0"/>
+          </a:p>
+        </p:txBody>
+      </p:sp>
+      <p:sp>
+        <p:nvSpPr>
+          <p:cNvPr id="3" name="Content Placeholder 2">
+            <a:extLst>
+              <a:ext uri="{FF2B5EF4-FFF2-40B4-BE49-F238E27FC236}">
+                <a16:creationId xmlns:a16="http://schemas.microsoft.com/office/drawing/2014/main" id="{134C2D0F-7CC1-4FA9-BEAB-26193030CA13}"/>
+              </a:ext>
+            </a:extLst>
+          </p:cNvPr>
+          <p:cNvSpPr>
+            <a:spLocks noGrp="1"/>
+          </p:cNvSpPr>
+          <p:nvPr>
+            <p:ph idx="1"/>
+          </p:nvPr>
+        </p:nvSpPr>
+        <p:spPr>
+          <a:xfrm>
+            <a:off x="838200" y="1992891"/>
+            <a:ext cx="10515600" cy="4351338"/>
+          </a:xfrm>
+        </p:spPr>
+        <p:txBody>
+          <a:bodyPr>
+            <a:normAutofit lnSpcReduction="10000"/>
+          </a:bodyPr>
+          <a:lstStyle/>
+          <a:p>
+            <a:r>
+              <a:rPr lang="en-US" dirty="0"/>
+              <a:t>Social stress is inevitable and potentially unhealthy.</a:t>
+            </a:r>
+          </a:p>
+          <a:p>
+            <a:endParaRPr lang="en-US" dirty="0"/>
+          </a:p>
+          <a:p>
+            <a:r>
+              <a:rPr lang="en-US" dirty="0"/>
+              <a:t>Sympathetic nervous system is responsive to social stress.</a:t>
+            </a:r>
+          </a:p>
+          <a:p>
+            <a:pPr lvl="1"/>
+            <a:r>
+              <a:rPr lang="en-US" dirty="0"/>
+              <a:t>Elevated heart rate and sweating.</a:t>
+            </a:r>
+          </a:p>
+          <a:p>
+            <a:pPr lvl="1"/>
+            <a:r>
+              <a:rPr lang="en-US" dirty="0"/>
+              <a:t>Excessive “fight-or-flight” responses can lead to exhaustion and a loss of psychological safety.</a:t>
+            </a:r>
+          </a:p>
+          <a:p>
+            <a:endParaRPr lang="en-US" dirty="0"/>
+          </a:p>
+          <a:p>
+            <a:r>
+              <a:rPr lang="en-US" dirty="0"/>
+              <a:t>Can consumer wearables play a role in measuring resilience and finding effective coping strategies?</a:t>
+            </a:r>
+          </a:p>
+          <a:p>
+            <a:pPr lvl="1"/>
+            <a:r>
+              <a:rPr lang="en-US" dirty="0"/>
+              <a:t>Does meditation increase resilience?</a:t>
+            </a:r>
+          </a:p>
+        </p:txBody>
+      </p:sp>
+      <p:pic>
+        <p:nvPicPr>
+          <p:cNvPr id="4" name="Picture 8" descr="mock job interview clipart - Clip Art Library">
+            <a:extLst>
+              <a:ext uri="{FF2B5EF4-FFF2-40B4-BE49-F238E27FC236}">
+                <a16:creationId xmlns:a16="http://schemas.microsoft.com/office/drawing/2014/main" id="{8F122AF9-DCEF-4948-841C-ED3E0A536F3A}"/>
+              </a:ext>
+            </a:extLst>
+          </p:cNvPr>
+          <p:cNvPicPr>
+            <a:picLocks noChangeAspect="1" noChangeArrowheads="1"/>
+          </p:cNvPicPr>
+          <p:nvPr/>
+        </p:nvPicPr>
+        <p:blipFill>
+          <a:blip r:embed="rId2">
+            <a:extLst>
+              <a:ext uri="{28A0092B-C50C-407E-A947-70E740481C1C}">
+                <a14:useLocalDpi xmlns:a14="http://schemas.microsoft.com/office/drawing/2010/main" val="0"/>
+              </a:ext>
+            </a:extLst>
+          </a:blip>
+          <a:srcRect/>
+          <a:stretch>
+            <a:fillRect/>
+          </a:stretch>
+        </p:blipFill>
+        <p:spPr bwMode="auto">
+          <a:xfrm>
+            <a:off x="9539497" y="1765746"/>
+            <a:ext cx="2652503" cy="1499827"/>
+          </a:xfrm>
+          <a:prstGeom prst="rect">
+            <a:avLst/>
+          </a:prstGeom>
+          <a:noFill/>
+          <a:extLst>
+            <a:ext uri="{909E8E84-426E-40DD-AFC4-6F175D3DCCD1}">
+              <a14:hiddenFill xmlns:a14="http://schemas.microsoft.com/office/drawing/2010/main">
+                <a:solidFill>
+                  <a:srgbClr val="FFFFFF"/>
+                </a:solidFill>
+              </a14:hiddenFill>
+            </a:ext>
+          </a:extLst>
+        </p:spPr>
+      </p:pic>
+      <p:graphicFrame>
+        <p:nvGraphicFramePr>
+          <p:cNvPr id="5" name="Table 5">
+            <a:extLst>
+              <a:ext uri="{FF2B5EF4-FFF2-40B4-BE49-F238E27FC236}">
+                <a16:creationId xmlns:a16="http://schemas.microsoft.com/office/drawing/2014/main" id="{D7DD93B8-18E0-4394-8104-006C66052CCE}"/>
+              </a:ext>
+            </a:extLst>
+          </p:cNvPr>
+          <p:cNvGraphicFramePr>
+            <a:graphicFrameLocks/>
+          </p:cNvGraphicFramePr>
+          <p:nvPr>
+            <p:extLst>
+              <p:ext uri="{D42A27DB-BD31-4B8C-83A1-F6EECF244321}">
+                <p14:modId xmlns:p14="http://schemas.microsoft.com/office/powerpoint/2010/main" val="2024604379"/>
+              </p:ext>
+            </p:extLst>
+          </p:nvPr>
+        </p:nvGraphicFramePr>
+        <p:xfrm>
+          <a:off x="0" y="0"/>
+          <a:ext cx="12192000" cy="640080"/>
+        </p:xfrm>
+        <a:graphic>
+          <a:graphicData uri="http://schemas.openxmlformats.org/drawingml/2006/table">
+            <a:tbl>
+              <a:tblPr firstRow="1" bandRow="1">
+                <a:tableStyleId>{5C22544A-7EE6-4342-B048-85BDC9FD1C3A}</a:tableStyleId>
+              </a:tblPr>
+              <a:tblGrid>
+                <a:gridCol w="2032000">
+                  <a:extLst>
+                    <a:ext uri="{9D8B030D-6E8A-4147-A177-3AD203B41FA5}">
+                      <a16:colId xmlns:a16="http://schemas.microsoft.com/office/drawing/2014/main" val="4285599755"/>
+                    </a:ext>
+                  </a:extLst>
+                </a:gridCol>
+                <a:gridCol w="2032000">
+                  <a:extLst>
+                    <a:ext uri="{9D8B030D-6E8A-4147-A177-3AD203B41FA5}">
+                      <a16:colId xmlns:a16="http://schemas.microsoft.com/office/drawing/2014/main" val="2688903068"/>
+                    </a:ext>
+                  </a:extLst>
+                </a:gridCol>
+                <a:gridCol w="2032000">
+                  <a:extLst>
+                    <a:ext uri="{9D8B030D-6E8A-4147-A177-3AD203B41FA5}">
+                      <a16:colId xmlns:a16="http://schemas.microsoft.com/office/drawing/2014/main" val="4274890127"/>
+                    </a:ext>
+                  </a:extLst>
+                </a:gridCol>
+                <a:gridCol w="2032000">
+                  <a:extLst>
+                    <a:ext uri="{9D8B030D-6E8A-4147-A177-3AD203B41FA5}">
+                      <a16:colId xmlns:a16="http://schemas.microsoft.com/office/drawing/2014/main" val="712714667"/>
+                    </a:ext>
+                  </a:extLst>
+                </a:gridCol>
+                <a:gridCol w="2032000">
+                  <a:extLst>
+                    <a:ext uri="{9D8B030D-6E8A-4147-A177-3AD203B41FA5}">
+                      <a16:colId xmlns:a16="http://schemas.microsoft.com/office/drawing/2014/main" val="740919897"/>
+                    </a:ext>
+                  </a:extLst>
+                </a:gridCol>
+                <a:gridCol w="2032000">
+                  <a:extLst>
+                    <a:ext uri="{9D8B030D-6E8A-4147-A177-3AD203B41FA5}">
+                      <a16:colId xmlns:a16="http://schemas.microsoft.com/office/drawing/2014/main" val="478429826"/>
+                    </a:ext>
+                  </a:extLst>
+                </a:gridCol>
+              </a:tblGrid>
+              <a:tr h="365125">
+                <a:tc>
+                  <a:txBody>
+                    <a:bodyPr/>
+                    <a:lstStyle/>
+                    <a:p>
+                      <a:r>
+                        <a:rPr lang="en-US" dirty="0"/>
+                        <a:t>Problem Identification</a:t>
+                      </a:r>
+                    </a:p>
+                  </a:txBody>
+                  <a:tcPr>
+                    <a:solidFill>
+                      <a:schemeClr val="accent2"/>
+                    </a:solidFill>
+                  </a:tcPr>
+                </a:tc>
+                <a:tc>
+                  <a:txBody>
+                    <a:bodyPr/>
+                    <a:lstStyle/>
+                    <a:p>
+                      <a:r>
+                        <a:rPr lang="en-US" dirty="0"/>
+                        <a:t>Data Wrangling</a:t>
+                      </a:r>
+                    </a:p>
+                  </a:txBody>
+                  <a:tcPr/>
+                </a:tc>
+                <a:tc>
+                  <a:txBody>
+                    <a:bodyPr/>
+                    <a:lstStyle/>
+                    <a:p>
+                      <a:r>
+                        <a:rPr lang="en-US" dirty="0"/>
+                        <a:t>Exploratory Data Analysis</a:t>
+                      </a:r>
+                    </a:p>
+                  </a:txBody>
+                  <a:tcPr/>
+                </a:tc>
+                <a:tc>
+                  <a:txBody>
+                    <a:bodyPr/>
+                    <a:lstStyle/>
+                    <a:p>
+                      <a:r>
+                        <a:rPr lang="en-US" dirty="0"/>
+                        <a:t>Preprocessing</a:t>
+                      </a:r>
+                    </a:p>
+                  </a:txBody>
+                  <a:tcPr/>
+                </a:tc>
+                <a:tc>
+                  <a:txBody>
+                    <a:bodyPr/>
+                    <a:lstStyle/>
+                    <a:p>
+                      <a:r>
+                        <a:rPr lang="en-US" dirty="0"/>
+                        <a:t>Modeling</a:t>
+                      </a:r>
+                    </a:p>
+                  </a:txBody>
+                  <a:tcPr/>
+                </a:tc>
+                <a:tc>
+                  <a:txBody>
+                    <a:bodyPr/>
+                    <a:lstStyle/>
+                    <a:p>
+                      <a:r>
+                        <a:rPr lang="en-US" dirty="0"/>
+                        <a:t>Documentation</a:t>
+                      </a:r>
+                    </a:p>
+                  </a:txBody>
+                  <a:tcPr/>
+                </a:tc>
+                <a:extLst>
+                  <a:ext uri="{0D108BD9-81ED-4DB2-BD59-A6C34878D82A}">
+                    <a16:rowId xmlns:a16="http://schemas.microsoft.com/office/drawing/2014/main" val="3148223393"/>
+                  </a:ext>
+                </a:extLst>
+              </a:tr>
+            </a:tbl>
+          </a:graphicData>
+        </a:graphic>
+      </p:graphicFrame>
+    </p:spTree>
+    <p:extLst>
+      <p:ext uri="{BB962C8B-B14F-4D97-AF65-F5344CB8AC3E}">
+        <p14:creationId xmlns:p14="http://schemas.microsoft.com/office/powerpoint/2010/main" val="1813806961"/>
+      </p:ext>
+    </p:extLst>
+  </p:cSld>
+  <p:clrMapOvr>
+    <a:masterClrMapping/>
+  </p:clrMapOvr>
+  <p:timing>
+    <p:tnLst>
+      <p:par>
+        <p:cTn id="1" dur="indefinite" restart="never" nodeType="tmRoot">
+          <p:childTnLst>
+            <p:seq concurrent="1" nextAc="seek">
+              <p:cTn id="2" dur="indefinite" nodeType="mainSeq">
+                <p:childTnLst>
+                  <p:par>
+                    <p:cTn id="3" fill="hold">
+                      <p:stCondLst>
+                        <p:cond delay="indefinite"/>
+                        <p:cond evt="onBegin" delay="0">
+                          <p:tn val="2"/>
+                        </p:cond>
+                      </p:stCondLst>
+                      <p:childTnLst>
+                        <p:par>
+                          <p:cTn id="4" fill="hold">
+                            <p:stCondLst>
+                              <p:cond delay="0"/>
+                            </p:stCondLst>
+                            <p:childTnLst>
+                              <p:par>
+                                <p:cTn id="5" presetID="1" presetClass="entr" presetSubtype="0" fill="hold" nodeType="withEffect">
+                                  <p:stCondLst>
+                                    <p:cond delay="0"/>
+                                  </p:stCondLst>
+                                  <p:childTnLst>
+                                    <p:set>
+                                      <p:cBhvr>
+                                        <p:cTn id="6" dur="1" fill="hold">
+                                          <p:stCondLst>
+                                            <p:cond delay="0"/>
+                                          </p:stCondLst>
+                                        </p:cTn>
+                                        <p:tgtEl>
+                                          <p:spTgt spid="4"/>
+                                        </p:tgtEl>
+                                        <p:attrNameLst>
+                                          <p:attrName>style.visibility</p:attrName>
+                                        </p:attrNameLst>
+                                      </p:cBhvr>
+                                      <p:to>
+                                        <p:strVal val="visible"/>
+                                      </p:to>
+                                    </p:set>
+                                  </p:childTnLst>
+                                </p:cTn>
+                              </p:par>
+                              <p:par>
+                                <p:cTn id="7" presetID="1" presetClass="entr" presetSubtype="0" fill="hold" nodeType="withEffect">
+                                  <p:stCondLst>
+                                    <p:cond delay="0"/>
+                                  </p:stCondLst>
+                                  <p:childTnLst>
+                                    <p:set>
+                                      <p:cBhvr>
+                                        <p:cTn id="8" dur="1" fill="hold">
+                                          <p:stCondLst>
+                                            <p:cond delay="0"/>
+                                          </p:stCondLst>
+                                        </p:cTn>
+                                        <p:tgtEl>
+                                          <p:spTgt spid="3">
+                                            <p:txEl>
+                                              <p:pRg st="0" end="0"/>
+                                            </p:txEl>
+                                          </p:spTgt>
+                                        </p:tgtEl>
+                                        <p:attrNameLst>
+                                          <p:attrName>style.visibility</p:attrName>
+                                        </p:attrNameLst>
+                                      </p:cBhvr>
+                                      <p:to>
+                                        <p:strVal val="visible"/>
+                                      </p:to>
+                                    </p:set>
+                                  </p:childTnLst>
+                                </p:cTn>
+                              </p:par>
+                            </p:childTnLst>
+                          </p:cTn>
+                        </p:par>
+                      </p:childTnLst>
+                    </p:cTn>
+                  </p:par>
+                  <p:par>
+                    <p:cTn id="9" fill="hold">
+                      <p:stCondLst>
+                        <p:cond delay="indefinite"/>
+                      </p:stCondLst>
+                      <p:childTnLst>
+                        <p:par>
+                          <p:cTn id="10" fill="hold">
+                            <p:stCondLst>
+                              <p:cond delay="0"/>
+                            </p:stCondLst>
+                            <p:childTnLst>
+                              <p:par>
+                                <p:cTn id="11" presetID="1" presetClass="entr" presetSubtype="0" fill="hold" nodeType="clickEffect">
+                                  <p:stCondLst>
+                                    <p:cond delay="0"/>
+                                  </p:stCondLst>
+                                  <p:childTnLst>
+                                    <p:set>
+                                      <p:cBhvr>
+                                        <p:cTn id="12" dur="1" fill="hold">
+                                          <p:stCondLst>
+                                            <p:cond delay="0"/>
+                                          </p:stCondLst>
+                                        </p:cTn>
+                                        <p:tgtEl>
+                                          <p:spTgt spid="3">
+                                            <p:txEl>
+                                              <p:pRg st="2" end="2"/>
+                                            </p:txEl>
+                                          </p:spTgt>
+                                        </p:tgtEl>
+                                        <p:attrNameLst>
+                                          <p:attrName>style.visibility</p:attrName>
+                                        </p:attrNameLst>
+                                      </p:cBhvr>
+                                      <p:to>
+                                        <p:strVal val="visible"/>
+                                      </p:to>
+                                    </p:set>
+                                  </p:childTnLst>
+                                </p:cTn>
+                              </p:par>
+                            </p:childTnLst>
+                          </p:cTn>
+                        </p:par>
+                      </p:childTnLst>
+                    </p:cTn>
+                  </p:par>
+                  <p:par>
+                    <p:cTn id="13" fill="hold">
+                      <p:stCondLst>
+                        <p:cond delay="indefinite"/>
+                      </p:stCondLst>
+                      <p:childTnLst>
+                        <p:par>
+                          <p:cTn id="14" fill="hold">
+                            <p:stCondLst>
+                              <p:cond delay="0"/>
+                            </p:stCondLst>
+                            <p:childTnLst>
+                              <p:par>
+                                <p:cTn id="15" presetID="1" presetClass="entr" presetSubtype="0" fill="hold" nodeType="clickEffect">
+                                  <p:stCondLst>
+                                    <p:cond delay="0"/>
+                                  </p:stCondLst>
+                                  <p:childTnLst>
+                                    <p:set>
+                                      <p:cBhvr>
+                                        <p:cTn id="16" dur="1" fill="hold">
+                                          <p:stCondLst>
+                                            <p:cond delay="0"/>
+                                          </p:stCondLst>
+                                        </p:cTn>
+                                        <p:tgtEl>
+                                          <p:spTgt spid="3">
+                                            <p:txEl>
+                                              <p:pRg st="3" end="3"/>
+                                            </p:txEl>
+                                          </p:spTgt>
+                                        </p:tgtEl>
+                                        <p:attrNameLst>
+                                          <p:attrName>style.visibility</p:attrName>
+                                        </p:attrNameLst>
+                                      </p:cBhvr>
+                                      <p:to>
+                                        <p:strVal val="visible"/>
+                                      </p:to>
+                                    </p:set>
+                                  </p:childTnLst>
+                                </p:cTn>
+                              </p:par>
+                            </p:childTnLst>
+                          </p:cTn>
+                        </p:par>
+                      </p:childTnLst>
+                    </p:cTn>
+                  </p:par>
+                  <p:par>
+                    <p:cTn id="17" fill="hold">
+                      <p:stCondLst>
+                        <p:cond delay="indefinite"/>
+                      </p:stCondLst>
+                      <p:childTnLst>
+                        <p:par>
+                          <p:cTn id="18" fill="hold">
+                            <p:stCondLst>
+                              <p:cond delay="0"/>
+                            </p:stCondLst>
+                            <p:childTnLst>
+                              <p:par>
+                                <p:cTn id="19" presetID="1" presetClass="entr" presetSubtype="0" fill="hold" nodeType="clickEffect">
+                                  <p:stCondLst>
+                                    <p:cond delay="0"/>
+                                  </p:stCondLst>
+                                  <p:childTnLst>
+                                    <p:set>
+                                      <p:cBhvr>
+                                        <p:cTn id="20" dur="1" fill="hold">
+                                          <p:stCondLst>
+                                            <p:cond delay="0"/>
+                                          </p:stCondLst>
+                                        </p:cTn>
+                                        <p:tgtEl>
+                                          <p:spTgt spid="3">
+                                            <p:txEl>
+                                              <p:pRg st="4" end="4"/>
+                                            </p:txEl>
+                                          </p:spTgt>
+                                        </p:tgtEl>
+                                        <p:attrNameLst>
+                                          <p:attrName>style.visibility</p:attrName>
+                                        </p:attrNameLst>
+                                      </p:cBhvr>
+                                      <p:to>
+                                        <p:strVal val="visible"/>
+                                      </p:to>
+                                    </p:set>
+                                  </p:childTnLst>
+                                </p:cTn>
+                              </p:par>
+                            </p:childTnLst>
+                          </p:cTn>
+                        </p:par>
+                      </p:childTnLst>
+                    </p:cTn>
+                  </p:par>
+                  <p:par>
+                    <p:cTn id="21" fill="hold">
+                      <p:stCondLst>
+                        <p:cond delay="indefinite"/>
+                      </p:stCondLst>
+                      <p:childTnLst>
+                        <p:par>
+                          <p:cTn id="22" fill="hold">
+                            <p:stCondLst>
+                              <p:cond delay="0"/>
+                            </p:stCondLst>
+                            <p:childTnLst>
+                              <p:par>
+                                <p:cTn id="23" presetID="1" presetClass="entr" presetSubtype="0" fill="hold" nodeType="clickEffect">
+                                  <p:stCondLst>
+                                    <p:cond delay="0"/>
+                                  </p:stCondLst>
+                                  <p:childTnLst>
+                                    <p:set>
+                                      <p:cBhvr>
+                                        <p:cTn id="24" dur="1" fill="hold">
+                                          <p:stCondLst>
+                                            <p:cond delay="0"/>
+                                          </p:stCondLst>
+                                        </p:cTn>
+                                        <p:tgtEl>
+                                          <p:spTgt spid="3">
+                                            <p:txEl>
+                                              <p:pRg st="6" end="6"/>
+                                            </p:txEl>
+                                          </p:spTgt>
+                                        </p:tgtEl>
+                                        <p:attrNameLst>
+                                          <p:attrName>style.visibility</p:attrName>
+                                        </p:attrNameLst>
+                                      </p:cBhvr>
+                                      <p:to>
+                                        <p:strVal val="visible"/>
+                                      </p:to>
+                                    </p:set>
+                                  </p:childTnLst>
+                                </p:cTn>
+                              </p:par>
+                            </p:childTnLst>
+                          </p:cTn>
+                        </p:par>
+                      </p:childTnLst>
+                    </p:cTn>
+                  </p:par>
+                  <p:par>
+                    <p:cTn id="25" fill="hold">
+                      <p:stCondLst>
+                        <p:cond delay="indefinite"/>
+                      </p:stCondLst>
+                      <p:childTnLst>
+                        <p:par>
+                          <p:cTn id="26" fill="hold">
+                            <p:stCondLst>
+                              <p:cond delay="0"/>
+                            </p:stCondLst>
+                            <p:childTnLst>
+                              <p:par>
+                                <p:cTn id="27" presetID="1" presetClass="entr" presetSubtype="0" fill="hold" nodeType="clickEffect">
+                                  <p:stCondLst>
+                                    <p:cond delay="0"/>
+                                  </p:stCondLst>
+                                  <p:childTnLst>
+                                    <p:set>
+                                      <p:cBhvr>
+                                        <p:cTn id="28" dur="1" fill="hold">
+                                          <p:stCondLst>
+                                            <p:cond delay="0"/>
+                                          </p:stCondLst>
+                                        </p:cTn>
+                                        <p:tgtEl>
+                                          <p:spTgt spid="3">
+                                            <p:txEl>
+                                              <p:pRg st="7" end="7"/>
+                                            </p:txEl>
+                                          </p:spTgt>
+                                        </p:tgtEl>
+                                        <p:attrNameLst>
+                                          <p:attrName>style.visibility</p:attrName>
+                                        </p:attrNameLst>
+                                      </p:cBhvr>
+                                      <p:to>
+                                        <p:strVal val="visible"/>
+                                      </p:to>
+                                    </p:set>
+                                  </p:childTnLst>
+                                </p:cTn>
+                              </p:par>
+                            </p:childTnLst>
+                          </p:cTn>
+                        </p:par>
+                      </p:childTnLst>
+                    </p:cTn>
+                  </p:par>
+                </p:childTnLst>
+              </p:cTn>
+              <p:prevCondLst>
+                <p:cond evt="onPrev" delay="0">
+                  <p:tgtEl>
+                    <p:sldTgt/>
+                  </p:tgtEl>
+                </p:cond>
+              </p:prevCondLst>
+              <p:nextCondLst>
+                <p:cond evt="onNext" delay="0">
+                  <p:tgtEl>
+                    <p:sldTgt/>
+                  </p:tgtEl>
+                </p:cond>
+              </p:nextCondLst>
+            </p:seq>
+          </p:childTnLst>
+        </p:cTn>
+      </p:par>
+    </p:tnLst>
+  </p:timing>
+</p:sld>
+</file>
+
+<file path=ppt/slides/slide20.xml><?xml version="1.0" encoding="utf-8"?>
 <p:sld xmlns:a="http://schemas.openxmlformats.org/drawingml/2006/main" xmlns:r="http://schemas.openxmlformats.org/officeDocument/2006/relationships" xmlns:p="http://schemas.openxmlformats.org/presentationml/2006/main">
   <p:cSld>
     <p:spTree>
@@ -7949,7 +9293,7 @@
             </a:pPr>
             <a:r>
               <a:rPr lang="en-US" sz="2400" dirty="0"/>
-              <a:t>Due to small sample size, a variation of cross-validation was used to obtain accuracies:</a:t>
+              <a:t>Due to small sample (n=15), a variation of cross-validation was used to obtain accuracies:</a:t>
             </a:r>
           </a:p>
           <a:p>
@@ -7964,10 +9308,489 @@
           </a:p>
         </p:txBody>
       </p:sp>
+      <p:graphicFrame>
+        <p:nvGraphicFramePr>
+          <p:cNvPr id="5" name="Table 4">
+            <a:extLst>
+              <a:ext uri="{FF2B5EF4-FFF2-40B4-BE49-F238E27FC236}">
+                <a16:creationId xmlns:a16="http://schemas.microsoft.com/office/drawing/2014/main" id="{40B4F838-C26D-465C-B0EB-7C7EA4C7CE56}"/>
+              </a:ext>
+            </a:extLst>
+          </p:cNvPr>
+          <p:cNvGraphicFramePr>
+            <a:graphicFrameLocks/>
+          </p:cNvGraphicFramePr>
+          <p:nvPr>
+            <p:extLst>
+              <p:ext uri="{D42A27DB-BD31-4B8C-83A1-F6EECF244321}">
+                <p14:modId xmlns:p14="http://schemas.microsoft.com/office/powerpoint/2010/main" val="192310629"/>
+              </p:ext>
+            </p:extLst>
+          </p:nvPr>
+        </p:nvGraphicFramePr>
+        <p:xfrm>
+          <a:off x="0" y="0"/>
+          <a:ext cx="12192000" cy="640080"/>
+        </p:xfrm>
+        <a:graphic>
+          <a:graphicData uri="http://schemas.openxmlformats.org/drawingml/2006/table">
+            <a:tbl>
+              <a:tblPr firstRow="1" bandRow="1">
+                <a:tableStyleId>{5C22544A-7EE6-4342-B048-85BDC9FD1C3A}</a:tableStyleId>
+              </a:tblPr>
+              <a:tblGrid>
+                <a:gridCol w="2032000">
+                  <a:extLst>
+                    <a:ext uri="{9D8B030D-6E8A-4147-A177-3AD203B41FA5}">
+                      <a16:colId xmlns:a16="http://schemas.microsoft.com/office/drawing/2014/main" val="4285599755"/>
+                    </a:ext>
+                  </a:extLst>
+                </a:gridCol>
+                <a:gridCol w="2032000">
+                  <a:extLst>
+                    <a:ext uri="{9D8B030D-6E8A-4147-A177-3AD203B41FA5}">
+                      <a16:colId xmlns:a16="http://schemas.microsoft.com/office/drawing/2014/main" val="2688903068"/>
+                    </a:ext>
+                  </a:extLst>
+                </a:gridCol>
+                <a:gridCol w="2032000">
+                  <a:extLst>
+                    <a:ext uri="{9D8B030D-6E8A-4147-A177-3AD203B41FA5}">
+                      <a16:colId xmlns:a16="http://schemas.microsoft.com/office/drawing/2014/main" val="4274890127"/>
+                    </a:ext>
+                  </a:extLst>
+                </a:gridCol>
+                <a:gridCol w="2032000">
+                  <a:extLst>
+                    <a:ext uri="{9D8B030D-6E8A-4147-A177-3AD203B41FA5}">
+                      <a16:colId xmlns:a16="http://schemas.microsoft.com/office/drawing/2014/main" val="712714667"/>
+                    </a:ext>
+                  </a:extLst>
+                </a:gridCol>
+                <a:gridCol w="2032000">
+                  <a:extLst>
+                    <a:ext uri="{9D8B030D-6E8A-4147-A177-3AD203B41FA5}">
+                      <a16:colId xmlns:a16="http://schemas.microsoft.com/office/drawing/2014/main" val="740919897"/>
+                    </a:ext>
+                  </a:extLst>
+                </a:gridCol>
+                <a:gridCol w="2032000">
+                  <a:extLst>
+                    <a:ext uri="{9D8B030D-6E8A-4147-A177-3AD203B41FA5}">
+                      <a16:colId xmlns:a16="http://schemas.microsoft.com/office/drawing/2014/main" val="478429826"/>
+                    </a:ext>
+                  </a:extLst>
+                </a:gridCol>
+              </a:tblGrid>
+              <a:tr h="215699">
+                <a:tc>
+                  <a:txBody>
+                    <a:bodyPr/>
+                    <a:lstStyle/>
+                    <a:p>
+                      <a:r>
+                        <a:rPr lang="en-US" dirty="0"/>
+                        <a:t>Problem Identification</a:t>
+                      </a:r>
+                    </a:p>
+                  </a:txBody>
+                  <a:tcPr>
+                    <a:solidFill>
+                      <a:schemeClr val="accent1"/>
+                    </a:solidFill>
+                  </a:tcPr>
+                </a:tc>
+                <a:tc>
+                  <a:txBody>
+                    <a:bodyPr/>
+                    <a:lstStyle/>
+                    <a:p>
+                      <a:r>
+                        <a:rPr lang="en-US" dirty="0"/>
+                        <a:t>Data Wrangling</a:t>
+                      </a:r>
+                    </a:p>
+                  </a:txBody>
+                  <a:tcPr>
+                    <a:solidFill>
+                      <a:schemeClr val="accent1"/>
+                    </a:solidFill>
+                  </a:tcPr>
+                </a:tc>
+                <a:tc>
+                  <a:txBody>
+                    <a:bodyPr/>
+                    <a:lstStyle/>
+                    <a:p>
+                      <a:r>
+                        <a:rPr lang="en-US" dirty="0"/>
+                        <a:t>Exploratory Data Analysis</a:t>
+                      </a:r>
+                    </a:p>
+                  </a:txBody>
+                  <a:tcPr>
+                    <a:solidFill>
+                      <a:schemeClr val="accent1"/>
+                    </a:solidFill>
+                  </a:tcPr>
+                </a:tc>
+                <a:tc>
+                  <a:txBody>
+                    <a:bodyPr/>
+                    <a:lstStyle/>
+                    <a:p>
+                      <a:r>
+                        <a:rPr lang="en-US" dirty="0"/>
+                        <a:t>Preprocessing</a:t>
+                      </a:r>
+                    </a:p>
+                  </a:txBody>
+                  <a:tcPr>
+                    <a:solidFill>
+                      <a:schemeClr val="accent1"/>
+                    </a:solidFill>
+                  </a:tcPr>
+                </a:tc>
+                <a:tc>
+                  <a:txBody>
+                    <a:bodyPr/>
+                    <a:lstStyle/>
+                    <a:p>
+                      <a:r>
+                        <a:rPr lang="en-US" dirty="0"/>
+                        <a:t>Modeling</a:t>
+                      </a:r>
+                    </a:p>
+                    <a:p>
+                      <a:r>
+                        <a:rPr lang="en-US" sz="1800" b="0" dirty="0">
+                          <a:hlinkClick r:id="rId2"/>
+                        </a:rPr>
+                        <a:t>(Github)</a:t>
+                      </a:r>
+                      <a:endParaRPr lang="en-US" dirty="0"/>
+                    </a:p>
+                  </a:txBody>
+                  <a:tcPr>
+                    <a:solidFill>
+                      <a:schemeClr val="accent2"/>
+                    </a:solidFill>
+                  </a:tcPr>
+                </a:tc>
+                <a:tc>
+                  <a:txBody>
+                    <a:bodyPr/>
+                    <a:lstStyle/>
+                    <a:p>
+                      <a:r>
+                        <a:rPr lang="en-US" dirty="0"/>
+                        <a:t>Documentation</a:t>
+                      </a:r>
+                    </a:p>
+                  </a:txBody>
+                  <a:tcPr/>
+                </a:tc>
+                <a:extLst>
+                  <a:ext uri="{0D108BD9-81ED-4DB2-BD59-A6C34878D82A}">
+                    <a16:rowId xmlns:a16="http://schemas.microsoft.com/office/drawing/2014/main" val="3148223393"/>
+                  </a:ext>
+                </a:extLst>
+              </a:tr>
+            </a:tbl>
+          </a:graphicData>
+        </a:graphic>
+      </p:graphicFrame>
     </p:spTree>
     <p:extLst>
       <p:ext uri="{BB962C8B-B14F-4D97-AF65-F5344CB8AC3E}">
         <p14:creationId xmlns:p14="http://schemas.microsoft.com/office/powerpoint/2010/main" val="2408340854"/>
+      </p:ext>
+    </p:extLst>
+  </p:cSld>
+  <p:clrMapOvr>
+    <a:masterClrMapping/>
+  </p:clrMapOvr>
+</p:sld>
+</file>
+
+<file path=ppt/slides/slide21.xml><?xml version="1.0" encoding="utf-8"?>
+<p:sld xmlns:a="http://schemas.openxmlformats.org/drawingml/2006/main" xmlns:r="http://schemas.openxmlformats.org/officeDocument/2006/relationships" xmlns:p="http://schemas.openxmlformats.org/presentationml/2006/main">
+  <p:cSld>
+    <p:spTree>
+      <p:nvGrpSpPr>
+        <p:cNvPr id="1" name=""/>
+        <p:cNvGrpSpPr/>
+        <p:nvPr/>
+      </p:nvGrpSpPr>
+      <p:grpSpPr>
+        <a:xfrm>
+          <a:off x="0" y="0"/>
+          <a:ext cx="0" cy="0"/>
+          <a:chOff x="0" y="0"/>
+          <a:chExt cx="0" cy="0"/>
+        </a:xfrm>
+      </p:grpSpPr>
+      <p:sp>
+        <p:nvSpPr>
+          <p:cNvPr id="2" name="Title 1">
+            <a:extLst>
+              <a:ext uri="{FF2B5EF4-FFF2-40B4-BE49-F238E27FC236}">
+                <a16:creationId xmlns:a16="http://schemas.microsoft.com/office/drawing/2014/main" id="{6EB77C4C-23B0-4BFF-8595-65B1CC2BDF3C}"/>
+              </a:ext>
+            </a:extLst>
+          </p:cNvPr>
+          <p:cNvSpPr>
+            <a:spLocks noGrp="1"/>
+          </p:cNvSpPr>
+          <p:nvPr>
+            <p:ph type="title"/>
+          </p:nvPr>
+        </p:nvSpPr>
+        <p:spPr/>
+        <p:txBody>
+          <a:bodyPr/>
+          <a:lstStyle/>
+          <a:p>
+            <a:r>
+              <a:rPr lang="en-US" dirty="0"/>
+              <a:t>Recommendations</a:t>
+            </a:r>
+          </a:p>
+        </p:txBody>
+      </p:sp>
+      <p:sp>
+        <p:nvSpPr>
+          <p:cNvPr id="3" name="Content Placeholder 2">
+            <a:extLst>
+              <a:ext uri="{FF2B5EF4-FFF2-40B4-BE49-F238E27FC236}">
+                <a16:creationId xmlns:a16="http://schemas.microsoft.com/office/drawing/2014/main" id="{D10124EE-5A97-4976-86B6-A17C53FC0E56}"/>
+              </a:ext>
+            </a:extLst>
+          </p:cNvPr>
+          <p:cNvSpPr>
+            <a:spLocks noGrp="1"/>
+          </p:cNvSpPr>
+          <p:nvPr>
+            <p:ph idx="1"/>
+          </p:nvPr>
+        </p:nvSpPr>
+        <p:spPr/>
+        <p:txBody>
+          <a:bodyPr/>
+          <a:lstStyle/>
+          <a:p>
+            <a:r>
+              <a:rPr lang="en-US" dirty="0"/>
+              <a:t>If findings hold up to further research:</a:t>
+            </a:r>
+          </a:p>
+          <a:p>
+            <a:pPr lvl="1"/>
+            <a:r>
+              <a:rPr lang="en-US" dirty="0"/>
+              <a:t>Meditation and/or amusement can be used to buffer against social stress.</a:t>
+            </a:r>
+          </a:p>
+          <a:p>
+            <a:pPr lvl="1"/>
+            <a:r>
+              <a:rPr lang="en-US" dirty="0"/>
+              <a:t>Wearable consumer tech can be used to help optimize the way we prepare for social stress.</a:t>
+            </a:r>
+          </a:p>
+        </p:txBody>
+      </p:sp>
+      <p:graphicFrame>
+        <p:nvGraphicFramePr>
+          <p:cNvPr id="4" name="Table 3">
+            <a:extLst>
+              <a:ext uri="{FF2B5EF4-FFF2-40B4-BE49-F238E27FC236}">
+                <a16:creationId xmlns:a16="http://schemas.microsoft.com/office/drawing/2014/main" id="{B5208FED-22DC-46FF-BDEB-B0738FD63079}"/>
+              </a:ext>
+            </a:extLst>
+          </p:cNvPr>
+          <p:cNvGraphicFramePr>
+            <a:graphicFrameLocks/>
+          </p:cNvGraphicFramePr>
+          <p:nvPr>
+            <p:extLst>
+              <p:ext uri="{D42A27DB-BD31-4B8C-83A1-F6EECF244321}">
+                <p14:modId xmlns:p14="http://schemas.microsoft.com/office/powerpoint/2010/main" val="3878820163"/>
+              </p:ext>
+            </p:extLst>
+          </p:nvPr>
+        </p:nvGraphicFramePr>
+        <p:xfrm>
+          <a:off x="0" y="0"/>
+          <a:ext cx="12192000" cy="640080"/>
+        </p:xfrm>
+        <a:graphic>
+          <a:graphicData uri="http://schemas.openxmlformats.org/drawingml/2006/table">
+            <a:tbl>
+              <a:tblPr firstRow="1" bandRow="1">
+                <a:tableStyleId>{5C22544A-7EE6-4342-B048-85BDC9FD1C3A}</a:tableStyleId>
+              </a:tblPr>
+              <a:tblGrid>
+                <a:gridCol w="2032000">
+                  <a:extLst>
+                    <a:ext uri="{9D8B030D-6E8A-4147-A177-3AD203B41FA5}">
+                      <a16:colId xmlns:a16="http://schemas.microsoft.com/office/drawing/2014/main" val="4285599755"/>
+                    </a:ext>
+                  </a:extLst>
+                </a:gridCol>
+                <a:gridCol w="2032000">
+                  <a:extLst>
+                    <a:ext uri="{9D8B030D-6E8A-4147-A177-3AD203B41FA5}">
+                      <a16:colId xmlns:a16="http://schemas.microsoft.com/office/drawing/2014/main" val="2688903068"/>
+                    </a:ext>
+                  </a:extLst>
+                </a:gridCol>
+                <a:gridCol w="2032000">
+                  <a:extLst>
+                    <a:ext uri="{9D8B030D-6E8A-4147-A177-3AD203B41FA5}">
+                      <a16:colId xmlns:a16="http://schemas.microsoft.com/office/drawing/2014/main" val="4274890127"/>
+                    </a:ext>
+                  </a:extLst>
+                </a:gridCol>
+                <a:gridCol w="2032000">
+                  <a:extLst>
+                    <a:ext uri="{9D8B030D-6E8A-4147-A177-3AD203B41FA5}">
+                      <a16:colId xmlns:a16="http://schemas.microsoft.com/office/drawing/2014/main" val="712714667"/>
+                    </a:ext>
+                  </a:extLst>
+                </a:gridCol>
+                <a:gridCol w="2032000">
+                  <a:extLst>
+                    <a:ext uri="{9D8B030D-6E8A-4147-A177-3AD203B41FA5}">
+                      <a16:colId xmlns:a16="http://schemas.microsoft.com/office/drawing/2014/main" val="740919897"/>
+                    </a:ext>
+                  </a:extLst>
+                </a:gridCol>
+                <a:gridCol w="2032000">
+                  <a:extLst>
+                    <a:ext uri="{9D8B030D-6E8A-4147-A177-3AD203B41FA5}">
+                      <a16:colId xmlns:a16="http://schemas.microsoft.com/office/drawing/2014/main" val="478429826"/>
+                    </a:ext>
+                  </a:extLst>
+                </a:gridCol>
+              </a:tblGrid>
+              <a:tr h="215699">
+                <a:tc>
+                  <a:txBody>
+                    <a:bodyPr/>
+                    <a:lstStyle/>
+                    <a:p>
+                      <a:r>
+                        <a:rPr lang="en-US" dirty="0"/>
+                        <a:t>Problem Identification</a:t>
+                      </a:r>
+                    </a:p>
+                  </a:txBody>
+                  <a:tcPr>
+                    <a:solidFill>
+                      <a:schemeClr val="accent1"/>
+                    </a:solidFill>
+                  </a:tcPr>
+                </a:tc>
+                <a:tc>
+                  <a:txBody>
+                    <a:bodyPr/>
+                    <a:lstStyle/>
+                    <a:p>
+                      <a:r>
+                        <a:rPr lang="en-US" dirty="0"/>
+                        <a:t>Data Wrangling</a:t>
+                      </a:r>
+                    </a:p>
+                  </a:txBody>
+                  <a:tcPr>
+                    <a:solidFill>
+                      <a:schemeClr val="accent1"/>
+                    </a:solidFill>
+                  </a:tcPr>
+                </a:tc>
+                <a:tc>
+                  <a:txBody>
+                    <a:bodyPr/>
+                    <a:lstStyle/>
+                    <a:p>
+                      <a:r>
+                        <a:rPr lang="en-US" dirty="0"/>
+                        <a:t>Exploratory Data Analysis</a:t>
+                      </a:r>
+                    </a:p>
+                  </a:txBody>
+                  <a:tcPr>
+                    <a:solidFill>
+                      <a:schemeClr val="accent1"/>
+                    </a:solidFill>
+                  </a:tcPr>
+                </a:tc>
+                <a:tc>
+                  <a:txBody>
+                    <a:bodyPr/>
+                    <a:lstStyle/>
+                    <a:p>
+                      <a:r>
+                        <a:rPr lang="en-US" dirty="0"/>
+                        <a:t>Preprocessing</a:t>
+                      </a:r>
+                    </a:p>
+                  </a:txBody>
+                  <a:tcPr>
+                    <a:solidFill>
+                      <a:schemeClr val="accent1"/>
+                    </a:solidFill>
+                  </a:tcPr>
+                </a:tc>
+                <a:tc>
+                  <a:txBody>
+                    <a:bodyPr/>
+                    <a:lstStyle/>
+                    <a:p>
+                      <a:r>
+                        <a:rPr lang="en-US" dirty="0"/>
+                        <a:t>Modeling</a:t>
+                      </a:r>
+                    </a:p>
+                  </a:txBody>
+                  <a:tcPr>
+                    <a:solidFill>
+                      <a:schemeClr val="accent1"/>
+                    </a:solidFill>
+                  </a:tcPr>
+                </a:tc>
+                <a:tc>
+                  <a:txBody>
+                    <a:bodyPr/>
+                    <a:lstStyle/>
+                    <a:p>
+                      <a:r>
+                        <a:rPr lang="en-US" dirty="0"/>
+                        <a:t>Documentation</a:t>
+                      </a:r>
+                    </a:p>
+                  </a:txBody>
+                  <a:tcPr>
+                    <a:solidFill>
+                      <a:schemeClr val="accent2"/>
+                    </a:solidFill>
+                  </a:tcPr>
+                </a:tc>
+                <a:extLst>
+                  <a:ext uri="{0D108BD9-81ED-4DB2-BD59-A6C34878D82A}">
+                    <a16:rowId xmlns:a16="http://schemas.microsoft.com/office/drawing/2014/main" val="3148223393"/>
+                  </a:ext>
+                </a:extLst>
+              </a:tr>
+            </a:tbl>
+          </a:graphicData>
+        </a:graphic>
+      </p:graphicFrame>
+    </p:spTree>
+    <p:extLst>
+      <p:ext uri="{BB962C8B-B14F-4D97-AF65-F5344CB8AC3E}">
+        <p14:creationId xmlns:p14="http://schemas.microsoft.com/office/powerpoint/2010/main" val="3340686703"/>
       </p:ext>
     </p:extLst>
   </p:cSld>
@@ -7999,106 +9822,6 @@
           <p:cNvPr id="2" name="Title 1">
             <a:extLst>
               <a:ext uri="{FF2B5EF4-FFF2-40B4-BE49-F238E27FC236}">
-                <a16:creationId xmlns:a16="http://schemas.microsoft.com/office/drawing/2014/main" id="{6EB77C4C-23B0-4BFF-8595-65B1CC2BDF3C}"/>
-              </a:ext>
-            </a:extLst>
-          </p:cNvPr>
-          <p:cNvSpPr>
-            <a:spLocks noGrp="1"/>
-          </p:cNvSpPr>
-          <p:nvPr>
-            <p:ph type="title"/>
-          </p:nvPr>
-        </p:nvSpPr>
-        <p:spPr/>
-        <p:txBody>
-          <a:bodyPr/>
-          <a:lstStyle/>
-          <a:p>
-            <a:r>
-              <a:rPr lang="en-US" dirty="0"/>
-              <a:t>Recommendations</a:t>
-            </a:r>
-          </a:p>
-        </p:txBody>
-      </p:sp>
-      <p:sp>
-        <p:nvSpPr>
-          <p:cNvPr id="3" name="Content Placeholder 2">
-            <a:extLst>
-              <a:ext uri="{FF2B5EF4-FFF2-40B4-BE49-F238E27FC236}">
-                <a16:creationId xmlns:a16="http://schemas.microsoft.com/office/drawing/2014/main" id="{D10124EE-5A97-4976-86B6-A17C53FC0E56}"/>
-              </a:ext>
-            </a:extLst>
-          </p:cNvPr>
-          <p:cNvSpPr>
-            <a:spLocks noGrp="1"/>
-          </p:cNvSpPr>
-          <p:nvPr>
-            <p:ph idx="1"/>
-          </p:nvPr>
-        </p:nvSpPr>
-        <p:spPr/>
-        <p:txBody>
-          <a:bodyPr/>
-          <a:lstStyle/>
-          <a:p>
-            <a:r>
-              <a:rPr lang="en-US" dirty="0"/>
-              <a:t>If findings hold up to further research:</a:t>
-            </a:r>
-          </a:p>
-          <a:p>
-            <a:pPr lvl="1"/>
-            <a:r>
-              <a:rPr lang="en-US" dirty="0"/>
-              <a:t>Meditation and/or amusement can be used to buffer against social stress.</a:t>
-            </a:r>
-          </a:p>
-          <a:p>
-            <a:pPr lvl="1"/>
-            <a:r>
-              <a:rPr lang="en-US" dirty="0"/>
-              <a:t>Wearable consumer tech can be used to help optimize the way we prepare for social stress.</a:t>
-            </a:r>
-          </a:p>
-        </p:txBody>
-      </p:sp>
-    </p:spTree>
-    <p:extLst>
-      <p:ext uri="{BB962C8B-B14F-4D97-AF65-F5344CB8AC3E}">
-        <p14:creationId xmlns:p14="http://schemas.microsoft.com/office/powerpoint/2010/main" val="3340686703"/>
-      </p:ext>
-    </p:extLst>
-  </p:cSld>
-  <p:clrMapOvr>
-    <a:masterClrMapping/>
-  </p:clrMapOvr>
-</p:sld>
-</file>
-
-<file path=ppt/slides/slide23.xml><?xml version="1.0" encoding="utf-8"?>
-<p:sld xmlns:a="http://schemas.openxmlformats.org/drawingml/2006/main" xmlns:r="http://schemas.openxmlformats.org/officeDocument/2006/relationships" xmlns:p="http://schemas.openxmlformats.org/presentationml/2006/main">
-  <p:cSld>
-    <p:spTree>
-      <p:nvGrpSpPr>
-        <p:cNvPr id="1" name=""/>
-        <p:cNvGrpSpPr/>
-        <p:nvPr/>
-      </p:nvGrpSpPr>
-      <p:grpSpPr>
-        <a:xfrm>
-          <a:off x="0" y="0"/>
-          <a:ext cx="0" cy="0"/>
-          <a:chOff x="0" y="0"/>
-          <a:chExt cx="0" cy="0"/>
-        </a:xfrm>
-      </p:grpSpPr>
-      <p:sp>
-        <p:nvSpPr>
-          <p:cNvPr id="2" name="Title 1">
-            <a:extLst>
-              <a:ext uri="{FF2B5EF4-FFF2-40B4-BE49-F238E27FC236}">
                 <a16:creationId xmlns:a16="http://schemas.microsoft.com/office/drawing/2014/main" id="{BB055D81-55DF-47B0-A931-F874C4AAAA67}"/>
               </a:ext>
             </a:extLst>
@@ -8167,6 +9890,193 @@
           </a:p>
         </p:txBody>
       </p:sp>
+      <p:graphicFrame>
+        <p:nvGraphicFramePr>
+          <p:cNvPr id="4" name="Table 3">
+            <a:extLst>
+              <a:ext uri="{FF2B5EF4-FFF2-40B4-BE49-F238E27FC236}">
+                <a16:creationId xmlns:a16="http://schemas.microsoft.com/office/drawing/2014/main" id="{B036AF46-074A-4F8C-A266-295136BF7DFE}"/>
+              </a:ext>
+            </a:extLst>
+          </p:cNvPr>
+          <p:cNvGraphicFramePr>
+            <a:graphicFrameLocks/>
+          </p:cNvGraphicFramePr>
+          <p:nvPr>
+            <p:extLst>
+              <p:ext uri="{D42A27DB-BD31-4B8C-83A1-F6EECF244321}">
+                <p14:modId xmlns:p14="http://schemas.microsoft.com/office/powerpoint/2010/main" val="4270909103"/>
+              </p:ext>
+            </p:extLst>
+          </p:nvPr>
+        </p:nvGraphicFramePr>
+        <p:xfrm>
+          <a:off x="0" y="0"/>
+          <a:ext cx="12192000" cy="640080"/>
+        </p:xfrm>
+        <a:graphic>
+          <a:graphicData uri="http://schemas.openxmlformats.org/drawingml/2006/table">
+            <a:tbl>
+              <a:tblPr firstRow="1" bandRow="1">
+                <a:tableStyleId>{5C22544A-7EE6-4342-B048-85BDC9FD1C3A}</a:tableStyleId>
+              </a:tblPr>
+              <a:tblGrid>
+                <a:gridCol w="2032000">
+                  <a:extLst>
+                    <a:ext uri="{9D8B030D-6E8A-4147-A177-3AD203B41FA5}">
+                      <a16:colId xmlns:a16="http://schemas.microsoft.com/office/drawing/2014/main" val="4285599755"/>
+                    </a:ext>
+                  </a:extLst>
+                </a:gridCol>
+                <a:gridCol w="2032000">
+                  <a:extLst>
+                    <a:ext uri="{9D8B030D-6E8A-4147-A177-3AD203B41FA5}">
+                      <a16:colId xmlns:a16="http://schemas.microsoft.com/office/drawing/2014/main" val="2688903068"/>
+                    </a:ext>
+                  </a:extLst>
+                </a:gridCol>
+                <a:gridCol w="2032000">
+                  <a:extLst>
+                    <a:ext uri="{9D8B030D-6E8A-4147-A177-3AD203B41FA5}">
+                      <a16:colId xmlns:a16="http://schemas.microsoft.com/office/drawing/2014/main" val="4274890127"/>
+                    </a:ext>
+                  </a:extLst>
+                </a:gridCol>
+                <a:gridCol w="2032000">
+                  <a:extLst>
+                    <a:ext uri="{9D8B030D-6E8A-4147-A177-3AD203B41FA5}">
+                      <a16:colId xmlns:a16="http://schemas.microsoft.com/office/drawing/2014/main" val="712714667"/>
+                    </a:ext>
+                  </a:extLst>
+                </a:gridCol>
+                <a:gridCol w="2032000">
+                  <a:extLst>
+                    <a:ext uri="{9D8B030D-6E8A-4147-A177-3AD203B41FA5}">
+                      <a16:colId xmlns:a16="http://schemas.microsoft.com/office/drawing/2014/main" val="740919897"/>
+                    </a:ext>
+                  </a:extLst>
+                </a:gridCol>
+                <a:gridCol w="2032000">
+                  <a:extLst>
+                    <a:ext uri="{9D8B030D-6E8A-4147-A177-3AD203B41FA5}">
+                      <a16:colId xmlns:a16="http://schemas.microsoft.com/office/drawing/2014/main" val="478429826"/>
+                    </a:ext>
+                  </a:extLst>
+                </a:gridCol>
+              </a:tblGrid>
+              <a:tr h="215699">
+                <a:tc>
+                  <a:txBody>
+                    <a:bodyPr/>
+                    <a:lstStyle/>
+                    <a:p>
+                      <a:r>
+                        <a:rPr lang="en-US" dirty="0"/>
+                        <a:t>Problem Identification</a:t>
+                      </a:r>
+                    </a:p>
+                  </a:txBody>
+                  <a:tcPr>
+                    <a:solidFill>
+                      <a:schemeClr val="accent1"/>
+                    </a:solidFill>
+                  </a:tcPr>
+                </a:tc>
+                <a:tc>
+                  <a:txBody>
+                    <a:bodyPr/>
+                    <a:lstStyle/>
+                    <a:p>
+                      <a:r>
+                        <a:rPr lang="en-US" dirty="0"/>
+                        <a:t>Data Wrangling</a:t>
+                      </a:r>
+                    </a:p>
+                  </a:txBody>
+                  <a:tcPr>
+                    <a:solidFill>
+                      <a:schemeClr val="accent1"/>
+                    </a:solidFill>
+                  </a:tcPr>
+                </a:tc>
+                <a:tc>
+                  <a:txBody>
+                    <a:bodyPr/>
+                    <a:lstStyle/>
+                    <a:p>
+                      <a:r>
+                        <a:rPr lang="en-US" dirty="0"/>
+                        <a:t>Exploratory Data Analysis</a:t>
+                      </a:r>
+                    </a:p>
+                  </a:txBody>
+                  <a:tcPr>
+                    <a:solidFill>
+                      <a:schemeClr val="accent1"/>
+                    </a:solidFill>
+                  </a:tcPr>
+                </a:tc>
+                <a:tc>
+                  <a:txBody>
+                    <a:bodyPr/>
+                    <a:lstStyle/>
+                    <a:p>
+                      <a:r>
+                        <a:rPr lang="en-US" dirty="0"/>
+                        <a:t>Preprocessing</a:t>
+                      </a:r>
+                    </a:p>
+                  </a:txBody>
+                  <a:tcPr>
+                    <a:solidFill>
+                      <a:schemeClr val="accent1"/>
+                    </a:solidFill>
+                  </a:tcPr>
+                </a:tc>
+                <a:tc>
+                  <a:txBody>
+                    <a:bodyPr/>
+                    <a:lstStyle/>
+                    <a:p>
+                      <a:r>
+                        <a:rPr lang="en-US" dirty="0"/>
+                        <a:t>Modeling</a:t>
+                      </a:r>
+                    </a:p>
+                  </a:txBody>
+                  <a:tcPr>
+                    <a:solidFill>
+                      <a:schemeClr val="accent1"/>
+                    </a:solidFill>
+                  </a:tcPr>
+                </a:tc>
+                <a:tc>
+                  <a:txBody>
+                    <a:bodyPr/>
+                    <a:lstStyle/>
+                    <a:p>
+                      <a:r>
+                        <a:rPr lang="en-US" dirty="0"/>
+                        <a:t>Documentation</a:t>
+                      </a:r>
+                    </a:p>
+                  </a:txBody>
+                  <a:tcPr>
+                    <a:solidFill>
+                      <a:schemeClr val="accent2"/>
+                    </a:solidFill>
+                  </a:tcPr>
+                </a:tc>
+                <a:extLst>
+                  <a:ext uri="{0D108BD9-81ED-4DB2-BD59-A6C34878D82A}">
+                    <a16:rowId xmlns:a16="http://schemas.microsoft.com/office/drawing/2014/main" val="3148223393"/>
+                  </a:ext>
+                </a:extLst>
+              </a:tr>
+            </a:tbl>
+          </a:graphicData>
+        </a:graphic>
+      </p:graphicFrame>
     </p:spTree>
     <p:extLst>
       <p:ext uri="{BB962C8B-B14F-4D97-AF65-F5344CB8AC3E}">
@@ -8260,7 +10170,12 @@
             <p:ph type="title"/>
           </p:nvPr>
         </p:nvSpPr>
-        <p:spPr/>
+        <p:spPr>
+          <a:xfrm>
+            <a:off x="838200" y="543541"/>
+            <a:ext cx="10515600" cy="1325563"/>
+          </a:xfrm>
+        </p:spPr>
         <p:txBody>
           <a:bodyPr>
             <a:normAutofit fontScale="90000"/>
@@ -8276,8 +10191,15 @@
             </a:br>
             <a:r>
               <a:rPr lang="en-US" dirty="0"/>
-              <a:t>dataset</a:t>
-            </a:r>
+              <a:t>dataset </a:t>
+            </a:r>
+            <a:r>
+              <a:rPr lang="en-US" sz="2700" dirty="0">
+                <a:hlinkClick r:id="rId3"/>
+              </a:rPr>
+              <a:t>(repository link)</a:t>
+            </a:r>
+            <a:endParaRPr lang="en-US" dirty="0"/>
           </a:p>
         </p:txBody>
       </p:sp>
@@ -8349,7 +10271,7 @@
           <p:nvPr/>
         </p:nvPicPr>
         <p:blipFill>
-          <a:blip r:embed="rId3">
+          <a:blip r:embed="rId4">
             <a:extLst>
               <a:ext uri="{28A0092B-C50C-407E-A947-70E740481C1C}">
                 <a14:useLocalDpi xmlns:a14="http://schemas.microsoft.com/office/drawing/2010/main" val="0"/>
@@ -8441,7 +10363,7 @@
           <p:nvPr/>
         </p:nvPicPr>
         <p:blipFill>
-          <a:blip r:embed="rId4">
+          <a:blip r:embed="rId5">
             <a:extLst>
               <a:ext uri="{28A0092B-C50C-407E-A947-70E740481C1C}">
                 <a14:useLocalDpi xmlns:a14="http://schemas.microsoft.com/office/drawing/2010/main" val="0"/>
@@ -8533,7 +10455,7 @@
           <p:nvPr/>
         </p:nvPicPr>
         <p:blipFill>
-          <a:blip r:embed="rId5">
+          <a:blip r:embed="rId6">
             <a:extLst>
               <a:ext uri="{28A0092B-C50C-407E-A947-70E740481C1C}">
                 <a14:useLocalDpi xmlns:a14="http://schemas.microsoft.com/office/drawing/2010/main" val="0"/>
@@ -8580,7 +10502,7 @@
           <p:nvPr/>
         </p:nvPicPr>
         <p:blipFill>
-          <a:blip r:embed="rId4">
+          <a:blip r:embed="rId5">
             <a:extLst>
               <a:ext uri="{28A0092B-C50C-407E-A947-70E740481C1C}">
                 <a14:useLocalDpi xmlns:a14="http://schemas.microsoft.com/office/drawing/2010/main" val="0"/>
@@ -8627,7 +10549,7 @@
           <p:nvPr/>
         </p:nvPicPr>
         <p:blipFill>
-          <a:blip r:embed="rId4">
+          <a:blip r:embed="rId5">
             <a:extLst>
               <a:ext uri="{28A0092B-C50C-407E-A947-70E740481C1C}">
                 <a14:useLocalDpi xmlns:a14="http://schemas.microsoft.com/office/drawing/2010/main" val="0"/>
@@ -8674,7 +10596,7 @@
           <p:nvPr/>
         </p:nvPicPr>
         <p:blipFill>
-          <a:blip r:embed="rId4">
+          <a:blip r:embed="rId5">
             <a:extLst>
               <a:ext uri="{28A0092B-C50C-407E-A947-70E740481C1C}">
                 <a14:useLocalDpi xmlns:a14="http://schemas.microsoft.com/office/drawing/2010/main" val="0"/>
@@ -8721,7 +10643,7 @@
           <p:nvPr/>
         </p:nvPicPr>
         <p:blipFill>
-          <a:blip r:embed="rId5">
+          <a:blip r:embed="rId6">
             <a:extLst>
               <a:ext uri="{28A0092B-C50C-407E-A947-70E740481C1C}">
                 <a14:useLocalDpi xmlns:a14="http://schemas.microsoft.com/office/drawing/2010/main" val="0"/>
@@ -9064,6 +10986,177 @@
           </a:fontRef>
         </p:style>
       </p:cxnSp>
+      <p:graphicFrame>
+        <p:nvGraphicFramePr>
+          <p:cNvPr id="22" name="Table 5">
+            <a:extLst>
+              <a:ext uri="{FF2B5EF4-FFF2-40B4-BE49-F238E27FC236}">
+                <a16:creationId xmlns:a16="http://schemas.microsoft.com/office/drawing/2014/main" id="{2ACF3EDE-5750-419E-AF5C-649491D46E0D}"/>
+              </a:ext>
+            </a:extLst>
+          </p:cNvPr>
+          <p:cNvGraphicFramePr>
+            <a:graphicFrameLocks/>
+          </p:cNvGraphicFramePr>
+          <p:nvPr>
+            <p:extLst>
+              <p:ext uri="{D42A27DB-BD31-4B8C-83A1-F6EECF244321}">
+                <p14:modId xmlns:p14="http://schemas.microsoft.com/office/powerpoint/2010/main" val="857227923"/>
+              </p:ext>
+            </p:extLst>
+          </p:nvPr>
+        </p:nvGraphicFramePr>
+        <p:xfrm>
+          <a:off x="0" y="0"/>
+          <a:ext cx="12192000" cy="640080"/>
+        </p:xfrm>
+        <a:graphic>
+          <a:graphicData uri="http://schemas.openxmlformats.org/drawingml/2006/table">
+            <a:tbl>
+              <a:tblPr firstRow="1" bandRow="1">
+                <a:tableStyleId>{5C22544A-7EE6-4342-B048-85BDC9FD1C3A}</a:tableStyleId>
+              </a:tblPr>
+              <a:tblGrid>
+                <a:gridCol w="2032000">
+                  <a:extLst>
+                    <a:ext uri="{9D8B030D-6E8A-4147-A177-3AD203B41FA5}">
+                      <a16:colId xmlns:a16="http://schemas.microsoft.com/office/drawing/2014/main" val="4285599755"/>
+                    </a:ext>
+                  </a:extLst>
+                </a:gridCol>
+                <a:gridCol w="2032000">
+                  <a:extLst>
+                    <a:ext uri="{9D8B030D-6E8A-4147-A177-3AD203B41FA5}">
+                      <a16:colId xmlns:a16="http://schemas.microsoft.com/office/drawing/2014/main" val="2688903068"/>
+                    </a:ext>
+                  </a:extLst>
+                </a:gridCol>
+                <a:gridCol w="2032000">
+                  <a:extLst>
+                    <a:ext uri="{9D8B030D-6E8A-4147-A177-3AD203B41FA5}">
+                      <a16:colId xmlns:a16="http://schemas.microsoft.com/office/drawing/2014/main" val="4274890127"/>
+                    </a:ext>
+                  </a:extLst>
+                </a:gridCol>
+                <a:gridCol w="2032000">
+                  <a:extLst>
+                    <a:ext uri="{9D8B030D-6E8A-4147-A177-3AD203B41FA5}">
+                      <a16:colId xmlns:a16="http://schemas.microsoft.com/office/drawing/2014/main" val="712714667"/>
+                    </a:ext>
+                  </a:extLst>
+                </a:gridCol>
+                <a:gridCol w="2032000">
+                  <a:extLst>
+                    <a:ext uri="{9D8B030D-6E8A-4147-A177-3AD203B41FA5}">
+                      <a16:colId xmlns:a16="http://schemas.microsoft.com/office/drawing/2014/main" val="740919897"/>
+                    </a:ext>
+                  </a:extLst>
+                </a:gridCol>
+                <a:gridCol w="2032000">
+                  <a:extLst>
+                    <a:ext uri="{9D8B030D-6E8A-4147-A177-3AD203B41FA5}">
+                      <a16:colId xmlns:a16="http://schemas.microsoft.com/office/drawing/2014/main" val="478429826"/>
+                    </a:ext>
+                  </a:extLst>
+                </a:gridCol>
+              </a:tblGrid>
+              <a:tr h="215699">
+                <a:tc>
+                  <a:txBody>
+                    <a:bodyPr/>
+                    <a:lstStyle/>
+                    <a:p>
+                      <a:r>
+                        <a:rPr lang="en-US" dirty="0"/>
+                        <a:t>Problem Identification</a:t>
+                      </a:r>
+                    </a:p>
+                  </a:txBody>
+                  <a:tcPr>
+                    <a:solidFill>
+                      <a:schemeClr val="accent1"/>
+                    </a:solidFill>
+                  </a:tcPr>
+                </a:tc>
+                <a:tc>
+                  <a:txBody>
+                    <a:bodyPr/>
+                    <a:lstStyle/>
+                    <a:p>
+                      <a:r>
+                        <a:rPr lang="en-US" dirty="0"/>
+                        <a:t>Data Wrangling</a:t>
+                      </a:r>
+                    </a:p>
+                  </a:txBody>
+                  <a:tcPr>
+                    <a:solidFill>
+                      <a:schemeClr val="accent2"/>
+                    </a:solidFill>
+                  </a:tcPr>
+                </a:tc>
+                <a:tc>
+                  <a:txBody>
+                    <a:bodyPr/>
+                    <a:lstStyle/>
+                    <a:p>
+                      <a:r>
+                        <a:rPr lang="en-US" dirty="0"/>
+                        <a:t>Exploratory Data Analysis</a:t>
+                      </a:r>
+                    </a:p>
+                  </a:txBody>
+                  <a:tcPr/>
+                </a:tc>
+                <a:tc>
+                  <a:txBody>
+                    <a:bodyPr/>
+                    <a:lstStyle/>
+                    <a:p>
+                      <a:r>
+                        <a:rPr lang="en-US" dirty="0"/>
+                        <a:t>Preprocessing</a:t>
+                      </a:r>
+                    </a:p>
+                  </a:txBody>
+                  <a:tcPr/>
+                </a:tc>
+                <a:tc>
+                  <a:txBody>
+                    <a:bodyPr/>
+                    <a:lstStyle/>
+                    <a:p>
+                      <a:r>
+                        <a:rPr lang="en-US" dirty="0"/>
+                        <a:t>Modeling</a:t>
+                      </a:r>
+                    </a:p>
+                  </a:txBody>
+                  <a:tcPr/>
+                </a:tc>
+                <a:tc>
+                  <a:txBody>
+                    <a:bodyPr/>
+                    <a:lstStyle/>
+                    <a:p>
+                      <a:r>
+                        <a:rPr lang="en-US" dirty="0"/>
+                        <a:t>Documentation</a:t>
+                      </a:r>
+                    </a:p>
+                  </a:txBody>
+                  <a:tcPr/>
+                </a:tc>
+                <a:extLst>
+                  <a:ext uri="{0D108BD9-81ED-4DB2-BD59-A6C34878D82A}">
+                    <a16:rowId xmlns:a16="http://schemas.microsoft.com/office/drawing/2014/main" val="3148223393"/>
+                  </a:ext>
+                </a:extLst>
+              </a:tr>
+            </a:tbl>
+          </a:graphicData>
+        </a:graphic>
+      </p:graphicFrame>
     </p:spTree>
     <p:extLst>
       <p:ext uri="{BB962C8B-B14F-4D97-AF65-F5344CB8AC3E}">
@@ -9761,7 +11854,12 @@
             <p:ph type="title"/>
           </p:nvPr>
         </p:nvSpPr>
-        <p:spPr/>
+        <p:spPr>
+          <a:xfrm>
+            <a:off x="838200" y="543541"/>
+            <a:ext cx="10515600" cy="1325563"/>
+          </a:xfrm>
+        </p:spPr>
         <p:txBody>
           <a:bodyPr>
             <a:normAutofit fontScale="90000"/>
@@ -10249,6 +12347,220 @@
           </a:ln>
         </p:spPr>
       </p:pic>
+      <p:graphicFrame>
+        <p:nvGraphicFramePr>
+          <p:cNvPr id="16" name="Table 5">
+            <a:extLst>
+              <a:ext uri="{FF2B5EF4-FFF2-40B4-BE49-F238E27FC236}">
+                <a16:creationId xmlns:a16="http://schemas.microsoft.com/office/drawing/2014/main" id="{116094D7-404C-4AC5-8091-63A62F417457}"/>
+              </a:ext>
+            </a:extLst>
+          </p:cNvPr>
+          <p:cNvGraphicFramePr>
+            <a:graphicFrameLocks/>
+          </p:cNvGraphicFramePr>
+          <p:nvPr>
+            <p:extLst>
+              <p:ext uri="{D42A27DB-BD31-4B8C-83A1-F6EECF244321}">
+                <p14:modId xmlns:p14="http://schemas.microsoft.com/office/powerpoint/2010/main" val="3499112704"/>
+              </p:ext>
+            </p:extLst>
+          </p:nvPr>
+        </p:nvGraphicFramePr>
+        <p:xfrm>
+          <a:off x="0" y="0"/>
+          <a:ext cx="12192000" cy="640080"/>
+        </p:xfrm>
+        <a:graphic>
+          <a:graphicData uri="http://schemas.openxmlformats.org/drawingml/2006/table">
+            <a:tbl>
+              <a:tblPr firstRow="1" bandRow="1">
+                <a:tableStyleId>{5C22544A-7EE6-4342-B048-85BDC9FD1C3A}</a:tableStyleId>
+              </a:tblPr>
+              <a:tblGrid>
+                <a:gridCol w="2032000">
+                  <a:extLst>
+                    <a:ext uri="{9D8B030D-6E8A-4147-A177-3AD203B41FA5}">
+                      <a16:colId xmlns:a16="http://schemas.microsoft.com/office/drawing/2014/main" val="4285599755"/>
+                    </a:ext>
+                  </a:extLst>
+                </a:gridCol>
+                <a:gridCol w="2032000">
+                  <a:extLst>
+                    <a:ext uri="{9D8B030D-6E8A-4147-A177-3AD203B41FA5}">
+                      <a16:colId xmlns:a16="http://schemas.microsoft.com/office/drawing/2014/main" val="2688903068"/>
+                    </a:ext>
+                  </a:extLst>
+                </a:gridCol>
+                <a:gridCol w="2032000">
+                  <a:extLst>
+                    <a:ext uri="{9D8B030D-6E8A-4147-A177-3AD203B41FA5}">
+                      <a16:colId xmlns:a16="http://schemas.microsoft.com/office/drawing/2014/main" val="4274890127"/>
+                    </a:ext>
+                  </a:extLst>
+                </a:gridCol>
+                <a:gridCol w="2032000">
+                  <a:extLst>
+                    <a:ext uri="{9D8B030D-6E8A-4147-A177-3AD203B41FA5}">
+                      <a16:colId xmlns:a16="http://schemas.microsoft.com/office/drawing/2014/main" val="712714667"/>
+                    </a:ext>
+                  </a:extLst>
+                </a:gridCol>
+                <a:gridCol w="2032000">
+                  <a:extLst>
+                    <a:ext uri="{9D8B030D-6E8A-4147-A177-3AD203B41FA5}">
+                      <a16:colId xmlns:a16="http://schemas.microsoft.com/office/drawing/2014/main" val="740919897"/>
+                    </a:ext>
+                  </a:extLst>
+                </a:gridCol>
+                <a:gridCol w="2032000">
+                  <a:extLst>
+                    <a:ext uri="{9D8B030D-6E8A-4147-A177-3AD203B41FA5}">
+                      <a16:colId xmlns:a16="http://schemas.microsoft.com/office/drawing/2014/main" val="478429826"/>
+                    </a:ext>
+                  </a:extLst>
+                </a:gridCol>
+              </a:tblGrid>
+              <a:tr h="215699">
+                <a:tc>
+                  <a:txBody>
+                    <a:bodyPr/>
+                    <a:lstStyle/>
+                    <a:p>
+                      <a:r>
+                        <a:rPr lang="en-US" dirty="0"/>
+                        <a:t>Problem Identification</a:t>
+                      </a:r>
+                    </a:p>
+                  </a:txBody>
+                  <a:tcPr>
+                    <a:solidFill>
+                      <a:schemeClr val="accent1"/>
+                    </a:solidFill>
+                  </a:tcPr>
+                </a:tc>
+                <a:tc>
+                  <a:txBody>
+                    <a:bodyPr/>
+                    <a:lstStyle/>
+                    <a:p>
+                      <a:r>
+                        <a:rPr lang="en-US" dirty="0"/>
+                        <a:t>Data Wrangling</a:t>
+                      </a:r>
+                    </a:p>
+                    <a:p>
+                      <a:pPr marL="0" marR="0" lvl="0" indent="0" algn="l" defTabSz="914400" rtl="0" eaLnBrk="1" fontAlgn="auto" latinLnBrk="0" hangingPunct="1">
+                        <a:lnSpc>
+                          <a:spcPct val="100000"/>
+                        </a:lnSpc>
+                        <a:spcBef>
+                          <a:spcPts val="0"/>
+                        </a:spcBef>
+                        <a:spcAft>
+                          <a:spcPts val="0"/>
+                        </a:spcAft>
+                        <a:buClrTx/>
+                        <a:buSzTx/>
+                        <a:buFontTx/>
+                        <a:buNone/>
+                        <a:tabLst/>
+                        <a:defRPr/>
+                      </a:pPr>
+                      <a:r>
+                        <a:rPr lang="en-US" sz="1600" b="0" dirty="0">
+                          <a:solidFill>
+                            <a:schemeClr val="accent1">
+                              <a:lumMod val="75000"/>
+                            </a:schemeClr>
+                          </a:solidFill>
+                          <a:hlinkClick r:id="rId3">
+                            <a:extLst>
+                              <a:ext uri="{A12FA001-AC4F-418D-AE19-62706E023703}">
+                                <ahyp:hlinkClr xmlns:ahyp="http://schemas.microsoft.com/office/drawing/2018/hyperlinkcolor" val="tx"/>
+                              </a:ext>
+                            </a:extLst>
+                          </a:hlinkClick>
+                        </a:rPr>
+                        <a:t>(notebook on Github)</a:t>
+                      </a:r>
+                      <a:endParaRPr lang="en-US" sz="1600" b="0" dirty="0">
+                        <a:solidFill>
+                          <a:schemeClr val="accent1">
+                            <a:lumMod val="75000"/>
+                          </a:schemeClr>
+                        </a:solidFill>
+                      </a:endParaRPr>
+                    </a:p>
+                  </a:txBody>
+                  <a:tcPr>
+                    <a:solidFill>
+                      <a:schemeClr val="accent2"/>
+                    </a:solidFill>
+                  </a:tcPr>
+                </a:tc>
+                <a:tc>
+                  <a:txBody>
+                    <a:bodyPr/>
+                    <a:lstStyle/>
+                    <a:p>
+                      <a:r>
+                        <a:rPr lang="en-US" dirty="0"/>
+                        <a:t>Exploratory Data Analysis</a:t>
+                      </a:r>
+                    </a:p>
+                  </a:txBody>
+                  <a:tcPr/>
+                </a:tc>
+                <a:tc>
+                  <a:txBody>
+                    <a:bodyPr/>
+                    <a:lstStyle/>
+                    <a:p>
+                      <a:r>
+                        <a:rPr lang="en-US" dirty="0"/>
+                        <a:t>Preprocessing</a:t>
+                      </a:r>
+                    </a:p>
+                  </a:txBody>
+                  <a:tcPr/>
+                </a:tc>
+                <a:tc>
+                  <a:txBody>
+                    <a:bodyPr/>
+                    <a:lstStyle/>
+                    <a:p>
+                      <a:r>
+                        <a:rPr lang="en-US" dirty="0"/>
+                        <a:t>Modeling</a:t>
+                      </a:r>
+                    </a:p>
+                  </a:txBody>
+                  <a:tcPr/>
+                </a:tc>
+                <a:tc>
+                  <a:txBody>
+                    <a:bodyPr/>
+                    <a:lstStyle/>
+                    <a:p>
+                      <a:r>
+                        <a:rPr lang="en-US" dirty="0"/>
+                        <a:t>Documentation</a:t>
+                      </a:r>
+                    </a:p>
+                  </a:txBody>
+                  <a:tcPr/>
+                </a:tc>
+                <a:extLst>
+                  <a:ext uri="{0D108BD9-81ED-4DB2-BD59-A6C34878D82A}">
+                    <a16:rowId xmlns:a16="http://schemas.microsoft.com/office/drawing/2014/main" val="3148223393"/>
+                  </a:ext>
+                </a:extLst>
+              </a:tr>
+            </a:tbl>
+          </a:graphicData>
+        </a:graphic>
+      </p:graphicFrame>
     </p:spTree>
     <p:extLst>
       <p:ext uri="{BB962C8B-B14F-4D97-AF65-F5344CB8AC3E}">
@@ -10631,6 +12943,249 @@
           </a:p>
         </p:txBody>
       </p:sp>
+      <p:pic>
+        <p:nvPicPr>
+          <p:cNvPr id="12" name="Picture 11">
+            <a:extLst>
+              <a:ext uri="{FF2B5EF4-FFF2-40B4-BE49-F238E27FC236}">
+                <a16:creationId xmlns:a16="http://schemas.microsoft.com/office/drawing/2014/main" id="{093DC666-FF7E-4E75-827B-28F45762477D}"/>
+              </a:ext>
+            </a:extLst>
+          </p:cNvPr>
+          <p:cNvPicPr>
+            <a:picLocks noChangeAspect="1"/>
+          </p:cNvPicPr>
+          <p:nvPr/>
+        </p:nvPicPr>
+        <p:blipFill rotWithShape="1">
+          <a:blip r:embed="rId3"/>
+          <a:srcRect b="86338"/>
+          <a:stretch/>
+        </p:blipFill>
+        <p:spPr>
+          <a:xfrm>
+            <a:off x="4600792" y="743563"/>
+            <a:ext cx="7481095" cy="993352"/>
+          </a:xfrm>
+          <a:prstGeom prst="rect">
+            <a:avLst/>
+          </a:prstGeom>
+        </p:spPr>
+      </p:pic>
+      <p:graphicFrame>
+        <p:nvGraphicFramePr>
+          <p:cNvPr id="14" name="Table 5">
+            <a:extLst>
+              <a:ext uri="{FF2B5EF4-FFF2-40B4-BE49-F238E27FC236}">
+                <a16:creationId xmlns:a16="http://schemas.microsoft.com/office/drawing/2014/main" id="{84DC72CC-CEF4-4199-9D2E-A83668603BEF}"/>
+              </a:ext>
+            </a:extLst>
+          </p:cNvPr>
+          <p:cNvGraphicFramePr>
+            <a:graphicFrameLocks/>
+          </p:cNvGraphicFramePr>
+          <p:nvPr>
+            <p:extLst>
+              <p:ext uri="{D42A27DB-BD31-4B8C-83A1-F6EECF244321}">
+                <p14:modId xmlns:p14="http://schemas.microsoft.com/office/powerpoint/2010/main" val="2809345266"/>
+              </p:ext>
+            </p:extLst>
+          </p:nvPr>
+        </p:nvGraphicFramePr>
+        <p:xfrm>
+          <a:off x="0" y="0"/>
+          <a:ext cx="12192000" cy="640080"/>
+        </p:xfrm>
+        <a:graphic>
+          <a:graphicData uri="http://schemas.openxmlformats.org/drawingml/2006/table">
+            <a:tbl>
+              <a:tblPr firstRow="1" bandRow="1">
+                <a:tableStyleId>{5C22544A-7EE6-4342-B048-85BDC9FD1C3A}</a:tableStyleId>
+              </a:tblPr>
+              <a:tblGrid>
+                <a:gridCol w="2032000">
+                  <a:extLst>
+                    <a:ext uri="{9D8B030D-6E8A-4147-A177-3AD203B41FA5}">
+                      <a16:colId xmlns:a16="http://schemas.microsoft.com/office/drawing/2014/main" val="4285599755"/>
+                    </a:ext>
+                  </a:extLst>
+                </a:gridCol>
+                <a:gridCol w="2032000">
+                  <a:extLst>
+                    <a:ext uri="{9D8B030D-6E8A-4147-A177-3AD203B41FA5}">
+                      <a16:colId xmlns:a16="http://schemas.microsoft.com/office/drawing/2014/main" val="2688903068"/>
+                    </a:ext>
+                  </a:extLst>
+                </a:gridCol>
+                <a:gridCol w="2032000">
+                  <a:extLst>
+                    <a:ext uri="{9D8B030D-6E8A-4147-A177-3AD203B41FA5}">
+                      <a16:colId xmlns:a16="http://schemas.microsoft.com/office/drawing/2014/main" val="4274890127"/>
+                    </a:ext>
+                  </a:extLst>
+                </a:gridCol>
+                <a:gridCol w="2032000">
+                  <a:extLst>
+                    <a:ext uri="{9D8B030D-6E8A-4147-A177-3AD203B41FA5}">
+                      <a16:colId xmlns:a16="http://schemas.microsoft.com/office/drawing/2014/main" val="712714667"/>
+                    </a:ext>
+                  </a:extLst>
+                </a:gridCol>
+                <a:gridCol w="2032000">
+                  <a:extLst>
+                    <a:ext uri="{9D8B030D-6E8A-4147-A177-3AD203B41FA5}">
+                      <a16:colId xmlns:a16="http://schemas.microsoft.com/office/drawing/2014/main" val="740919897"/>
+                    </a:ext>
+                  </a:extLst>
+                </a:gridCol>
+                <a:gridCol w="2032000">
+                  <a:extLst>
+                    <a:ext uri="{9D8B030D-6E8A-4147-A177-3AD203B41FA5}">
+                      <a16:colId xmlns:a16="http://schemas.microsoft.com/office/drawing/2014/main" val="478429826"/>
+                    </a:ext>
+                  </a:extLst>
+                </a:gridCol>
+              </a:tblGrid>
+              <a:tr h="215699">
+                <a:tc>
+                  <a:txBody>
+                    <a:bodyPr/>
+                    <a:lstStyle/>
+                    <a:p>
+                      <a:r>
+                        <a:rPr lang="en-US" dirty="0"/>
+                        <a:t>Problem Identification</a:t>
+                      </a:r>
+                    </a:p>
+                  </a:txBody>
+                  <a:tcPr>
+                    <a:solidFill>
+                      <a:schemeClr val="accent1"/>
+                    </a:solidFill>
+                  </a:tcPr>
+                </a:tc>
+                <a:tc>
+                  <a:txBody>
+                    <a:bodyPr/>
+                    <a:lstStyle/>
+                    <a:p>
+                      <a:r>
+                        <a:rPr lang="en-US" dirty="0"/>
+                        <a:t>Data Wrangling</a:t>
+                      </a:r>
+                    </a:p>
+                    <a:p>
+                      <a:pPr marL="0" marR="0" lvl="0" indent="0" algn="l" defTabSz="914400" rtl="0" eaLnBrk="1" fontAlgn="auto" latinLnBrk="0" hangingPunct="1">
+                        <a:lnSpc>
+                          <a:spcPct val="100000"/>
+                        </a:lnSpc>
+                        <a:spcBef>
+                          <a:spcPts val="0"/>
+                        </a:spcBef>
+                        <a:spcAft>
+                          <a:spcPts val="0"/>
+                        </a:spcAft>
+                        <a:buClrTx/>
+                        <a:buSzTx/>
+                        <a:buFontTx/>
+                        <a:buNone/>
+                        <a:tabLst/>
+                        <a:defRPr/>
+                      </a:pPr>
+                      <a:r>
+                        <a:rPr lang="en-US" sz="1600" b="0" dirty="0">
+                          <a:solidFill>
+                            <a:schemeClr val="accent1">
+                              <a:lumMod val="75000"/>
+                            </a:schemeClr>
+                          </a:solidFill>
+                          <a:hlinkClick r:id="rId4">
+                            <a:extLst>
+                              <a:ext uri="{A12FA001-AC4F-418D-AE19-62706E023703}">
+                                <ahyp:hlinkClr xmlns:ahyp="http://schemas.microsoft.com/office/drawing/2018/hyperlinkcolor" val="tx"/>
+                              </a:ext>
+                            </a:extLst>
+                          </a:hlinkClick>
+                        </a:rPr>
+                        <a:t>(notebook on Github)</a:t>
+                      </a:r>
+                      <a:endParaRPr lang="en-US" sz="1600" b="0" dirty="0">
+                        <a:solidFill>
+                          <a:schemeClr val="accent1">
+                            <a:lumMod val="75000"/>
+                          </a:schemeClr>
+                        </a:solidFill>
+                      </a:endParaRPr>
+                    </a:p>
+                  </a:txBody>
+                  <a:tcPr>
+                    <a:solidFill>
+                      <a:schemeClr val="accent2"/>
+                    </a:solidFill>
+                  </a:tcPr>
+                </a:tc>
+                <a:tc>
+                  <a:txBody>
+                    <a:bodyPr/>
+                    <a:lstStyle/>
+                    <a:p>
+                      <a:r>
+                        <a:rPr lang="en-US" dirty="0"/>
+                        <a:t>Exploratory Data Analysis</a:t>
+                      </a:r>
+                    </a:p>
+                  </a:txBody>
+                  <a:tcPr/>
+                </a:tc>
+                <a:tc>
+                  <a:txBody>
+                    <a:bodyPr/>
+                    <a:lstStyle/>
+                    <a:p>
+                      <a:r>
+                        <a:rPr lang="en-US" dirty="0"/>
+                        <a:t>Preprocessing</a:t>
+                      </a:r>
+                    </a:p>
+                  </a:txBody>
+                  <a:tcPr/>
+                </a:tc>
+                <a:tc>
+                  <a:txBody>
+                    <a:bodyPr/>
+                    <a:lstStyle/>
+                    <a:p>
+                      <a:r>
+                        <a:rPr lang="en-US" dirty="0"/>
+                        <a:t>Modeling</a:t>
+                      </a:r>
+                    </a:p>
+                  </a:txBody>
+                  <a:tcPr/>
+                </a:tc>
+                <a:tc>
+                  <a:txBody>
+                    <a:bodyPr/>
+                    <a:lstStyle/>
+                    <a:p>
+                      <a:r>
+                        <a:rPr lang="en-US" dirty="0"/>
+                        <a:t>Documentation</a:t>
+                      </a:r>
+                    </a:p>
+                  </a:txBody>
+                  <a:tcPr/>
+                </a:tc>
+                <a:extLst>
+                  <a:ext uri="{0D108BD9-81ED-4DB2-BD59-A6C34878D82A}">
+                    <a16:rowId xmlns:a16="http://schemas.microsoft.com/office/drawing/2014/main" val="3148223393"/>
+                  </a:ext>
+                </a:extLst>
+              </a:tr>
+            </a:tbl>
+          </a:graphicData>
+        </a:graphic>
+      </p:graphicFrame>
     </p:spTree>
     <p:extLst>
       <p:ext uri="{BB962C8B-B14F-4D97-AF65-F5344CB8AC3E}">
@@ -10906,10 +13461,10 @@
       </p:grpSpPr>
       <p:pic>
         <p:nvPicPr>
-          <p:cNvPr id="6" name="Picture 5">
-            <a:extLst>
-              <a:ext uri="{FF2B5EF4-FFF2-40B4-BE49-F238E27FC236}">
-                <a16:creationId xmlns:a16="http://schemas.microsoft.com/office/drawing/2014/main" id="{02E170A0-757D-4B45-8F7B-9F5E7B1DDBD5}"/>
+          <p:cNvPr id="5" name="Picture 4">
+            <a:extLst>
+              <a:ext uri="{FF2B5EF4-FFF2-40B4-BE49-F238E27FC236}">
+                <a16:creationId xmlns:a16="http://schemas.microsoft.com/office/drawing/2014/main" id="{EFF64666-4FE9-46E0-A98F-515C48AE2335}"/>
               </a:ext>
             </a:extLst>
           </p:cNvPr>
@@ -10926,192 +13481,8 @@
         </p:blipFill>
         <p:spPr>
           <a:xfrm>
-            <a:off x="5284837" y="456954"/>
-            <a:ext cx="6294528" cy="6309031"/>
-          </a:xfrm>
-          <a:prstGeom prst="rect">
-            <a:avLst/>
-          </a:prstGeom>
-        </p:spPr>
-      </p:pic>
-      <p:sp>
-        <p:nvSpPr>
-          <p:cNvPr id="2" name="Title 1">
-            <a:extLst>
-              <a:ext uri="{FF2B5EF4-FFF2-40B4-BE49-F238E27FC236}">
-                <a16:creationId xmlns:a16="http://schemas.microsoft.com/office/drawing/2014/main" id="{7C558F03-F37E-42CF-BB47-EC024EB6C453}"/>
-              </a:ext>
-            </a:extLst>
-          </p:cNvPr>
-          <p:cNvSpPr>
-            <a:spLocks noGrp="1"/>
-          </p:cNvSpPr>
-          <p:nvPr>
-            <p:ph type="title"/>
-          </p:nvPr>
-        </p:nvSpPr>
-        <p:spPr/>
-        <p:txBody>
-          <a:bodyPr/>
-          <a:lstStyle/>
-          <a:p>
-            <a:r>
-              <a:rPr lang="en-US" dirty="0"/>
-              <a:t>WESAD dataset</a:t>
-            </a:r>
-          </a:p>
-        </p:txBody>
-      </p:sp>
-    </p:spTree>
-    <p:extLst>
-      <p:ext uri="{BB962C8B-B14F-4D97-AF65-F5344CB8AC3E}">
-        <p14:creationId xmlns:p14="http://schemas.microsoft.com/office/powerpoint/2010/main" val="2772369951"/>
-      </p:ext>
-    </p:extLst>
-  </p:cSld>
-  <p:clrMapOvr>
-    <a:masterClrMapping/>
-  </p:clrMapOvr>
-</p:sld>
-</file>
-
-<file path=ppt/slides/slide7.xml><?xml version="1.0" encoding="utf-8"?>
-<p:sld xmlns:a="http://schemas.openxmlformats.org/drawingml/2006/main" xmlns:r="http://schemas.openxmlformats.org/officeDocument/2006/relationships" xmlns:p="http://schemas.openxmlformats.org/presentationml/2006/main">
-  <p:cSld>
-    <p:spTree>
-      <p:nvGrpSpPr>
-        <p:cNvPr id="1" name=""/>
-        <p:cNvGrpSpPr/>
-        <p:nvPr/>
-      </p:nvGrpSpPr>
-      <p:grpSpPr>
-        <a:xfrm>
-          <a:off x="0" y="0"/>
-          <a:ext cx="0" cy="0"/>
-          <a:chOff x="0" y="0"/>
-          <a:chExt cx="0" cy="0"/>
-        </a:xfrm>
-      </p:grpSpPr>
-      <p:sp>
-        <p:nvSpPr>
-          <p:cNvPr id="2" name="Title 1">
-            <a:extLst>
-              <a:ext uri="{FF2B5EF4-FFF2-40B4-BE49-F238E27FC236}">
-                <a16:creationId xmlns:a16="http://schemas.microsoft.com/office/drawing/2014/main" id="{7C558F03-F37E-42CF-BB47-EC024EB6C453}"/>
-              </a:ext>
-            </a:extLst>
-          </p:cNvPr>
-          <p:cNvSpPr>
-            <a:spLocks noGrp="1"/>
-          </p:cNvSpPr>
-          <p:nvPr>
-            <p:ph type="title"/>
-          </p:nvPr>
-        </p:nvSpPr>
-        <p:spPr/>
-        <p:txBody>
-          <a:bodyPr/>
-          <a:lstStyle/>
-          <a:p>
-            <a:r>
-              <a:rPr lang="en-US" dirty="0"/>
-              <a:t>WESAD dataset</a:t>
-            </a:r>
-          </a:p>
-        </p:txBody>
-      </p:sp>
-      <p:sp>
-        <p:nvSpPr>
-          <p:cNvPr id="3" name="Content Placeholder 2">
-            <a:extLst>
-              <a:ext uri="{FF2B5EF4-FFF2-40B4-BE49-F238E27FC236}">
-                <a16:creationId xmlns:a16="http://schemas.microsoft.com/office/drawing/2014/main" id="{8D8DCDC1-E3D3-4DB8-9471-4E55A856F0EB}"/>
-              </a:ext>
-            </a:extLst>
-          </p:cNvPr>
-          <p:cNvSpPr>
-            <a:spLocks noGrp="1"/>
-          </p:cNvSpPr>
-          <p:nvPr>
-            <p:ph idx="1"/>
-          </p:nvPr>
-        </p:nvSpPr>
-        <p:spPr/>
-        <p:txBody>
-          <a:bodyPr/>
-          <a:lstStyle/>
-          <a:p>
-            <a:r>
-              <a:rPr lang="en-US" dirty="0">
-                <a:solidFill>
-                  <a:schemeClr val="bg1">
-                    <a:lumMod val="75000"/>
-                  </a:schemeClr>
-                </a:solidFill>
-              </a:rPr>
-              <a:t>Wearables record physio metrics:</a:t>
-            </a:r>
-          </a:p>
-          <a:p>
-            <a:pPr lvl="1"/>
-            <a:r>
-              <a:rPr lang="en-US" dirty="0">
-                <a:solidFill>
-                  <a:schemeClr val="bg1">
-                    <a:lumMod val="75000"/>
-                  </a:schemeClr>
-                </a:solidFill>
-              </a:rPr>
-              <a:t>Electrocardiography, Electrodermal activity, Electromyography, Respiration, Accelerometers on chest and wrist.</a:t>
-            </a:r>
-          </a:p>
-          <a:p>
-            <a:r>
-              <a:rPr lang="en-US" dirty="0"/>
-              <a:t>Self-report affective questionnaires</a:t>
-            </a:r>
-          </a:p>
-          <a:p>
-            <a:r>
-              <a:rPr lang="en-US" dirty="0">
-                <a:solidFill>
-                  <a:schemeClr val="bg1">
-                    <a:lumMod val="75000"/>
-                  </a:schemeClr>
-                </a:solidFill>
-              </a:rPr>
-              <a:t>Personal details (age, weight, smoker status…)</a:t>
-            </a:r>
-          </a:p>
-          <a:p>
-            <a:endParaRPr lang="en-US" dirty="0"/>
-          </a:p>
-        </p:txBody>
-      </p:sp>
-      <p:pic>
-        <p:nvPicPr>
-          <p:cNvPr id="5" name="Picture 4">
-            <a:extLst>
-              <a:ext uri="{FF2B5EF4-FFF2-40B4-BE49-F238E27FC236}">
-                <a16:creationId xmlns:a16="http://schemas.microsoft.com/office/drawing/2014/main" id="{EFF64666-4FE9-46E0-A98F-515C48AE2335}"/>
-              </a:ext>
-            </a:extLst>
-          </p:cNvPr>
-          <p:cNvPicPr>
-            <a:picLocks noChangeAspect="1"/>
-          </p:cNvPicPr>
-          <p:nvPr/>
-        </p:nvPicPr>
-        <p:blipFill>
-          <a:blip r:embed="rId2"/>
-          <a:stretch>
-            <a:fillRect/>
-          </a:stretch>
-        </p:blipFill>
-        <p:spPr>
-          <a:xfrm>
-            <a:off x="767484" y="0"/>
-            <a:ext cx="10309976" cy="6743281"/>
+            <a:off x="878879" y="640080"/>
+            <a:ext cx="9467061" cy="6191969"/>
           </a:xfrm>
           <a:prstGeom prst="rect">
             <a:avLst/>
@@ -11135,8 +13506,8 @@
         </p:nvSpPr>
         <p:spPr>
           <a:xfrm>
-            <a:off x="8748215" y="365125"/>
-            <a:ext cx="477672" cy="4261466"/>
+            <a:off x="8222573" y="994587"/>
+            <a:ext cx="405905" cy="3443301"/>
           </a:xfrm>
           <a:prstGeom prst="rect">
             <a:avLst/>
@@ -11173,6 +13544,339 @@
           </a:p>
         </p:txBody>
       </p:sp>
+      <p:sp>
+        <p:nvSpPr>
+          <p:cNvPr id="11" name="Content Placeholder 2">
+            <a:extLst>
+              <a:ext uri="{FF2B5EF4-FFF2-40B4-BE49-F238E27FC236}">
+                <a16:creationId xmlns:a16="http://schemas.microsoft.com/office/drawing/2014/main" id="{49F54716-D537-49AD-8272-E4D2F15016AB}"/>
+              </a:ext>
+            </a:extLst>
+          </p:cNvPr>
+          <p:cNvSpPr>
+            <a:spLocks noGrp="1"/>
+          </p:cNvSpPr>
+          <p:nvPr>
+            <p:ph idx="1"/>
+          </p:nvPr>
+        </p:nvSpPr>
+        <p:spPr>
+          <a:xfrm>
+            <a:off x="838200" y="1825625"/>
+            <a:ext cx="10515600" cy="4351338"/>
+          </a:xfrm>
+        </p:spPr>
+        <p:txBody>
+          <a:bodyPr/>
+          <a:lstStyle/>
+          <a:p>
+            <a:r>
+              <a:rPr lang="en-US" dirty="0">
+                <a:solidFill>
+                  <a:schemeClr val="bg1">
+                    <a:lumMod val="75000"/>
+                  </a:schemeClr>
+                </a:solidFill>
+              </a:rPr>
+              <a:t>Wearables record physio metrics:</a:t>
+            </a:r>
+          </a:p>
+          <a:p>
+            <a:pPr lvl="1"/>
+            <a:r>
+              <a:rPr lang="en-US" dirty="0">
+                <a:solidFill>
+                  <a:schemeClr val="bg1">
+                    <a:lumMod val="75000"/>
+                  </a:schemeClr>
+                </a:solidFill>
+              </a:rPr>
+              <a:t>Electrocardiography, Electrodermal activity, Electromyography, Respiration, Accelerometers on chest and wrist.</a:t>
+            </a:r>
+          </a:p>
+          <a:p>
+            <a:r>
+              <a:rPr lang="en-US" dirty="0"/>
+              <a:t>Self-report affective questionnaires</a:t>
+            </a:r>
+          </a:p>
+          <a:p>
+            <a:r>
+              <a:rPr lang="en-US" dirty="0">
+                <a:solidFill>
+                  <a:schemeClr val="bg1">
+                    <a:lumMod val="75000"/>
+                  </a:schemeClr>
+                </a:solidFill>
+              </a:rPr>
+              <a:t>Personal details (age, weight, smoker status…)</a:t>
+            </a:r>
+          </a:p>
+          <a:p>
+            <a:pPr lvl="1"/>
+            <a:r>
+              <a:rPr lang="en-US" dirty="0">
+                <a:solidFill>
+                  <a:schemeClr val="bg1">
+                    <a:lumMod val="75000"/>
+                  </a:schemeClr>
+                </a:solidFill>
+              </a:rPr>
+              <a:t>Categorical data later encoded by one-hot encoding</a:t>
+            </a:r>
+          </a:p>
+          <a:p>
+            <a:endParaRPr lang="en-US" dirty="0"/>
+          </a:p>
+        </p:txBody>
+      </p:sp>
+      <p:sp>
+        <p:nvSpPr>
+          <p:cNvPr id="12" name="Title 1">
+            <a:extLst>
+              <a:ext uri="{FF2B5EF4-FFF2-40B4-BE49-F238E27FC236}">
+                <a16:creationId xmlns:a16="http://schemas.microsoft.com/office/drawing/2014/main" id="{6C330F47-43C1-4F82-9052-1E5A02E1CF58}"/>
+              </a:ext>
+            </a:extLst>
+          </p:cNvPr>
+          <p:cNvSpPr>
+            <a:spLocks noGrp="1"/>
+          </p:cNvSpPr>
+          <p:nvPr>
+            <p:ph type="title"/>
+          </p:nvPr>
+        </p:nvSpPr>
+        <p:spPr>
+          <a:xfrm>
+            <a:off x="838200" y="365125"/>
+            <a:ext cx="10515600" cy="1325563"/>
+          </a:xfrm>
+        </p:spPr>
+        <p:txBody>
+          <a:bodyPr/>
+          <a:lstStyle/>
+          <a:p>
+            <a:r>
+              <a:rPr lang="en-US" dirty="0"/>
+              <a:t>WESAD dataset</a:t>
+            </a:r>
+          </a:p>
+        </p:txBody>
+      </p:sp>
+      <p:graphicFrame>
+        <p:nvGraphicFramePr>
+          <p:cNvPr id="14" name="Table 5">
+            <a:extLst>
+              <a:ext uri="{FF2B5EF4-FFF2-40B4-BE49-F238E27FC236}">
+                <a16:creationId xmlns:a16="http://schemas.microsoft.com/office/drawing/2014/main" id="{0832C4E5-7066-45F8-9691-0166C59AB61F}"/>
+              </a:ext>
+            </a:extLst>
+          </p:cNvPr>
+          <p:cNvGraphicFramePr>
+            <a:graphicFrameLocks/>
+          </p:cNvGraphicFramePr>
+          <p:nvPr>
+            <p:extLst>
+              <p:ext uri="{D42A27DB-BD31-4B8C-83A1-F6EECF244321}">
+                <p14:modId xmlns:p14="http://schemas.microsoft.com/office/powerpoint/2010/main" val="2809345266"/>
+              </p:ext>
+            </p:extLst>
+          </p:nvPr>
+        </p:nvGraphicFramePr>
+        <p:xfrm>
+          <a:off x="0" y="0"/>
+          <a:ext cx="12192000" cy="640080"/>
+        </p:xfrm>
+        <a:graphic>
+          <a:graphicData uri="http://schemas.openxmlformats.org/drawingml/2006/table">
+            <a:tbl>
+              <a:tblPr firstRow="1" bandRow="1">
+                <a:tableStyleId>{5C22544A-7EE6-4342-B048-85BDC9FD1C3A}</a:tableStyleId>
+              </a:tblPr>
+              <a:tblGrid>
+                <a:gridCol w="2032000">
+                  <a:extLst>
+                    <a:ext uri="{9D8B030D-6E8A-4147-A177-3AD203B41FA5}">
+                      <a16:colId xmlns:a16="http://schemas.microsoft.com/office/drawing/2014/main" val="4285599755"/>
+                    </a:ext>
+                  </a:extLst>
+                </a:gridCol>
+                <a:gridCol w="2032000">
+                  <a:extLst>
+                    <a:ext uri="{9D8B030D-6E8A-4147-A177-3AD203B41FA5}">
+                      <a16:colId xmlns:a16="http://schemas.microsoft.com/office/drawing/2014/main" val="2688903068"/>
+                    </a:ext>
+                  </a:extLst>
+                </a:gridCol>
+                <a:gridCol w="2032000">
+                  <a:extLst>
+                    <a:ext uri="{9D8B030D-6E8A-4147-A177-3AD203B41FA5}">
+                      <a16:colId xmlns:a16="http://schemas.microsoft.com/office/drawing/2014/main" val="4274890127"/>
+                    </a:ext>
+                  </a:extLst>
+                </a:gridCol>
+                <a:gridCol w="2032000">
+                  <a:extLst>
+                    <a:ext uri="{9D8B030D-6E8A-4147-A177-3AD203B41FA5}">
+                      <a16:colId xmlns:a16="http://schemas.microsoft.com/office/drawing/2014/main" val="712714667"/>
+                    </a:ext>
+                  </a:extLst>
+                </a:gridCol>
+                <a:gridCol w="2032000">
+                  <a:extLst>
+                    <a:ext uri="{9D8B030D-6E8A-4147-A177-3AD203B41FA5}">
+                      <a16:colId xmlns:a16="http://schemas.microsoft.com/office/drawing/2014/main" val="740919897"/>
+                    </a:ext>
+                  </a:extLst>
+                </a:gridCol>
+                <a:gridCol w="2032000">
+                  <a:extLst>
+                    <a:ext uri="{9D8B030D-6E8A-4147-A177-3AD203B41FA5}">
+                      <a16:colId xmlns:a16="http://schemas.microsoft.com/office/drawing/2014/main" val="478429826"/>
+                    </a:ext>
+                  </a:extLst>
+                </a:gridCol>
+              </a:tblGrid>
+              <a:tr h="215699">
+                <a:tc>
+                  <a:txBody>
+                    <a:bodyPr/>
+                    <a:lstStyle/>
+                    <a:p>
+                      <a:r>
+                        <a:rPr lang="en-US" dirty="0"/>
+                        <a:t>Problem Identification</a:t>
+                      </a:r>
+                    </a:p>
+                  </a:txBody>
+                  <a:tcPr>
+                    <a:solidFill>
+                      <a:schemeClr val="accent1"/>
+                    </a:solidFill>
+                  </a:tcPr>
+                </a:tc>
+                <a:tc>
+                  <a:txBody>
+                    <a:bodyPr/>
+                    <a:lstStyle/>
+                    <a:p>
+                      <a:r>
+                        <a:rPr lang="en-US" dirty="0"/>
+                        <a:t>Data Wrangling</a:t>
+                      </a:r>
+                    </a:p>
+                    <a:p>
+                      <a:pPr marL="0" marR="0" lvl="0" indent="0" algn="l" defTabSz="914400" rtl="0" eaLnBrk="1" fontAlgn="auto" latinLnBrk="0" hangingPunct="1">
+                        <a:lnSpc>
+                          <a:spcPct val="100000"/>
+                        </a:lnSpc>
+                        <a:spcBef>
+                          <a:spcPts val="0"/>
+                        </a:spcBef>
+                        <a:spcAft>
+                          <a:spcPts val="0"/>
+                        </a:spcAft>
+                        <a:buClrTx/>
+                        <a:buSzTx/>
+                        <a:buFontTx/>
+                        <a:buNone/>
+                        <a:tabLst/>
+                        <a:defRPr/>
+                      </a:pPr>
+                      <a:r>
+                        <a:rPr lang="en-US" sz="1600" b="0" dirty="0">
+                          <a:solidFill>
+                            <a:schemeClr val="accent1">
+                              <a:lumMod val="75000"/>
+                            </a:schemeClr>
+                          </a:solidFill>
+                          <a:hlinkClick r:id="rId3">
+                            <a:extLst>
+                              <a:ext uri="{A12FA001-AC4F-418D-AE19-62706E023703}">
+                                <ahyp:hlinkClr xmlns:ahyp="http://schemas.microsoft.com/office/drawing/2018/hyperlinkcolor" val="tx"/>
+                              </a:ext>
+                            </a:extLst>
+                          </a:hlinkClick>
+                        </a:rPr>
+                        <a:t>(notebook on Github)</a:t>
+                      </a:r>
+                      <a:endParaRPr lang="en-US" sz="1600" b="0" dirty="0">
+                        <a:solidFill>
+                          <a:schemeClr val="accent1">
+                            <a:lumMod val="75000"/>
+                          </a:schemeClr>
+                        </a:solidFill>
+                      </a:endParaRPr>
+                    </a:p>
+                  </a:txBody>
+                  <a:tcPr>
+                    <a:solidFill>
+                      <a:schemeClr val="accent2"/>
+                    </a:solidFill>
+                  </a:tcPr>
+                </a:tc>
+                <a:tc>
+                  <a:txBody>
+                    <a:bodyPr/>
+                    <a:lstStyle/>
+                    <a:p>
+                      <a:r>
+                        <a:rPr lang="en-US" dirty="0"/>
+                        <a:t>Exploratory Data Analysis</a:t>
+                      </a:r>
+                    </a:p>
+                  </a:txBody>
+                  <a:tcPr/>
+                </a:tc>
+                <a:tc>
+                  <a:txBody>
+                    <a:bodyPr/>
+                    <a:lstStyle/>
+                    <a:p>
+                      <a:r>
+                        <a:rPr lang="en-US" dirty="0"/>
+                        <a:t>Preprocessing</a:t>
+                      </a:r>
+                    </a:p>
+                  </a:txBody>
+                  <a:tcPr/>
+                </a:tc>
+                <a:tc>
+                  <a:txBody>
+                    <a:bodyPr/>
+                    <a:lstStyle/>
+                    <a:p>
+                      <a:r>
+                        <a:rPr lang="en-US" dirty="0"/>
+                        <a:t>Modeling</a:t>
+                      </a:r>
+                    </a:p>
+                  </a:txBody>
+                  <a:tcPr/>
+                </a:tc>
+                <a:tc>
+                  <a:txBody>
+                    <a:bodyPr/>
+                    <a:lstStyle/>
+                    <a:p>
+                      <a:r>
+                        <a:rPr lang="en-US" dirty="0"/>
+                        <a:t>Documentation</a:t>
+                      </a:r>
+                    </a:p>
+                  </a:txBody>
+                  <a:tcPr/>
+                </a:tc>
+                <a:extLst>
+                  <a:ext uri="{0D108BD9-81ED-4DB2-BD59-A6C34878D82A}">
+                    <a16:rowId xmlns:a16="http://schemas.microsoft.com/office/drawing/2014/main" val="3148223393"/>
+                  </a:ext>
+                </a:extLst>
+              </a:tr>
+            </a:tbl>
+          </a:graphicData>
+        </a:graphic>
+      </p:graphicFrame>
     </p:spTree>
     <p:extLst>
       <p:ext uri="{BB962C8B-B14F-4D97-AF65-F5344CB8AC3E}">
@@ -11204,7 +13908,7 @@
                             </p:stCondLst>
                             <p:childTnLst>
                               <p:par>
-                                <p:cTn id="5" presetID="1" presetClass="entr" presetSubtype="0" fill="hold" nodeType="clickEffect">
+                                <p:cTn id="5" presetID="1" presetClass="exit" presetSubtype="0" fill="hold" grpId="0" nodeType="clickEffect">
                                   <p:stCondLst>
                                     <p:cond delay="0"/>
                                   </p:stCondLst>
@@ -11217,7 +13921,189 @@
                                           </p:stCondLst>
                                         </p:cTn>
                                         <p:tgtEl>
-                                          <p:spTgt spid="5"/>
+                                          <p:spTgt spid="11">
+                                            <p:txEl>
+                                              <p:pRg st="0" end="0"/>
+                                            </p:txEl>
+                                          </p:spTgt>
+                                        </p:tgtEl>
+                                        <p:attrNameLst>
+                                          <p:attrName>style.visibility</p:attrName>
+                                        </p:attrNameLst>
+                                      </p:cBhvr>
+                                      <p:to>
+                                        <p:strVal val="hidden"/>
+                                      </p:to>
+                                    </p:set>
+                                  </p:childTnLst>
+                                </p:cTn>
+                              </p:par>
+                              <p:par>
+                                <p:cTn id="7" presetID="1" presetClass="exit" presetSubtype="0" fill="hold" grpId="0" nodeType="withEffect">
+                                  <p:stCondLst>
+                                    <p:cond delay="0"/>
+                                  </p:stCondLst>
+                                  <p:childTnLst>
+                                    <p:set>
+                                      <p:cBhvr>
+                                        <p:cTn id="8" dur="1" fill="hold">
+                                          <p:stCondLst>
+                                            <p:cond delay="0"/>
+                                          </p:stCondLst>
+                                        </p:cTn>
+                                        <p:tgtEl>
+                                          <p:spTgt spid="11">
+                                            <p:txEl>
+                                              <p:pRg st="1" end="1"/>
+                                            </p:txEl>
+                                          </p:spTgt>
+                                        </p:tgtEl>
+                                        <p:attrNameLst>
+                                          <p:attrName>style.visibility</p:attrName>
+                                        </p:attrNameLst>
+                                      </p:cBhvr>
+                                      <p:to>
+                                        <p:strVal val="hidden"/>
+                                      </p:to>
+                                    </p:set>
+                                  </p:childTnLst>
+                                </p:cTn>
+                              </p:par>
+                              <p:par>
+                                <p:cTn id="9" presetID="1" presetClass="exit" presetSubtype="0" fill="hold" grpId="0" nodeType="withEffect">
+                                  <p:stCondLst>
+                                    <p:cond delay="0"/>
+                                  </p:stCondLst>
+                                  <p:childTnLst>
+                                    <p:set>
+                                      <p:cBhvr>
+                                        <p:cTn id="10" dur="1" fill="hold">
+                                          <p:stCondLst>
+                                            <p:cond delay="0"/>
+                                          </p:stCondLst>
+                                        </p:cTn>
+                                        <p:tgtEl>
+                                          <p:spTgt spid="11">
+                                            <p:txEl>
+                                              <p:pRg st="2" end="2"/>
+                                            </p:txEl>
+                                          </p:spTgt>
+                                        </p:tgtEl>
+                                        <p:attrNameLst>
+                                          <p:attrName>style.visibility</p:attrName>
+                                        </p:attrNameLst>
+                                      </p:cBhvr>
+                                      <p:to>
+                                        <p:strVal val="hidden"/>
+                                      </p:to>
+                                    </p:set>
+                                  </p:childTnLst>
+                                </p:cTn>
+                              </p:par>
+                              <p:par>
+                                <p:cTn id="11" presetID="1" presetClass="exit" presetSubtype="0" fill="hold" grpId="0" nodeType="withEffect">
+                                  <p:stCondLst>
+                                    <p:cond delay="0"/>
+                                  </p:stCondLst>
+                                  <p:childTnLst>
+                                    <p:set>
+                                      <p:cBhvr>
+                                        <p:cTn id="12" dur="1" fill="hold">
+                                          <p:stCondLst>
+                                            <p:cond delay="0"/>
+                                          </p:stCondLst>
+                                        </p:cTn>
+                                        <p:tgtEl>
+                                          <p:spTgt spid="11">
+                                            <p:txEl>
+                                              <p:pRg st="3" end="3"/>
+                                            </p:txEl>
+                                          </p:spTgt>
+                                        </p:tgtEl>
+                                        <p:attrNameLst>
+                                          <p:attrName>style.visibility</p:attrName>
+                                        </p:attrNameLst>
+                                      </p:cBhvr>
+                                      <p:to>
+                                        <p:strVal val="hidden"/>
+                                      </p:to>
+                                    </p:set>
+                                  </p:childTnLst>
+                                </p:cTn>
+                              </p:par>
+                              <p:par>
+                                <p:cTn id="13" presetID="1" presetClass="exit" presetSubtype="0" fill="hold" grpId="0" nodeType="withEffect">
+                                  <p:stCondLst>
+                                    <p:cond delay="0"/>
+                                  </p:stCondLst>
+                                  <p:childTnLst>
+                                    <p:set>
+                                      <p:cBhvr>
+                                        <p:cTn id="14" dur="1" fill="hold">
+                                          <p:stCondLst>
+                                            <p:cond delay="0"/>
+                                          </p:stCondLst>
+                                        </p:cTn>
+                                        <p:tgtEl>
+                                          <p:spTgt spid="11">
+                                            <p:txEl>
+                                              <p:pRg st="4" end="4"/>
+                                            </p:txEl>
+                                          </p:spTgt>
+                                        </p:tgtEl>
+                                        <p:attrNameLst>
+                                          <p:attrName>style.visibility</p:attrName>
+                                        </p:attrNameLst>
+                                      </p:cBhvr>
+                                      <p:to>
+                                        <p:strVal val="hidden"/>
+                                      </p:to>
+                                    </p:set>
+                                  </p:childTnLst>
+                                </p:cTn>
+                              </p:par>
+                              <p:par>
+                                <p:cTn id="15" presetID="1" presetClass="exit" presetSubtype="0" fill="hold" grpId="0" nodeType="withEffect">
+                                  <p:stCondLst>
+                                    <p:cond delay="0"/>
+                                  </p:stCondLst>
+                                  <p:childTnLst>
+                                    <p:set>
+                                      <p:cBhvr>
+                                        <p:cTn id="16" dur="1" fill="hold">
+                                          <p:stCondLst>
+                                            <p:cond delay="0"/>
+                                          </p:stCondLst>
+                                        </p:cTn>
+                                        <p:tgtEl>
+                                          <p:spTgt spid="12"/>
+                                        </p:tgtEl>
+                                        <p:attrNameLst>
+                                          <p:attrName>style.visibility</p:attrName>
+                                        </p:attrNameLst>
+                                      </p:cBhvr>
+                                      <p:to>
+                                        <p:strVal val="hidden"/>
+                                      </p:to>
+                                    </p:set>
+                                  </p:childTnLst>
+                                </p:cTn>
+                              </p:par>
+                              <p:par>
+                                <p:cTn id="17" presetID="1" presetClass="entr" presetSubtype="0" fill="hold" grpId="0" nodeType="withEffect">
+                                  <p:stCondLst>
+                                    <p:cond delay="0"/>
+                                  </p:stCondLst>
+                                  <p:childTnLst>
+                                    <p:set>
+                                      <p:cBhvr>
+                                        <p:cTn id="18" dur="1" fill="hold">
+                                          <p:stCondLst>
+                                            <p:cond delay="0"/>
+                                          </p:stCondLst>
+                                        </p:cTn>
+                                        <p:tgtEl>
+                                          <p:spTgt spid="6"/>
                                         </p:tgtEl>
                                         <p:attrNameLst>
                                           <p:attrName>style.visibility</p:attrName>
@@ -11230,39 +14116,21 @@
                                   </p:childTnLst>
                                 </p:cTn>
                               </p:par>
-                            </p:childTnLst>
-                          </p:cTn>
-                        </p:par>
-                      </p:childTnLst>
-                    </p:cTn>
-                  </p:par>
-                  <p:par>
-                    <p:cTn id="7" fill="hold">
-                      <p:stCondLst>
-                        <p:cond delay="indefinite"/>
-                      </p:stCondLst>
-                      <p:childTnLst>
-                        <p:par>
-                          <p:cTn id="8" fill="hold">
-                            <p:stCondLst>
-                              <p:cond delay="0"/>
-                            </p:stCondLst>
-                            <p:childTnLst>
                               <p:par>
-                                <p:cTn id="9" presetID="1" presetClass="entr" presetSubtype="0" fill="hold" grpId="0" nodeType="clickEffect">
+                                <p:cTn id="19" presetID="1" presetClass="entr" presetSubtype="0" fill="hold" nodeType="withEffect">
                                   <p:stCondLst>
                                     <p:cond delay="0"/>
                                   </p:stCondLst>
                                   <p:childTnLst>
                                     <p:set>
                                       <p:cBhvr>
-                                        <p:cTn id="10" dur="1" fill="hold">
+                                        <p:cTn id="20" dur="1" fill="hold">
                                           <p:stCondLst>
                                             <p:cond delay="0"/>
                                           </p:stCondLst>
                                         </p:cTn>
                                         <p:tgtEl>
-                                          <p:spTgt spid="6"/>
+                                          <p:spTgt spid="5"/>
                                         </p:tgtEl>
                                         <p:attrNameLst>
                                           <p:attrName>style.visibility</p:attrName>
@@ -11304,12 +14172,14 @@
     </p:tnLst>
     <p:bldLst>
       <p:bldP spid="6" grpId="0" animBg="1"/>
+      <p:bldP spid="11" grpId="0" uiExpand="1" build="p"/>
+      <p:bldP spid="12" grpId="0"/>
     </p:bldLst>
   </p:timing>
 </p:sld>
 </file>
 
-<file path=ppt/slides/slide8.xml><?xml version="1.0" encoding="utf-8"?>
+<file path=ppt/slides/slide7.xml><?xml version="1.0" encoding="utf-8"?>
 <p:sld xmlns:a="http://schemas.openxmlformats.org/drawingml/2006/main" xmlns:r="http://schemas.openxmlformats.org/officeDocument/2006/relationships" xmlns:p="http://schemas.openxmlformats.org/presentationml/2006/main">
   <p:cSld>
     <p:spTree>
@@ -12235,6 +15105,220 @@
           </a:p>
         </p:txBody>
       </p:sp>
+      <p:graphicFrame>
+        <p:nvGraphicFramePr>
+          <p:cNvPr id="10" name="Table 5">
+            <a:extLst>
+              <a:ext uri="{FF2B5EF4-FFF2-40B4-BE49-F238E27FC236}">
+                <a16:creationId xmlns:a16="http://schemas.microsoft.com/office/drawing/2014/main" id="{BF8C73BC-8770-450E-8D44-ECDAD16F11B3}"/>
+              </a:ext>
+            </a:extLst>
+          </p:cNvPr>
+          <p:cNvGraphicFramePr>
+            <a:graphicFrameLocks/>
+          </p:cNvGraphicFramePr>
+          <p:nvPr>
+            <p:extLst>
+              <p:ext uri="{D42A27DB-BD31-4B8C-83A1-F6EECF244321}">
+                <p14:modId xmlns:p14="http://schemas.microsoft.com/office/powerpoint/2010/main" val="2809345266"/>
+              </p:ext>
+            </p:extLst>
+          </p:nvPr>
+        </p:nvGraphicFramePr>
+        <p:xfrm>
+          <a:off x="0" y="0"/>
+          <a:ext cx="12192000" cy="640080"/>
+        </p:xfrm>
+        <a:graphic>
+          <a:graphicData uri="http://schemas.openxmlformats.org/drawingml/2006/table">
+            <a:tbl>
+              <a:tblPr firstRow="1" bandRow="1">
+                <a:tableStyleId>{5C22544A-7EE6-4342-B048-85BDC9FD1C3A}</a:tableStyleId>
+              </a:tblPr>
+              <a:tblGrid>
+                <a:gridCol w="2032000">
+                  <a:extLst>
+                    <a:ext uri="{9D8B030D-6E8A-4147-A177-3AD203B41FA5}">
+                      <a16:colId xmlns:a16="http://schemas.microsoft.com/office/drawing/2014/main" val="4285599755"/>
+                    </a:ext>
+                  </a:extLst>
+                </a:gridCol>
+                <a:gridCol w="2032000">
+                  <a:extLst>
+                    <a:ext uri="{9D8B030D-6E8A-4147-A177-3AD203B41FA5}">
+                      <a16:colId xmlns:a16="http://schemas.microsoft.com/office/drawing/2014/main" val="2688903068"/>
+                    </a:ext>
+                  </a:extLst>
+                </a:gridCol>
+                <a:gridCol w="2032000">
+                  <a:extLst>
+                    <a:ext uri="{9D8B030D-6E8A-4147-A177-3AD203B41FA5}">
+                      <a16:colId xmlns:a16="http://schemas.microsoft.com/office/drawing/2014/main" val="4274890127"/>
+                    </a:ext>
+                  </a:extLst>
+                </a:gridCol>
+                <a:gridCol w="2032000">
+                  <a:extLst>
+                    <a:ext uri="{9D8B030D-6E8A-4147-A177-3AD203B41FA5}">
+                      <a16:colId xmlns:a16="http://schemas.microsoft.com/office/drawing/2014/main" val="712714667"/>
+                    </a:ext>
+                  </a:extLst>
+                </a:gridCol>
+                <a:gridCol w="2032000">
+                  <a:extLst>
+                    <a:ext uri="{9D8B030D-6E8A-4147-A177-3AD203B41FA5}">
+                      <a16:colId xmlns:a16="http://schemas.microsoft.com/office/drawing/2014/main" val="740919897"/>
+                    </a:ext>
+                  </a:extLst>
+                </a:gridCol>
+                <a:gridCol w="2032000">
+                  <a:extLst>
+                    <a:ext uri="{9D8B030D-6E8A-4147-A177-3AD203B41FA5}">
+                      <a16:colId xmlns:a16="http://schemas.microsoft.com/office/drawing/2014/main" val="478429826"/>
+                    </a:ext>
+                  </a:extLst>
+                </a:gridCol>
+              </a:tblGrid>
+              <a:tr h="215699">
+                <a:tc>
+                  <a:txBody>
+                    <a:bodyPr/>
+                    <a:lstStyle/>
+                    <a:p>
+                      <a:r>
+                        <a:rPr lang="en-US" dirty="0"/>
+                        <a:t>Problem Identification</a:t>
+                      </a:r>
+                    </a:p>
+                  </a:txBody>
+                  <a:tcPr>
+                    <a:solidFill>
+                      <a:schemeClr val="accent1"/>
+                    </a:solidFill>
+                  </a:tcPr>
+                </a:tc>
+                <a:tc>
+                  <a:txBody>
+                    <a:bodyPr/>
+                    <a:lstStyle/>
+                    <a:p>
+                      <a:r>
+                        <a:rPr lang="en-US" dirty="0"/>
+                        <a:t>Data Wrangling</a:t>
+                      </a:r>
+                    </a:p>
+                    <a:p>
+                      <a:pPr marL="0" marR="0" lvl="0" indent="0" algn="l" defTabSz="914400" rtl="0" eaLnBrk="1" fontAlgn="auto" latinLnBrk="0" hangingPunct="1">
+                        <a:lnSpc>
+                          <a:spcPct val="100000"/>
+                        </a:lnSpc>
+                        <a:spcBef>
+                          <a:spcPts val="0"/>
+                        </a:spcBef>
+                        <a:spcAft>
+                          <a:spcPts val="0"/>
+                        </a:spcAft>
+                        <a:buClrTx/>
+                        <a:buSzTx/>
+                        <a:buFontTx/>
+                        <a:buNone/>
+                        <a:tabLst/>
+                        <a:defRPr/>
+                      </a:pPr>
+                      <a:r>
+                        <a:rPr lang="en-US" sz="1600" b="0" dirty="0">
+                          <a:solidFill>
+                            <a:schemeClr val="accent1">
+                              <a:lumMod val="75000"/>
+                            </a:schemeClr>
+                          </a:solidFill>
+                          <a:hlinkClick r:id="rId2">
+                            <a:extLst>
+                              <a:ext uri="{A12FA001-AC4F-418D-AE19-62706E023703}">
+                                <ahyp:hlinkClr xmlns:ahyp="http://schemas.microsoft.com/office/drawing/2018/hyperlinkcolor" val="tx"/>
+                              </a:ext>
+                            </a:extLst>
+                          </a:hlinkClick>
+                        </a:rPr>
+                        <a:t>(notebook on Github)</a:t>
+                      </a:r>
+                      <a:endParaRPr lang="en-US" sz="1600" b="0" dirty="0">
+                        <a:solidFill>
+                          <a:schemeClr val="accent1">
+                            <a:lumMod val="75000"/>
+                          </a:schemeClr>
+                        </a:solidFill>
+                      </a:endParaRPr>
+                    </a:p>
+                  </a:txBody>
+                  <a:tcPr>
+                    <a:solidFill>
+                      <a:schemeClr val="accent2"/>
+                    </a:solidFill>
+                  </a:tcPr>
+                </a:tc>
+                <a:tc>
+                  <a:txBody>
+                    <a:bodyPr/>
+                    <a:lstStyle/>
+                    <a:p>
+                      <a:r>
+                        <a:rPr lang="en-US" dirty="0"/>
+                        <a:t>Exploratory Data Analysis</a:t>
+                      </a:r>
+                    </a:p>
+                  </a:txBody>
+                  <a:tcPr/>
+                </a:tc>
+                <a:tc>
+                  <a:txBody>
+                    <a:bodyPr/>
+                    <a:lstStyle/>
+                    <a:p>
+                      <a:r>
+                        <a:rPr lang="en-US" dirty="0"/>
+                        <a:t>Preprocessing</a:t>
+                      </a:r>
+                    </a:p>
+                  </a:txBody>
+                  <a:tcPr/>
+                </a:tc>
+                <a:tc>
+                  <a:txBody>
+                    <a:bodyPr/>
+                    <a:lstStyle/>
+                    <a:p>
+                      <a:r>
+                        <a:rPr lang="en-US" dirty="0"/>
+                        <a:t>Modeling</a:t>
+                      </a:r>
+                    </a:p>
+                  </a:txBody>
+                  <a:tcPr/>
+                </a:tc>
+                <a:tc>
+                  <a:txBody>
+                    <a:bodyPr/>
+                    <a:lstStyle/>
+                    <a:p>
+                      <a:r>
+                        <a:rPr lang="en-US" dirty="0"/>
+                        <a:t>Documentation</a:t>
+                      </a:r>
+                    </a:p>
+                  </a:txBody>
+                  <a:tcPr/>
+                </a:tc>
+                <a:extLst>
+                  <a:ext uri="{0D108BD9-81ED-4DB2-BD59-A6C34878D82A}">
+                    <a16:rowId xmlns:a16="http://schemas.microsoft.com/office/drawing/2014/main" val="3148223393"/>
+                  </a:ext>
+                </a:extLst>
+              </a:tr>
+            </a:tbl>
+          </a:graphicData>
+        </a:graphic>
+      </p:graphicFrame>
     </p:spTree>
     <p:extLst>
       <p:ext uri="{BB962C8B-B14F-4D97-AF65-F5344CB8AC3E}">
@@ -12566,10 +15650,297 @@
     </p:tnLst>
     <p:bldLst>
       <p:bldP spid="3" grpId="0" uiExpand="1" build="p"/>
-      <p:bldP spid="5" grpId="0"/>
-      <p:bldP spid="8" grpId="0"/>
+      <p:bldP spid="5" grpId="0" animBg="1"/>
+      <p:bldP spid="8" grpId="0" animBg="1"/>
     </p:bldLst>
   </p:timing>
+</p:sld>
+</file>
+
+<file path=ppt/slides/slide8.xml><?xml version="1.0" encoding="utf-8"?>
+<p:sld xmlns:a="http://schemas.openxmlformats.org/drawingml/2006/main" xmlns:r="http://schemas.openxmlformats.org/officeDocument/2006/relationships" xmlns:p="http://schemas.openxmlformats.org/presentationml/2006/main">
+  <p:cSld>
+    <p:spTree>
+      <p:nvGrpSpPr>
+        <p:cNvPr id="1" name=""/>
+        <p:cNvGrpSpPr/>
+        <p:nvPr/>
+      </p:nvGrpSpPr>
+      <p:grpSpPr>
+        <a:xfrm>
+          <a:off x="0" y="0"/>
+          <a:ext cx="0" cy="0"/>
+          <a:chOff x="0" y="0"/>
+          <a:chExt cx="0" cy="0"/>
+        </a:xfrm>
+      </p:grpSpPr>
+      <p:sp>
+        <p:nvSpPr>
+          <p:cNvPr id="2" name="Title 1">
+            <a:extLst>
+              <a:ext uri="{FF2B5EF4-FFF2-40B4-BE49-F238E27FC236}">
+                <a16:creationId xmlns:a16="http://schemas.microsoft.com/office/drawing/2014/main" id="{8225BBCA-1C4B-407A-BDA0-B17B2D0274A1}"/>
+              </a:ext>
+            </a:extLst>
+          </p:cNvPr>
+          <p:cNvSpPr>
+            <a:spLocks noGrp="1"/>
+          </p:cNvSpPr>
+          <p:nvPr>
+            <p:ph type="title"/>
+          </p:nvPr>
+        </p:nvSpPr>
+        <p:spPr>
+          <a:xfrm>
+            <a:off x="838200" y="713644"/>
+            <a:ext cx="10515600" cy="1050608"/>
+          </a:xfrm>
+        </p:spPr>
+        <p:txBody>
+          <a:bodyPr>
+            <a:normAutofit fontScale="90000"/>
+          </a:bodyPr>
+          <a:lstStyle/>
+          <a:p>
+            <a:r>
+              <a:rPr lang="en-US" dirty="0"/>
+              <a:t>Signal Processing to Extract Meaningful Physiological Features</a:t>
+            </a:r>
+          </a:p>
+        </p:txBody>
+      </p:sp>
+      <p:sp>
+        <p:nvSpPr>
+          <p:cNvPr id="3" name="Content Placeholder 2">
+            <a:extLst>
+              <a:ext uri="{FF2B5EF4-FFF2-40B4-BE49-F238E27FC236}">
+                <a16:creationId xmlns:a16="http://schemas.microsoft.com/office/drawing/2014/main" id="{31B60E91-1AB3-4E87-9941-87FAEE0D642F}"/>
+              </a:ext>
+            </a:extLst>
+          </p:cNvPr>
+          <p:cNvSpPr>
+            <a:spLocks noGrp="1"/>
+          </p:cNvSpPr>
+          <p:nvPr>
+            <p:ph idx="1"/>
+          </p:nvPr>
+        </p:nvSpPr>
+        <p:spPr/>
+        <p:txBody>
+          <a:bodyPr/>
+          <a:lstStyle/>
+          <a:p>
+            <a:r>
+              <a:rPr lang="en-US" dirty="0"/>
+              <a:t>Custom transformations to convert raw data streams to meaningful features.</a:t>
+            </a:r>
+          </a:p>
+          <a:p>
+            <a:pPr lvl="1"/>
+            <a:r>
+              <a:rPr lang="en-US" dirty="0"/>
+              <a:t>Example: Heart rate information extracted from ECG data.</a:t>
+            </a:r>
+          </a:p>
+          <a:p>
+            <a:endParaRPr lang="en-US" dirty="0"/>
+          </a:p>
+          <a:p>
+            <a:r>
+              <a:rPr lang="en-US" dirty="0"/>
+              <a:t>Physio features then aggregated over experimental task segment.</a:t>
+            </a:r>
+          </a:p>
+          <a:p>
+            <a:pPr lvl="1"/>
+            <a:r>
+              <a:rPr lang="en-US" dirty="0"/>
+              <a:t>Example: Average heart rate during social stress task.</a:t>
+            </a:r>
+          </a:p>
+        </p:txBody>
+      </p:sp>
+      <p:graphicFrame>
+        <p:nvGraphicFramePr>
+          <p:cNvPr id="4" name="Table 5">
+            <a:extLst>
+              <a:ext uri="{FF2B5EF4-FFF2-40B4-BE49-F238E27FC236}">
+                <a16:creationId xmlns:a16="http://schemas.microsoft.com/office/drawing/2014/main" id="{CE8FC327-ABB0-40F2-9BCF-2379C26131C4}"/>
+              </a:ext>
+            </a:extLst>
+          </p:cNvPr>
+          <p:cNvGraphicFramePr>
+            <a:graphicFrameLocks/>
+          </p:cNvGraphicFramePr>
+          <p:nvPr>
+            <p:extLst>
+              <p:ext uri="{D42A27DB-BD31-4B8C-83A1-F6EECF244321}">
+                <p14:modId xmlns:p14="http://schemas.microsoft.com/office/powerpoint/2010/main" val="2496215495"/>
+              </p:ext>
+            </p:extLst>
+          </p:nvPr>
+        </p:nvGraphicFramePr>
+        <p:xfrm>
+          <a:off x="0" y="0"/>
+          <a:ext cx="12192000" cy="640080"/>
+        </p:xfrm>
+        <a:graphic>
+          <a:graphicData uri="http://schemas.openxmlformats.org/drawingml/2006/table">
+            <a:tbl>
+              <a:tblPr firstRow="1" bandRow="1">
+                <a:tableStyleId>{5C22544A-7EE6-4342-B048-85BDC9FD1C3A}</a:tableStyleId>
+              </a:tblPr>
+              <a:tblGrid>
+                <a:gridCol w="2032000">
+                  <a:extLst>
+                    <a:ext uri="{9D8B030D-6E8A-4147-A177-3AD203B41FA5}">
+                      <a16:colId xmlns:a16="http://schemas.microsoft.com/office/drawing/2014/main" val="4285599755"/>
+                    </a:ext>
+                  </a:extLst>
+                </a:gridCol>
+                <a:gridCol w="2032000">
+                  <a:extLst>
+                    <a:ext uri="{9D8B030D-6E8A-4147-A177-3AD203B41FA5}">
+                      <a16:colId xmlns:a16="http://schemas.microsoft.com/office/drawing/2014/main" val="2688903068"/>
+                    </a:ext>
+                  </a:extLst>
+                </a:gridCol>
+                <a:gridCol w="2032000">
+                  <a:extLst>
+                    <a:ext uri="{9D8B030D-6E8A-4147-A177-3AD203B41FA5}">
+                      <a16:colId xmlns:a16="http://schemas.microsoft.com/office/drawing/2014/main" val="4274890127"/>
+                    </a:ext>
+                  </a:extLst>
+                </a:gridCol>
+                <a:gridCol w="2032000">
+                  <a:extLst>
+                    <a:ext uri="{9D8B030D-6E8A-4147-A177-3AD203B41FA5}">
+                      <a16:colId xmlns:a16="http://schemas.microsoft.com/office/drawing/2014/main" val="712714667"/>
+                    </a:ext>
+                  </a:extLst>
+                </a:gridCol>
+                <a:gridCol w="2032000">
+                  <a:extLst>
+                    <a:ext uri="{9D8B030D-6E8A-4147-A177-3AD203B41FA5}">
+                      <a16:colId xmlns:a16="http://schemas.microsoft.com/office/drawing/2014/main" val="740919897"/>
+                    </a:ext>
+                  </a:extLst>
+                </a:gridCol>
+                <a:gridCol w="2032000">
+                  <a:extLst>
+                    <a:ext uri="{9D8B030D-6E8A-4147-A177-3AD203B41FA5}">
+                      <a16:colId xmlns:a16="http://schemas.microsoft.com/office/drawing/2014/main" val="478429826"/>
+                    </a:ext>
+                  </a:extLst>
+                </a:gridCol>
+              </a:tblGrid>
+              <a:tr h="215699">
+                <a:tc>
+                  <a:txBody>
+                    <a:bodyPr/>
+                    <a:lstStyle/>
+                    <a:p>
+                      <a:r>
+                        <a:rPr lang="en-US" dirty="0"/>
+                        <a:t>Problem Identification</a:t>
+                      </a:r>
+                    </a:p>
+                  </a:txBody>
+                  <a:tcPr>
+                    <a:solidFill>
+                      <a:schemeClr val="accent1"/>
+                    </a:solidFill>
+                  </a:tcPr>
+                </a:tc>
+                <a:tc>
+                  <a:txBody>
+                    <a:bodyPr/>
+                    <a:lstStyle/>
+                    <a:p>
+                      <a:r>
+                        <a:rPr lang="en-US" dirty="0"/>
+                        <a:t>Data Wrangling</a:t>
+                      </a:r>
+                    </a:p>
+                  </a:txBody>
+                  <a:tcPr>
+                    <a:solidFill>
+                      <a:schemeClr val="accent2"/>
+                    </a:solidFill>
+                  </a:tcPr>
+                </a:tc>
+                <a:tc>
+                  <a:txBody>
+                    <a:bodyPr/>
+                    <a:lstStyle/>
+                    <a:p>
+                      <a:r>
+                        <a:rPr lang="en-US" dirty="0"/>
+                        <a:t>Exploratory Data Analysis</a:t>
+                      </a:r>
+                    </a:p>
+                  </a:txBody>
+                  <a:tcPr/>
+                </a:tc>
+                <a:tc>
+                  <a:txBody>
+                    <a:bodyPr/>
+                    <a:lstStyle/>
+                    <a:p>
+                      <a:r>
+                        <a:rPr lang="en-US" dirty="0"/>
+                        <a:t>Preprocessing</a:t>
+                      </a:r>
+                    </a:p>
+                  </a:txBody>
+                  <a:tcPr/>
+                </a:tc>
+                <a:tc>
+                  <a:txBody>
+                    <a:bodyPr/>
+                    <a:lstStyle/>
+                    <a:p>
+                      <a:r>
+                        <a:rPr lang="en-US" dirty="0"/>
+                        <a:t>Modeling</a:t>
+                      </a:r>
+                    </a:p>
+                  </a:txBody>
+                  <a:tcPr/>
+                </a:tc>
+                <a:tc>
+                  <a:txBody>
+                    <a:bodyPr/>
+                    <a:lstStyle/>
+                    <a:p>
+                      <a:r>
+                        <a:rPr lang="en-US" dirty="0"/>
+                        <a:t>Documentation</a:t>
+                      </a:r>
+                    </a:p>
+                  </a:txBody>
+                  <a:tcPr/>
+                </a:tc>
+                <a:extLst>
+                  <a:ext uri="{0D108BD9-81ED-4DB2-BD59-A6C34878D82A}">
+                    <a16:rowId xmlns:a16="http://schemas.microsoft.com/office/drawing/2014/main" val="3148223393"/>
+                  </a:ext>
+                </a:extLst>
+              </a:tr>
+            </a:tbl>
+          </a:graphicData>
+        </a:graphic>
+      </p:graphicFrame>
+    </p:spTree>
+    <p:extLst>
+      <p:ext uri="{BB962C8B-B14F-4D97-AF65-F5344CB8AC3E}">
+        <p14:creationId xmlns:p14="http://schemas.microsoft.com/office/powerpoint/2010/main" val="2082628791"/>
+      </p:ext>
+    </p:extLst>
+  </p:cSld>
+  <p:clrMapOvr>
+    <a:masterClrMapping/>
+  </p:clrMapOvr>
 </p:sld>
 </file>
 
@@ -12614,13 +15985,13 @@
         </p:spPr>
         <p:txBody>
           <a:bodyPr>
-            <a:normAutofit fontScale="90000"/>
+            <a:normAutofit/>
           </a:bodyPr>
           <a:lstStyle/>
           <a:p>
             <a:r>
               <a:rPr lang="en-US" dirty="0"/>
-              <a:t>Preprocessing transformations:</a:t>
+              <a:t>Transformations:</a:t>
             </a:r>
             <a:br>
               <a:rPr lang="en-US" dirty="0"/>
@@ -12692,7 +16063,7 @@
         </p:spPr>
         <p:txBody>
           <a:bodyPr vert="horz" lIns="91440" tIns="45720" rIns="91440" bIns="45720" rtlCol="0">
-            <a:normAutofit lnSpcReduction="10000"/>
+            <a:normAutofit/>
           </a:bodyPr>
           <a:lstStyle>
             <a:lvl1pPr marL="228600" indent="-228600" algn="l" defTabSz="914400" rtl="0" eaLnBrk="1" latinLnBrk="0" hangingPunct="1">
@@ -12904,11 +16275,43 @@
           <a:p>
             <a:endParaRPr lang="en-US" dirty="0"/>
           </a:p>
-          <a:p>
-            <a:r>
-              <a:rPr lang="en-US" dirty="0"/>
-              <a:t>The reciprocal of interbeat interval is heart rate</a:t>
-            </a:r>
+        </p:txBody>
+      </p:sp>
+      <p:sp>
+        <p:nvSpPr>
+          <p:cNvPr id="3" name="TextBox 2">
+            <a:extLst>
+              <a:ext uri="{FF2B5EF4-FFF2-40B4-BE49-F238E27FC236}">
+                <a16:creationId xmlns:a16="http://schemas.microsoft.com/office/drawing/2014/main" id="{E8DB9958-5B97-4A13-BBF6-036F88B26EFE}"/>
+              </a:ext>
+            </a:extLst>
+          </p:cNvPr>
+          <p:cNvSpPr txBox="1"/>
+          <p:nvPr/>
+        </p:nvSpPr>
+        <p:spPr>
+          <a:xfrm>
+            <a:off x="0" y="0"/>
+            <a:ext cx="5580993" cy="338554"/>
+          </a:xfrm>
+          <a:prstGeom prst="rect">
+            <a:avLst/>
+          </a:prstGeom>
+          <a:noFill/>
+        </p:spPr>
+        <p:txBody>
+          <a:bodyPr wrap="square" rtlCol="0">
+            <a:spAutoFit/>
+          </a:bodyPr>
+          <a:lstStyle/>
+          <a:p>
+            <a:r>
+              <a:rPr lang="en-US" sz="1600" dirty="0">
+                <a:hlinkClick r:id="rId3"/>
+              </a:rPr>
+              <a:t>(ECG Notebook on Github)</a:t>
+            </a:r>
+            <a:endParaRPr lang="en-US" sz="1600" dirty="0"/>
           </a:p>
         </p:txBody>
       </p:sp>
